--- a/lecture_contents/presentation_1.pptx
+++ b/lecture_contents/presentation_1.pptx
@@ -5,17 +5,19 @@
     <p:sldMasterId id="2147483648" r:id="rId1"/>
   </p:sldMasterIdLst>
   <p:notesMasterIdLst>
-    <p:notesMasterId r:id="rId10"/>
+    <p:notesMasterId r:id="rId12"/>
   </p:notesMasterIdLst>
   <p:sldIdLst>
-    <p:sldId id="256" r:id="rId2"/>
-    <p:sldId id="257" r:id="rId3"/>
-    <p:sldId id="258" r:id="rId4"/>
-    <p:sldId id="259" r:id="rId5"/>
-    <p:sldId id="260" r:id="rId6"/>
-    <p:sldId id="261" r:id="rId7"/>
-    <p:sldId id="262" r:id="rId8"/>
-    <p:sldId id="263" r:id="rId9"/>
+    <p:sldId id="266" r:id="rId2"/>
+    <p:sldId id="265" r:id="rId3"/>
+    <p:sldId id="257" r:id="rId4"/>
+    <p:sldId id="258" r:id="rId5"/>
+    <p:sldId id="259" r:id="rId6"/>
+    <p:sldId id="260" r:id="rId7"/>
+    <p:sldId id="261" r:id="rId8"/>
+    <p:sldId id="262" r:id="rId9"/>
+    <p:sldId id="264" r:id="rId10"/>
+    <p:sldId id="263" r:id="rId11"/>
   </p:sldIdLst>
   <p:sldSz cx="12192000" cy="6858000"/>
   <p:notesSz cx="6858000" cy="9144000"/>
@@ -114,6 +116,11 @@
       </a:defRPr>
     </a:lvl9pPr>
   </p:defaultTextStyle>
+  <p:extLst>
+    <p:ext uri="{EFAFB233-063F-42B5-8137-9DF3F51BA10A}">
+      <p15:sldGuideLst xmlns:p15="http://schemas.microsoft.com/office/powerpoint/2012/main"/>
+    </p:ext>
+  </p:extLst>
 </p:presentation>
 </file>
 
@@ -531,7 +538,7 @@
           <a:p>
             <a:fld id="{FD9DA584-4470-4743-998C-6B1A628419E5}" type="slidenum">
               <a:rPr lang="ko-KR" altLang="en-US" smtClean="0"/>
-              <a:t>1</a:t>
+              <a:t>2</a:t>
             </a:fld>
             <a:endParaRPr lang="ko-KR" altLang="en-US"/>
           </a:p>
@@ -540,7 +547,7 @@
     </p:spTree>
     <p:extLst>
       <p:ext uri="{BB962C8B-B14F-4D97-AF65-F5344CB8AC3E}">
-        <p14:creationId xmlns:p14="http://schemas.microsoft.com/office/powerpoint/2010/main" val="3923465243"/>
+        <p14:creationId xmlns:p14="http://schemas.microsoft.com/office/powerpoint/2010/main" val="2930527426"/>
       </p:ext>
     </p:extLst>
   </p:cSld>
@@ -615,7 +622,7 @@
           <a:p>
             <a:fld id="{FD9DA584-4470-4743-998C-6B1A628419E5}" type="slidenum">
               <a:rPr lang="ko-KR" altLang="en-US" smtClean="0"/>
-              <a:t>2</a:t>
+              <a:t>3</a:t>
             </a:fld>
             <a:endParaRPr lang="ko-KR" altLang="en-US"/>
           </a:p>
@@ -699,7 +706,7 @@
           <a:p>
             <a:fld id="{FD9DA584-4470-4743-998C-6B1A628419E5}" type="slidenum">
               <a:rPr lang="ko-KR" altLang="en-US" smtClean="0"/>
-              <a:t>3</a:t>
+              <a:t>4</a:t>
             </a:fld>
             <a:endParaRPr lang="ko-KR" altLang="en-US"/>
           </a:p>
@@ -783,7 +790,7 @@
           <a:p>
             <a:fld id="{FD9DA584-4470-4743-998C-6B1A628419E5}" type="slidenum">
               <a:rPr lang="ko-KR" altLang="en-US" smtClean="0"/>
-              <a:t>4</a:t>
+              <a:t>5</a:t>
             </a:fld>
             <a:endParaRPr lang="ko-KR" altLang="en-US"/>
           </a:p>
@@ -867,7 +874,7 @@
           <a:p>
             <a:fld id="{FD9DA584-4470-4743-998C-6B1A628419E5}" type="slidenum">
               <a:rPr lang="ko-KR" altLang="en-US" smtClean="0"/>
-              <a:t>5</a:t>
+              <a:t>6</a:t>
             </a:fld>
             <a:endParaRPr lang="ko-KR" altLang="en-US"/>
           </a:p>
@@ -951,7 +958,7 @@
           <a:p>
             <a:fld id="{FD9DA584-4470-4743-998C-6B1A628419E5}" type="slidenum">
               <a:rPr lang="ko-KR" altLang="en-US" smtClean="0"/>
-              <a:t>6</a:t>
+              <a:t>7</a:t>
             </a:fld>
             <a:endParaRPr lang="ko-KR" altLang="en-US"/>
           </a:p>
@@ -1035,7 +1042,7 @@
           <a:p>
             <a:fld id="{FD9DA584-4470-4743-998C-6B1A628419E5}" type="slidenum">
               <a:rPr lang="ko-KR" altLang="en-US" smtClean="0"/>
-              <a:t>7</a:t>
+              <a:t>8</a:t>
             </a:fld>
             <a:endParaRPr lang="ko-KR" altLang="en-US"/>
           </a:p>
@@ -1119,7 +1126,91 @@
           <a:p>
             <a:fld id="{FD9DA584-4470-4743-998C-6B1A628419E5}" type="slidenum">
               <a:rPr lang="ko-KR" altLang="en-US" smtClean="0"/>
-              <a:t>8</a:t>
+              <a:t>9</a:t>
+            </a:fld>
+            <a:endParaRPr lang="ko-KR" altLang="en-US"/>
+          </a:p>
+        </p:txBody>
+      </p:sp>
+    </p:spTree>
+    <p:extLst>
+      <p:ext uri="{BB962C8B-B14F-4D97-AF65-F5344CB8AC3E}">
+        <p14:creationId xmlns:p14="http://schemas.microsoft.com/office/powerpoint/2010/main" val="1593816063"/>
+      </p:ext>
+    </p:extLst>
+  </p:cSld>
+  <p:clrMapOvr>
+    <a:masterClrMapping/>
+  </p:clrMapOvr>
+</p:notes>
+</file>
+
+<file path=ppt/notesSlides/notesSlide9.xml><?xml version="1.0" encoding="utf-8"?>
+<p:notes xmlns:a="http://schemas.openxmlformats.org/drawingml/2006/main" xmlns:r="http://schemas.openxmlformats.org/officeDocument/2006/relationships" xmlns:p="http://schemas.openxmlformats.org/presentationml/2006/main">
+  <p:cSld>
+    <p:spTree>
+      <p:nvGrpSpPr>
+        <p:cNvPr id="1" name=""/>
+        <p:cNvGrpSpPr/>
+        <p:nvPr/>
+      </p:nvGrpSpPr>
+      <p:grpSpPr>
+        <a:xfrm>
+          <a:off x="0" y="0"/>
+          <a:ext cx="0" cy="0"/>
+          <a:chOff x="0" y="0"/>
+          <a:chExt cx="0" cy="0"/>
+        </a:xfrm>
+      </p:grpSpPr>
+      <p:sp>
+        <p:nvSpPr>
+          <p:cNvPr id="2" name="슬라이드 이미지 개체 틀 1"/>
+          <p:cNvSpPr>
+            <a:spLocks noGrp="1" noRot="1" noChangeAspect="1"/>
+          </p:cNvSpPr>
+          <p:nvPr>
+            <p:ph type="sldImg"/>
+          </p:nvPr>
+        </p:nvSpPr>
+        <p:spPr/>
+      </p:sp>
+      <p:sp>
+        <p:nvSpPr>
+          <p:cNvPr id="3" name="슬라이드 노트 개체 틀 2"/>
+          <p:cNvSpPr>
+            <a:spLocks noGrp="1"/>
+          </p:cNvSpPr>
+          <p:nvPr>
+            <p:ph type="body" idx="1"/>
+          </p:nvPr>
+        </p:nvSpPr>
+        <p:spPr/>
+        <p:txBody>
+          <a:bodyPr/>
+          <a:lstStyle/>
+          <a:p>
+            <a:endParaRPr lang="ko-KR" altLang="en-US" dirty="0"/>
+          </a:p>
+        </p:txBody>
+      </p:sp>
+      <p:sp>
+        <p:nvSpPr>
+          <p:cNvPr id="4" name="슬라이드 번호 개체 틀 3"/>
+          <p:cNvSpPr>
+            <a:spLocks noGrp="1"/>
+          </p:cNvSpPr>
+          <p:nvPr>
+            <p:ph type="sldNum" sz="quarter" idx="5"/>
+          </p:nvPr>
+        </p:nvSpPr>
+        <p:spPr/>
+        <p:txBody>
+          <a:bodyPr/>
+          <a:lstStyle/>
+          <a:p>
+            <a:fld id="{FD9DA584-4470-4743-998C-6B1A628419E5}" type="slidenum">
+              <a:rPr lang="ko-KR" altLang="en-US" smtClean="0"/>
+              <a:t>10</a:t>
             </a:fld>
             <a:endParaRPr lang="ko-KR" altLang="en-US"/>
           </a:p>
@@ -4352,12 +4443,179 @@
           <a:chExt cx="0" cy="0"/>
         </a:xfrm>
       </p:grpSpPr>
+      <p:sp>
+        <p:nvSpPr>
+          <p:cNvPr id="2" name="제목 1">
+            <a:extLst>
+              <a:ext uri="{FF2B5EF4-FFF2-40B4-BE49-F238E27FC236}">
+                <a16:creationId xmlns:a16="http://schemas.microsoft.com/office/drawing/2014/main" id="{1C3E85A0-049F-FA1C-4F90-C7DA282223CE}"/>
+              </a:ext>
+            </a:extLst>
+          </p:cNvPr>
+          <p:cNvSpPr>
+            <a:spLocks noGrp="1"/>
+          </p:cNvSpPr>
+          <p:nvPr>
+            <p:ph type="title"/>
+          </p:nvPr>
+        </p:nvSpPr>
+        <p:spPr>
+          <a:xfrm>
+            <a:off x="726687" y="2506160"/>
+            <a:ext cx="10515600" cy="1325563"/>
+          </a:xfrm>
+        </p:spPr>
+        <p:txBody>
+          <a:bodyPr/>
+          <a:lstStyle/>
+          <a:p>
+            <a:r>
+              <a:rPr lang="en-US" altLang="ko-KR" sz="4400" b="1" dirty="0"/>
+              <a:t>Lec1. Dynamics</a:t>
+            </a:r>
+            <a:endParaRPr lang="ko-KR" altLang="en-US" dirty="0"/>
+          </a:p>
+        </p:txBody>
+      </p:sp>
+    </p:spTree>
+    <p:extLst>
+      <p:ext uri="{BB962C8B-B14F-4D97-AF65-F5344CB8AC3E}">
+        <p14:creationId xmlns:p14="http://schemas.microsoft.com/office/powerpoint/2010/main" val="772861968"/>
+      </p:ext>
+    </p:extLst>
+  </p:cSld>
+  <p:clrMapOvr>
+    <a:masterClrMapping/>
+  </p:clrMapOvr>
+</p:sld>
+</file>
+
+<file path=ppt/slides/slide10.xml><?xml version="1.0" encoding="utf-8"?>
+<p:sld xmlns:a="http://schemas.openxmlformats.org/drawingml/2006/main" xmlns:r="http://schemas.openxmlformats.org/officeDocument/2006/relationships" xmlns:p="http://schemas.openxmlformats.org/presentationml/2006/main">
+  <p:cSld>
+    <p:spTree>
+      <p:nvGrpSpPr>
+        <p:cNvPr id="1" name=""/>
+        <p:cNvGrpSpPr/>
+        <p:nvPr/>
+      </p:nvGrpSpPr>
+      <p:grpSpPr>
+        <a:xfrm>
+          <a:off x="0" y="0"/>
+          <a:ext cx="0" cy="0"/>
+          <a:chOff x="0" y="0"/>
+          <a:chExt cx="0" cy="0"/>
+        </a:xfrm>
+      </p:grpSpPr>
+      <p:sp>
+        <p:nvSpPr>
+          <p:cNvPr id="40" name="TextBox 39">
+            <a:extLst>
+              <a:ext uri="{FF2B5EF4-FFF2-40B4-BE49-F238E27FC236}">
+                <a16:creationId xmlns:a16="http://schemas.microsoft.com/office/drawing/2014/main" id="{85DAE52B-DD45-3A36-8908-FEC2974F4D61}"/>
+              </a:ext>
+            </a:extLst>
+          </p:cNvPr>
+          <p:cNvSpPr txBox="1"/>
+          <p:nvPr/>
+        </p:nvSpPr>
+        <p:spPr>
+          <a:xfrm>
+            <a:off x="0" y="-16042"/>
+            <a:ext cx="3107093" cy="523220"/>
+          </a:xfrm>
+          <a:prstGeom prst="rect">
+            <a:avLst/>
+          </a:prstGeom>
+          <a:noFill/>
+        </p:spPr>
+        <p:txBody>
+          <a:bodyPr wrap="square" rtlCol="0">
+            <a:spAutoFit/>
+          </a:bodyPr>
+          <a:lstStyle/>
+          <a:p>
+            <a:r>
+              <a:rPr lang="en-US" altLang="ko-KR" sz="2800" b="1" dirty="0"/>
+              <a:t>Lec1. Dynamics</a:t>
+            </a:r>
+            <a:endParaRPr lang="ko-KR" altLang="en-US" sz="2800" b="1" dirty="0"/>
+          </a:p>
+        </p:txBody>
+      </p:sp>
+      <p:sp>
+        <p:nvSpPr>
+          <p:cNvPr id="2" name="TextBox 1">
+            <a:extLst>
+              <a:ext uri="{FF2B5EF4-FFF2-40B4-BE49-F238E27FC236}">
+                <a16:creationId xmlns:a16="http://schemas.microsoft.com/office/drawing/2014/main" id="{17246535-09B8-1BBE-D2F1-44149EC2D66B}"/>
+              </a:ext>
+            </a:extLst>
+          </p:cNvPr>
+          <p:cNvSpPr txBox="1"/>
+          <p:nvPr/>
+        </p:nvSpPr>
+        <p:spPr>
+          <a:xfrm>
+            <a:off x="339862" y="746524"/>
+            <a:ext cx="11349375" cy="1692771"/>
+          </a:xfrm>
+          <a:prstGeom prst="rect">
+            <a:avLst/>
+          </a:prstGeom>
+          <a:noFill/>
+        </p:spPr>
+        <p:txBody>
+          <a:bodyPr wrap="square" rtlCol="0">
+            <a:spAutoFit/>
+          </a:bodyPr>
+          <a:lstStyle/>
+          <a:p>
+            <a:r>
+              <a:rPr lang="en-US" altLang="ko-KR" sz="3200" b="1" dirty="0"/>
+              <a:t>Summary</a:t>
+            </a:r>
+            <a:endParaRPr lang="en-US" altLang="ko-KR" sz="2400" b="1" dirty="0"/>
+          </a:p>
+          <a:p>
+            <a:pPr marL="342900" indent="-342900">
+              <a:buFont typeface="Arial" panose="020B0604020202020204" pitchFamily="34" charset="0"/>
+              <a:buChar char="•"/>
+            </a:pPr>
+            <a:r>
+              <a:rPr lang="en-US" altLang="ko-KR" sz="2400" b="1" dirty="0"/>
+              <a:t>Various Dynamics Formulations</a:t>
+            </a:r>
+          </a:p>
+          <a:p>
+            <a:pPr marL="342900" indent="-342900">
+              <a:buFont typeface="Arial" panose="020B0604020202020204" pitchFamily="34" charset="0"/>
+              <a:buChar char="•"/>
+            </a:pPr>
+            <a:r>
+              <a:rPr lang="en-US" altLang="ko-KR" sz="2400" b="1" dirty="0"/>
+              <a:t>Equilibria and Stability</a:t>
+            </a:r>
+          </a:p>
+          <a:p>
+            <a:pPr marL="342900" indent="-342900">
+              <a:buFont typeface="Arial" panose="020B0604020202020204" pitchFamily="34" charset="0"/>
+              <a:buChar char="•"/>
+            </a:pPr>
+            <a:r>
+              <a:rPr lang="en-US" altLang="ko-KR" sz="2400" b="1" dirty="0"/>
+              <a:t>True Meaning of Control </a:t>
+            </a:r>
+            <a:endParaRPr lang="ko-KR" altLang="en-US" sz="2400" b="1" dirty="0"/>
+          </a:p>
+        </p:txBody>
+      </p:sp>
       <p:pic>
         <p:nvPicPr>
-          <p:cNvPr id="8" name="그림 7">
-            <a:extLst>
-              <a:ext uri="{FF2B5EF4-FFF2-40B4-BE49-F238E27FC236}">
-                <a16:creationId xmlns:a16="http://schemas.microsoft.com/office/drawing/2014/main" id="{65728A2D-9331-872F-BD58-BC13CDE0B497}"/>
+          <p:cNvPr id="4" name="그림 3">
+            <a:extLst>
+              <a:ext uri="{FF2B5EF4-FFF2-40B4-BE49-F238E27FC236}">
+                <a16:creationId xmlns:a16="http://schemas.microsoft.com/office/drawing/2014/main" id="{2BA29EE2-2ED7-24B6-F396-50EBA99A12C7}"/>
               </a:ext>
             </a:extLst>
           </p:cNvPr>
@@ -4374,12 +4632,19 @@
         </p:blipFill>
         <p:spPr>
           <a:xfrm>
-            <a:off x="3694861" y="3992813"/>
-            <a:ext cx="3639058" cy="2333951"/>
+            <a:off x="5025113" y="3190628"/>
+            <a:ext cx="3591548" cy="2702378"/>
           </a:xfrm>
           <a:prstGeom prst="rect">
             <a:avLst/>
           </a:prstGeom>
+          <a:ln>
+            <a:solidFill>
+              <a:schemeClr val="accent1">
+                <a:shade val="15000"/>
+              </a:schemeClr>
+            </a:solidFill>
+          </a:ln>
         </p:spPr>
       </p:pic>
       <p:pic>
@@ -4387,7 +4652,7 @@
           <p:cNvPr id="5" name="그림 4">
             <a:extLst>
               <a:ext uri="{FF2B5EF4-FFF2-40B4-BE49-F238E27FC236}">
-                <a16:creationId xmlns:a16="http://schemas.microsoft.com/office/drawing/2014/main" id="{E7B41867-F88C-A7A9-1A79-F01B18B1AD92}"/>
+                <a16:creationId xmlns:a16="http://schemas.microsoft.com/office/drawing/2014/main" id="{8D8CE572-41E4-4B86-3AA9-271FD6176CC6}"/>
               </a:ext>
             </a:extLst>
           </p:cNvPr>
@@ -4396,16 +4661,45 @@
           </p:cNvPicPr>
           <p:nvPr/>
         </p:nvPicPr>
+        <p:blipFill rotWithShape="1">
+          <a:blip r:embed="rId4"/>
+          <a:srcRect l="16398"/>
+          <a:stretch/>
+        </p:blipFill>
+        <p:spPr>
+          <a:xfrm>
+            <a:off x="9025897" y="2909478"/>
+            <a:ext cx="2220461" cy="1007823"/>
+          </a:xfrm>
+          <a:prstGeom prst="rect">
+            <a:avLst/>
+          </a:prstGeom>
+        </p:spPr>
+      </p:pic>
+      <p:pic>
+        <p:nvPicPr>
+          <p:cNvPr id="6" name="그림 5">
+            <a:extLst>
+              <a:ext uri="{FF2B5EF4-FFF2-40B4-BE49-F238E27FC236}">
+                <a16:creationId xmlns:a16="http://schemas.microsoft.com/office/drawing/2014/main" id="{522F3595-6DA2-348D-4B1C-D49D1FBC81FA}"/>
+              </a:ext>
+            </a:extLst>
+          </p:cNvPr>
+          <p:cNvPicPr>
+            <a:picLocks noChangeAspect="1"/>
+          </p:cNvPicPr>
+          <p:nvPr/>
+        </p:nvPicPr>
         <p:blipFill>
-          <a:blip r:embed="rId4"/>
+          <a:blip r:embed="rId5"/>
           <a:stretch>
             <a:fillRect/>
           </a:stretch>
         </p:blipFill>
         <p:spPr>
           <a:xfrm>
-            <a:off x="3510414" y="581049"/>
-            <a:ext cx="4544059" cy="1724266"/>
+            <a:off x="8798503" y="4100473"/>
+            <a:ext cx="2109643" cy="610429"/>
           </a:xfrm>
           <a:prstGeom prst="rect">
             <a:avLst/>
@@ -4414,10 +4708,10 @@
       </p:pic>
       <p:sp>
         <p:nvSpPr>
-          <p:cNvPr id="6" name="TextBox 5">
-            <a:extLst>
-              <a:ext uri="{FF2B5EF4-FFF2-40B4-BE49-F238E27FC236}">
-                <a16:creationId xmlns:a16="http://schemas.microsoft.com/office/drawing/2014/main" id="{EEE1B3BD-A88E-DE62-E8F6-317EF8C006BD}"/>
+          <p:cNvPr id="8" name="TextBox 7">
+            <a:extLst>
+              <a:ext uri="{FF2B5EF4-FFF2-40B4-BE49-F238E27FC236}">
+                <a16:creationId xmlns:a16="http://schemas.microsoft.com/office/drawing/2014/main" id="{3BC70B63-2733-025E-9C81-A6CE846F528B}"/>
               </a:ext>
             </a:extLst>
           </p:cNvPr>
@@ -4426,13 +4720,126 @@
         </p:nvSpPr>
         <p:spPr>
           <a:xfrm>
-            <a:off x="6276193" y="396383"/>
-            <a:ext cx="3107093" cy="369332"/>
+            <a:off x="5025113" y="2817175"/>
+            <a:ext cx="1070888" cy="369332"/>
           </a:xfrm>
           <a:prstGeom prst="rect">
             <a:avLst/>
           </a:prstGeom>
           <a:noFill/>
+        </p:spPr>
+        <p:txBody>
+          <a:bodyPr wrap="square">
+            <a:spAutoFit/>
+          </a:bodyPr>
+          <a:lstStyle/>
+          <a:p>
+            <a:r>
+              <a:rPr lang="en-US" altLang="ko-KR" sz="1800" b="1" dirty="0"/>
+              <a:t>System</a:t>
+            </a:r>
+            <a:endParaRPr lang="ko-KR" altLang="en-US" dirty="0"/>
+          </a:p>
+        </p:txBody>
+      </p:sp>
+      <p:sp>
+        <p:nvSpPr>
+          <p:cNvPr id="9" name="TextBox 8">
+            <a:extLst>
+              <a:ext uri="{FF2B5EF4-FFF2-40B4-BE49-F238E27FC236}">
+                <a16:creationId xmlns:a16="http://schemas.microsoft.com/office/drawing/2014/main" id="{91E88440-E2BA-86D1-9577-59AC693E8D95}"/>
+              </a:ext>
+            </a:extLst>
+          </p:cNvPr>
+          <p:cNvSpPr txBox="1"/>
+          <p:nvPr/>
+        </p:nvSpPr>
+        <p:spPr>
+          <a:xfrm>
+            <a:off x="8897625" y="2817175"/>
+            <a:ext cx="1501953" cy="369332"/>
+          </a:xfrm>
+          <a:prstGeom prst="rect">
+            <a:avLst/>
+          </a:prstGeom>
+          <a:noFill/>
+        </p:spPr>
+        <p:txBody>
+          <a:bodyPr wrap="square">
+            <a:spAutoFit/>
+          </a:bodyPr>
+          <a:lstStyle/>
+          <a:p>
+            <a:r>
+              <a:rPr lang="en-US" altLang="ko-KR" sz="1800" b="1" dirty="0"/>
+              <a:t>Dynamics</a:t>
+            </a:r>
+            <a:endParaRPr lang="ko-KR" altLang="en-US" dirty="0"/>
+          </a:p>
+        </p:txBody>
+      </p:sp>
+      <p:sp>
+        <p:nvSpPr>
+          <p:cNvPr id="10" name="TextBox 9">
+            <a:extLst>
+              <a:ext uri="{FF2B5EF4-FFF2-40B4-BE49-F238E27FC236}">
+                <a16:creationId xmlns:a16="http://schemas.microsoft.com/office/drawing/2014/main" id="{4D864D50-6723-920D-4367-09F05C1662A2}"/>
+              </a:ext>
+            </a:extLst>
+          </p:cNvPr>
+          <p:cNvSpPr txBox="1"/>
+          <p:nvPr/>
+        </p:nvSpPr>
+        <p:spPr>
+          <a:xfrm>
+            <a:off x="8897624" y="3800148"/>
+            <a:ext cx="1659540" cy="369332"/>
+          </a:xfrm>
+          <a:prstGeom prst="rect">
+            <a:avLst/>
+          </a:prstGeom>
+          <a:noFill/>
+        </p:spPr>
+        <p:txBody>
+          <a:bodyPr wrap="square">
+            <a:spAutoFit/>
+          </a:bodyPr>
+          <a:lstStyle/>
+          <a:p>
+            <a:r>
+              <a:rPr lang="en-US" altLang="ko-KR" sz="1800" b="1" dirty="0"/>
+              <a:t>Stabilization</a:t>
+            </a:r>
+            <a:endParaRPr lang="ko-KR" altLang="en-US" dirty="0"/>
+          </a:p>
+        </p:txBody>
+      </p:sp>
+      <p:sp>
+        <p:nvSpPr>
+          <p:cNvPr id="11" name="TextBox 10">
+            <a:extLst>
+              <a:ext uri="{FF2B5EF4-FFF2-40B4-BE49-F238E27FC236}">
+                <a16:creationId xmlns:a16="http://schemas.microsoft.com/office/drawing/2014/main" id="{833ADD8F-F503-9468-2955-5F96077B7CA6}"/>
+              </a:ext>
+            </a:extLst>
+          </p:cNvPr>
+          <p:cNvSpPr txBox="1"/>
+          <p:nvPr/>
+        </p:nvSpPr>
+        <p:spPr>
+          <a:xfrm>
+            <a:off x="10175690" y="5232180"/>
+            <a:ext cx="981838" cy="338554"/>
+          </a:xfrm>
+          <a:prstGeom prst="rect">
+            <a:avLst/>
+          </a:prstGeom>
+          <a:noFill/>
+          <a:ln>
+            <a:solidFill>
+              <a:schemeClr val="tx1"/>
+            </a:solidFill>
+          </a:ln>
         </p:spPr>
         <p:txBody>
           <a:bodyPr wrap="square" rtlCol="0">
@@ -4441,32 +4848,45 @@
           <a:lstStyle/>
           <a:p>
             <a:r>
-              <a:rPr lang="en-US" altLang="ko-KR" b="1" dirty="0"/>
-              <a:t>M dimension input Vector</a:t>
-            </a:r>
-            <a:endParaRPr lang="ko-KR" altLang="en-US" b="1" dirty="0"/>
+              <a:rPr lang="en-US" altLang="ko-KR" sz="1600" b="1" dirty="0">
+                <a:solidFill>
+                  <a:schemeClr val="tx2">
+                    <a:lumMod val="90000"/>
+                    <a:lumOff val="10000"/>
+                  </a:schemeClr>
+                </a:solidFill>
+              </a:rPr>
+              <a:t>Control</a:t>
+            </a:r>
+            <a:endParaRPr lang="ko-KR" altLang="en-US" sz="1600" b="1" dirty="0">
+              <a:solidFill>
+                <a:schemeClr val="tx2">
+                  <a:lumMod val="90000"/>
+                  <a:lumOff val="10000"/>
+                </a:schemeClr>
+              </a:solidFill>
+            </a:endParaRPr>
           </a:p>
         </p:txBody>
       </p:sp>
       <p:cxnSp>
         <p:nvCxnSpPr>
-          <p:cNvPr id="10" name="직선 화살표 연결선 9">
-            <a:extLst>
-              <a:ext uri="{FF2B5EF4-FFF2-40B4-BE49-F238E27FC236}">
-                <a16:creationId xmlns:a16="http://schemas.microsoft.com/office/drawing/2014/main" id="{F58BDAC8-277B-F709-0115-0302B90FC212}"/>
+          <p:cNvPr id="12" name="직선 화살표 연결선 11">
+            <a:extLst>
+              <a:ext uri="{FF2B5EF4-FFF2-40B4-BE49-F238E27FC236}">
+                <a16:creationId xmlns:a16="http://schemas.microsoft.com/office/drawing/2014/main" id="{CB3C97E8-00DC-646F-B20E-7A03117149C7}"/>
               </a:ext>
             </a:extLst>
           </p:cNvPr>
           <p:cNvCxnSpPr>
             <a:cxnSpLocks/>
-            <a:stCxn id="6" idx="1"/>
           </p:cNvCxnSpPr>
           <p:nvPr/>
         </p:nvCxnSpPr>
         <p:spPr>
-          <a:xfrm>
-            <a:off x="6276193" y="581049"/>
-            <a:ext cx="0" cy="497266"/>
+          <a:xfrm flipH="1" flipV="1">
+            <a:off x="9968814" y="4657157"/>
+            <a:ext cx="206876" cy="575023"/>
           </a:xfrm>
           <a:prstGeom prst="straightConnector1">
             <a:avLst/>
@@ -4490,479 +4910,10 @@
           </a:fontRef>
         </p:style>
       </p:cxnSp>
-      <p:sp>
-        <p:nvSpPr>
-          <p:cNvPr id="12" name="TextBox 11">
-            <a:extLst>
-              <a:ext uri="{FF2B5EF4-FFF2-40B4-BE49-F238E27FC236}">
-                <a16:creationId xmlns:a16="http://schemas.microsoft.com/office/drawing/2014/main" id="{73E956EA-9AA6-40D7-D322-69E6CFA601B5}"/>
-              </a:ext>
-            </a:extLst>
-          </p:cNvPr>
-          <p:cNvSpPr txBox="1"/>
-          <p:nvPr/>
-        </p:nvSpPr>
-        <p:spPr>
-          <a:xfrm>
-            <a:off x="7333919" y="765715"/>
-            <a:ext cx="3107093" cy="369332"/>
-          </a:xfrm>
-          <a:prstGeom prst="rect">
-            <a:avLst/>
-          </a:prstGeom>
-          <a:noFill/>
-        </p:spPr>
-        <p:txBody>
-          <a:bodyPr wrap="square" rtlCol="0">
-            <a:spAutoFit/>
-          </a:bodyPr>
-          <a:lstStyle/>
-          <a:p>
-            <a:r>
-              <a:rPr lang="en-US" altLang="ko-KR" b="1" dirty="0"/>
-              <a:t>N dimension state Vector</a:t>
-            </a:r>
-            <a:endParaRPr lang="ko-KR" altLang="en-US" b="1" dirty="0"/>
-          </a:p>
-        </p:txBody>
-      </p:sp>
-      <p:cxnSp>
-        <p:nvCxnSpPr>
-          <p:cNvPr id="14" name="연결선: 꺾임 13">
-            <a:extLst>
-              <a:ext uri="{FF2B5EF4-FFF2-40B4-BE49-F238E27FC236}">
-                <a16:creationId xmlns:a16="http://schemas.microsoft.com/office/drawing/2014/main" id="{D35DF1E7-08A0-E12C-D2D6-47B07E929F47}"/>
-              </a:ext>
-            </a:extLst>
-          </p:cNvPr>
-          <p:cNvCxnSpPr>
-            <a:cxnSpLocks/>
-            <a:stCxn id="12" idx="1"/>
-          </p:cNvCxnSpPr>
-          <p:nvPr/>
-        </p:nvCxnSpPr>
-        <p:spPr>
-          <a:xfrm rot="10800000" flipV="1">
-            <a:off x="6962273" y="950381"/>
-            <a:ext cx="371647" cy="184666"/>
-          </a:xfrm>
-          <a:prstGeom prst="bentConnector3">
-            <a:avLst>
-              <a:gd name="adj1" fmla="val 50000"/>
-            </a:avLst>
-          </a:prstGeom>
-          <a:ln>
-            <a:tailEnd type="triangle"/>
-          </a:ln>
-        </p:spPr>
-        <p:style>
-          <a:lnRef idx="2">
-            <a:schemeClr val="accent1"/>
-          </a:lnRef>
-          <a:fillRef idx="0">
-            <a:schemeClr val="accent1"/>
-          </a:fillRef>
-          <a:effectRef idx="1">
-            <a:schemeClr val="accent1"/>
-          </a:effectRef>
-          <a:fontRef idx="minor">
-            <a:schemeClr val="tx1"/>
-          </a:fontRef>
-        </p:style>
-      </p:cxnSp>
-      <p:sp>
-        <p:nvSpPr>
-          <p:cNvPr id="17" name="TextBox 16">
-            <a:extLst>
-              <a:ext uri="{FF2B5EF4-FFF2-40B4-BE49-F238E27FC236}">
-                <a16:creationId xmlns:a16="http://schemas.microsoft.com/office/drawing/2014/main" id="{5242CF68-1B72-E6AC-3960-9E53EB058B6D}"/>
-              </a:ext>
-            </a:extLst>
-          </p:cNvPr>
-          <p:cNvSpPr txBox="1"/>
-          <p:nvPr/>
-        </p:nvSpPr>
-        <p:spPr>
-          <a:xfrm>
-            <a:off x="5611786" y="2286931"/>
-            <a:ext cx="3107093" cy="369332"/>
-          </a:xfrm>
-          <a:prstGeom prst="rect">
-            <a:avLst/>
-          </a:prstGeom>
-          <a:noFill/>
-        </p:spPr>
-        <p:txBody>
-          <a:bodyPr wrap="square" rtlCol="0">
-            <a:spAutoFit/>
-          </a:bodyPr>
-          <a:lstStyle/>
-          <a:p>
-            <a:r>
-              <a:rPr lang="en-US" altLang="ko-KR" b="1" dirty="0"/>
-              <a:t>System Dynamics</a:t>
-            </a:r>
-            <a:endParaRPr lang="ko-KR" altLang="en-US" b="1" dirty="0"/>
-          </a:p>
-        </p:txBody>
-      </p:sp>
-      <p:cxnSp>
-        <p:nvCxnSpPr>
-          <p:cNvPr id="18" name="연결선: 꺾임 17">
-            <a:extLst>
-              <a:ext uri="{FF2B5EF4-FFF2-40B4-BE49-F238E27FC236}">
-                <a16:creationId xmlns:a16="http://schemas.microsoft.com/office/drawing/2014/main" id="{B088DD21-901D-1356-306F-AC89C7D872AB}"/>
-              </a:ext>
-            </a:extLst>
-          </p:cNvPr>
-          <p:cNvCxnSpPr>
-            <a:cxnSpLocks/>
-            <a:stCxn id="17" idx="1"/>
-          </p:cNvCxnSpPr>
-          <p:nvPr/>
-        </p:nvCxnSpPr>
-        <p:spPr>
-          <a:xfrm rot="10800000" flipH="1">
-            <a:off x="5611786" y="1879631"/>
-            <a:ext cx="21676" cy="591967"/>
-          </a:xfrm>
-          <a:prstGeom prst="bentConnector4">
-            <a:avLst>
-              <a:gd name="adj1" fmla="val -1054623"/>
-              <a:gd name="adj2" fmla="val 65598"/>
-            </a:avLst>
-          </a:prstGeom>
-          <a:ln>
-            <a:tailEnd type="triangle"/>
-          </a:ln>
-        </p:spPr>
-        <p:style>
-          <a:lnRef idx="2">
-            <a:schemeClr val="dk1"/>
-          </a:lnRef>
-          <a:fillRef idx="0">
-            <a:schemeClr val="dk1"/>
-          </a:fillRef>
-          <a:effectRef idx="1">
-            <a:schemeClr val="dk1"/>
-          </a:effectRef>
-          <a:fontRef idx="minor">
-            <a:schemeClr val="tx1"/>
-          </a:fontRef>
-        </p:style>
-      </p:cxnSp>
-      <p:sp>
-        <p:nvSpPr>
-          <p:cNvPr id="21" name="TextBox 20">
-            <a:extLst>
-              <a:ext uri="{FF2B5EF4-FFF2-40B4-BE49-F238E27FC236}">
-                <a16:creationId xmlns:a16="http://schemas.microsoft.com/office/drawing/2014/main" id="{AE976B0B-58DC-AA50-D25C-5CBC318FA0F0}"/>
-              </a:ext>
-            </a:extLst>
-          </p:cNvPr>
-          <p:cNvSpPr txBox="1"/>
-          <p:nvPr/>
-        </p:nvSpPr>
-        <p:spPr>
-          <a:xfrm>
-            <a:off x="2679026" y="2286931"/>
-            <a:ext cx="2614863" cy="369332"/>
-          </a:xfrm>
-          <a:prstGeom prst="rect">
-            <a:avLst/>
-          </a:prstGeom>
-          <a:noFill/>
-        </p:spPr>
-        <p:txBody>
-          <a:bodyPr wrap="square" rtlCol="0">
-            <a:spAutoFit/>
-          </a:bodyPr>
-          <a:lstStyle/>
-          <a:p>
-            <a:r>
-              <a:rPr lang="en-US" altLang="ko-KR" b="1" dirty="0"/>
-              <a:t>Derivative of State X</a:t>
-            </a:r>
-            <a:endParaRPr lang="ko-KR" altLang="en-US" b="1" dirty="0"/>
-          </a:p>
-        </p:txBody>
-      </p:sp>
-      <p:cxnSp>
-        <p:nvCxnSpPr>
-          <p:cNvPr id="22" name="연결선: 꺾임 21">
-            <a:extLst>
-              <a:ext uri="{FF2B5EF4-FFF2-40B4-BE49-F238E27FC236}">
-                <a16:creationId xmlns:a16="http://schemas.microsoft.com/office/drawing/2014/main" id="{355A64D9-9ED9-0579-D957-A6C653E74538}"/>
-              </a:ext>
-            </a:extLst>
-          </p:cNvPr>
-          <p:cNvCxnSpPr>
-            <a:cxnSpLocks/>
-            <a:stCxn id="21" idx="0"/>
-          </p:cNvCxnSpPr>
-          <p:nvPr/>
-        </p:nvCxnSpPr>
-        <p:spPr>
-          <a:xfrm rot="5400000" flipH="1" flipV="1">
-            <a:off x="3916206" y="1902721"/>
-            <a:ext cx="454462" cy="313958"/>
-          </a:xfrm>
-          <a:prstGeom prst="bentConnector3">
-            <a:avLst>
-              <a:gd name="adj1" fmla="val 50000"/>
-            </a:avLst>
-          </a:prstGeom>
-          <a:ln>
-            <a:tailEnd type="triangle"/>
-          </a:ln>
-        </p:spPr>
-        <p:style>
-          <a:lnRef idx="2">
-            <a:schemeClr val="dk1"/>
-          </a:lnRef>
-          <a:fillRef idx="0">
-            <a:schemeClr val="dk1"/>
-          </a:fillRef>
-          <a:effectRef idx="1">
-            <a:schemeClr val="dk1"/>
-          </a:effectRef>
-          <a:fontRef idx="minor">
-            <a:schemeClr val="tx1"/>
-          </a:fontRef>
-        </p:style>
-      </p:cxnSp>
-      <p:sp>
-        <p:nvSpPr>
-          <p:cNvPr id="27" name="TextBox 26">
-            <a:extLst>
-              <a:ext uri="{FF2B5EF4-FFF2-40B4-BE49-F238E27FC236}">
-                <a16:creationId xmlns:a16="http://schemas.microsoft.com/office/drawing/2014/main" id="{46CC13D4-3DEB-319A-CE4D-A2A69CEA5DA7}"/>
-              </a:ext>
-            </a:extLst>
-          </p:cNvPr>
-          <p:cNvSpPr txBox="1"/>
-          <p:nvPr/>
-        </p:nvSpPr>
-        <p:spPr>
-          <a:xfrm>
-            <a:off x="2993731" y="3680215"/>
-            <a:ext cx="7469266" cy="461665"/>
-          </a:xfrm>
-          <a:prstGeom prst="rect">
-            <a:avLst/>
-          </a:prstGeom>
-          <a:noFill/>
-        </p:spPr>
-        <p:txBody>
-          <a:bodyPr wrap="square" rtlCol="0">
-            <a:spAutoFit/>
-          </a:bodyPr>
-          <a:lstStyle/>
-          <a:p>
-            <a:r>
-              <a:rPr lang="en-US" altLang="ko-KR" sz="2400" b="1" dirty="0"/>
-              <a:t>This can also be expressed like this</a:t>
-            </a:r>
-            <a:endParaRPr lang="ko-KR" altLang="en-US" sz="2400" b="1" dirty="0"/>
-          </a:p>
-        </p:txBody>
-      </p:sp>
-      <p:sp>
-        <p:nvSpPr>
-          <p:cNvPr id="28" name="TextBox 27">
-            <a:extLst>
-              <a:ext uri="{FF2B5EF4-FFF2-40B4-BE49-F238E27FC236}">
-                <a16:creationId xmlns:a16="http://schemas.microsoft.com/office/drawing/2014/main" id="{5D4A8F9D-70D5-DC34-EB7D-30963FB7F05C}"/>
-              </a:ext>
-            </a:extLst>
-          </p:cNvPr>
-          <p:cNvSpPr txBox="1"/>
-          <p:nvPr/>
-        </p:nvSpPr>
-        <p:spPr>
-          <a:xfrm>
-            <a:off x="6728364" y="4456325"/>
-            <a:ext cx="3107093" cy="369332"/>
-          </a:xfrm>
-          <a:prstGeom prst="rect">
-            <a:avLst/>
-          </a:prstGeom>
-          <a:noFill/>
-        </p:spPr>
-        <p:txBody>
-          <a:bodyPr wrap="square" rtlCol="0">
-            <a:spAutoFit/>
-          </a:bodyPr>
-          <a:lstStyle/>
-          <a:p>
-            <a:r>
-              <a:rPr lang="en-US" altLang="ko-KR" b="1" dirty="0"/>
-              <a:t>Pose, of “Configuration”</a:t>
-            </a:r>
-            <a:endParaRPr lang="ko-KR" altLang="en-US" b="1" dirty="0"/>
-          </a:p>
-        </p:txBody>
-      </p:sp>
-      <p:sp>
-        <p:nvSpPr>
-          <p:cNvPr id="29" name="TextBox 28">
-            <a:extLst>
-              <a:ext uri="{FF2B5EF4-FFF2-40B4-BE49-F238E27FC236}">
-                <a16:creationId xmlns:a16="http://schemas.microsoft.com/office/drawing/2014/main" id="{ECA99AAD-C571-6EF7-562F-AB1FB7691EFA}"/>
-              </a:ext>
-            </a:extLst>
-          </p:cNvPr>
-          <p:cNvSpPr txBox="1"/>
-          <p:nvPr/>
-        </p:nvSpPr>
-        <p:spPr>
-          <a:xfrm>
-            <a:off x="6817524" y="5159788"/>
-            <a:ext cx="3107093" cy="369332"/>
-          </a:xfrm>
-          <a:prstGeom prst="rect">
-            <a:avLst/>
-          </a:prstGeom>
-          <a:noFill/>
-        </p:spPr>
-        <p:txBody>
-          <a:bodyPr wrap="square" rtlCol="0">
-            <a:spAutoFit/>
-          </a:bodyPr>
-          <a:lstStyle/>
-          <a:p>
-            <a:r>
-              <a:rPr lang="en-US" altLang="ko-KR" b="1" dirty="0"/>
-              <a:t>Velocity</a:t>
-            </a:r>
-            <a:endParaRPr lang="ko-KR" altLang="en-US" b="1" dirty="0"/>
-          </a:p>
-        </p:txBody>
-      </p:sp>
-      <p:cxnSp>
-        <p:nvCxnSpPr>
-          <p:cNvPr id="34" name="연결선: 꺾임 33">
-            <a:extLst>
-              <a:ext uri="{FF2B5EF4-FFF2-40B4-BE49-F238E27FC236}">
-                <a16:creationId xmlns:a16="http://schemas.microsoft.com/office/drawing/2014/main" id="{F83B5515-BAC2-EF53-A75C-E7225624EC37}"/>
-              </a:ext>
-            </a:extLst>
-          </p:cNvPr>
-          <p:cNvCxnSpPr>
-            <a:cxnSpLocks/>
-            <a:stCxn id="28" idx="1"/>
-          </p:cNvCxnSpPr>
-          <p:nvPr/>
-        </p:nvCxnSpPr>
-        <p:spPr>
-          <a:xfrm rot="10800000" flipV="1">
-            <a:off x="6276194" y="4640991"/>
-            <a:ext cx="452171" cy="209492"/>
-          </a:xfrm>
-          <a:prstGeom prst="bentConnector3">
-            <a:avLst/>
-          </a:prstGeom>
-          <a:ln>
-            <a:tailEnd type="triangle"/>
-          </a:ln>
-        </p:spPr>
-        <p:style>
-          <a:lnRef idx="2">
-            <a:schemeClr val="accent1"/>
-          </a:lnRef>
-          <a:fillRef idx="0">
-            <a:schemeClr val="accent1"/>
-          </a:fillRef>
-          <a:effectRef idx="1">
-            <a:schemeClr val="accent1"/>
-          </a:effectRef>
-          <a:fontRef idx="minor">
-            <a:schemeClr val="tx1"/>
-          </a:fontRef>
-        </p:style>
-      </p:cxnSp>
-      <p:cxnSp>
-        <p:nvCxnSpPr>
-          <p:cNvPr id="36" name="연결선: 꺾임 35">
-            <a:extLst>
-              <a:ext uri="{FF2B5EF4-FFF2-40B4-BE49-F238E27FC236}">
-                <a16:creationId xmlns:a16="http://schemas.microsoft.com/office/drawing/2014/main" id="{D1B53ECA-C172-66CA-FD98-0BEDD1B38ED5}"/>
-              </a:ext>
-            </a:extLst>
-          </p:cNvPr>
-          <p:cNvCxnSpPr>
-            <a:cxnSpLocks/>
-            <a:stCxn id="29" idx="1"/>
-          </p:cNvCxnSpPr>
-          <p:nvPr/>
-        </p:nvCxnSpPr>
-        <p:spPr>
-          <a:xfrm rot="10800000" flipV="1">
-            <a:off x="6276194" y="5344454"/>
-            <a:ext cx="541331" cy="90688"/>
-          </a:xfrm>
-          <a:prstGeom prst="bentConnector3">
-            <a:avLst/>
-          </a:prstGeom>
-          <a:ln>
-            <a:tailEnd type="triangle"/>
-          </a:ln>
-        </p:spPr>
-        <p:style>
-          <a:lnRef idx="2">
-            <a:schemeClr val="accent1"/>
-          </a:lnRef>
-          <a:fillRef idx="0">
-            <a:schemeClr val="accent1"/>
-          </a:fillRef>
-          <a:effectRef idx="1">
-            <a:schemeClr val="accent1"/>
-          </a:effectRef>
-          <a:fontRef idx="minor">
-            <a:schemeClr val="tx1"/>
-          </a:fontRef>
-        </p:style>
-      </p:cxnSp>
-      <p:sp>
-        <p:nvSpPr>
-          <p:cNvPr id="40" name="TextBox 39">
-            <a:extLst>
-              <a:ext uri="{FF2B5EF4-FFF2-40B4-BE49-F238E27FC236}">
-                <a16:creationId xmlns:a16="http://schemas.microsoft.com/office/drawing/2014/main" id="{85DAE52B-DD45-3A36-8908-FEC2974F4D61}"/>
-              </a:ext>
-            </a:extLst>
-          </p:cNvPr>
-          <p:cNvSpPr txBox="1"/>
-          <p:nvPr/>
-        </p:nvSpPr>
-        <p:spPr>
-          <a:xfrm>
-            <a:off x="0" y="-16042"/>
-            <a:ext cx="3107093" cy="523220"/>
-          </a:xfrm>
-          <a:prstGeom prst="rect">
-            <a:avLst/>
-          </a:prstGeom>
-          <a:noFill/>
-        </p:spPr>
-        <p:txBody>
-          <a:bodyPr wrap="square" rtlCol="0">
-            <a:spAutoFit/>
-          </a:bodyPr>
-          <a:lstStyle/>
-          <a:p>
-            <a:r>
-              <a:rPr lang="en-US" altLang="ko-KR" sz="2800" b="1" dirty="0"/>
-              <a:t>Lec1. Dynamics</a:t>
-            </a:r>
-            <a:endParaRPr lang="ko-KR" altLang="en-US" sz="2800" b="1" dirty="0"/>
-          </a:p>
-        </p:txBody>
-      </p:sp>
     </p:spTree>
     <p:extLst>
       <p:ext uri="{BB962C8B-B14F-4D97-AF65-F5344CB8AC3E}">
-        <p14:creationId xmlns:p14="http://schemas.microsoft.com/office/powerpoint/2010/main" val="2640707271"/>
+        <p14:creationId xmlns:p14="http://schemas.microsoft.com/office/powerpoint/2010/main" val="1744233818"/>
       </p:ext>
     </p:extLst>
   </p:cSld>
@@ -4989,48 +4940,12 @@
           <a:chExt cx="0" cy="0"/>
         </a:xfrm>
       </p:grpSpPr>
-      <p:sp>
-        <p:nvSpPr>
-          <p:cNvPr id="40" name="TextBox 39">
-            <a:extLst>
-              <a:ext uri="{FF2B5EF4-FFF2-40B4-BE49-F238E27FC236}">
-                <a16:creationId xmlns:a16="http://schemas.microsoft.com/office/drawing/2014/main" id="{85DAE52B-DD45-3A36-8908-FEC2974F4D61}"/>
-              </a:ext>
-            </a:extLst>
-          </p:cNvPr>
-          <p:cNvSpPr txBox="1"/>
-          <p:nvPr/>
-        </p:nvSpPr>
-        <p:spPr>
-          <a:xfrm>
-            <a:off x="0" y="-16042"/>
-            <a:ext cx="3107093" cy="523220"/>
-          </a:xfrm>
-          <a:prstGeom prst="rect">
-            <a:avLst/>
-          </a:prstGeom>
-          <a:noFill/>
-        </p:spPr>
-        <p:txBody>
-          <a:bodyPr wrap="square" rtlCol="0">
-            <a:spAutoFit/>
-          </a:bodyPr>
-          <a:lstStyle/>
-          <a:p>
-            <a:r>
-              <a:rPr lang="en-US" altLang="ko-KR" sz="2800" b="1" dirty="0"/>
-              <a:t>Lec1. Dynamics</a:t>
-            </a:r>
-            <a:endParaRPr lang="ko-KR" altLang="en-US" sz="2800" b="1" dirty="0"/>
-          </a:p>
-        </p:txBody>
-      </p:sp>
       <p:pic>
         <p:nvPicPr>
-          <p:cNvPr id="3" name="그림 2">
-            <a:extLst>
-              <a:ext uri="{FF2B5EF4-FFF2-40B4-BE49-F238E27FC236}">
-                <a16:creationId xmlns:a16="http://schemas.microsoft.com/office/drawing/2014/main" id="{38776156-025C-B224-54A9-3640CACFABA1}"/>
+          <p:cNvPr id="8" name="그림 7">
+            <a:extLst>
+              <a:ext uri="{FF2B5EF4-FFF2-40B4-BE49-F238E27FC236}">
+                <a16:creationId xmlns:a16="http://schemas.microsoft.com/office/drawing/2014/main" id="{65728A2D-9331-872F-BD58-BC13CDE0B497}"/>
               </a:ext>
             </a:extLst>
           </p:cNvPr>
@@ -5047,66 +4962,128 @@
         </p:blipFill>
         <p:spPr>
           <a:xfrm>
-            <a:off x="261123" y="975970"/>
-            <a:ext cx="11669754" cy="4906060"/>
+            <a:off x="3694861" y="3992813"/>
+            <a:ext cx="3639058" cy="2333951"/>
           </a:xfrm>
           <a:prstGeom prst="rect">
             <a:avLst/>
           </a:prstGeom>
         </p:spPr>
       </p:pic>
-      <p:sp>
-        <p:nvSpPr>
-          <p:cNvPr id="4" name="화살표: 아래쪽 3">
-            <a:extLst>
-              <a:ext uri="{FF2B5EF4-FFF2-40B4-BE49-F238E27FC236}">
-                <a16:creationId xmlns:a16="http://schemas.microsoft.com/office/drawing/2014/main" id="{DF2E8F59-9F3F-C03E-8B27-59CBB96E3C37}"/>
-              </a:ext>
-            </a:extLst>
-          </p:cNvPr>
-          <p:cNvSpPr/>
-          <p:nvPr/>
-        </p:nvSpPr>
-        <p:spPr>
-          <a:xfrm>
-            <a:off x="7740073" y="3075709"/>
-            <a:ext cx="452581" cy="498764"/>
-          </a:xfrm>
-          <a:prstGeom prst="downArrow">
-            <a:avLst/>
-          </a:prstGeom>
+      <p:pic>
+        <p:nvPicPr>
+          <p:cNvPr id="5" name="그림 4">
+            <a:extLst>
+              <a:ext uri="{FF2B5EF4-FFF2-40B4-BE49-F238E27FC236}">
+                <a16:creationId xmlns:a16="http://schemas.microsoft.com/office/drawing/2014/main" id="{E7B41867-F88C-A7A9-1A79-F01B18B1AD92}"/>
+              </a:ext>
+            </a:extLst>
+          </p:cNvPr>
+          <p:cNvPicPr>
+            <a:picLocks noChangeAspect="1"/>
+          </p:cNvPicPr>
+          <p:nvPr/>
+        </p:nvPicPr>
+        <p:blipFill>
+          <a:blip r:embed="rId4"/>
+          <a:stretch>
+            <a:fillRect/>
+          </a:stretch>
+        </p:blipFill>
+        <p:spPr>
+          <a:xfrm>
+            <a:off x="3510414" y="581049"/>
+            <a:ext cx="4544059" cy="1724266"/>
+          </a:xfrm>
+          <a:prstGeom prst="rect">
+            <a:avLst/>
+          </a:prstGeom>
+        </p:spPr>
+      </p:pic>
+      <p:sp>
+        <p:nvSpPr>
+          <p:cNvPr id="6" name="TextBox 5">
+            <a:extLst>
+              <a:ext uri="{FF2B5EF4-FFF2-40B4-BE49-F238E27FC236}">
+                <a16:creationId xmlns:a16="http://schemas.microsoft.com/office/drawing/2014/main" id="{EEE1B3BD-A88E-DE62-E8F6-317EF8C006BD}"/>
+              </a:ext>
+            </a:extLst>
+          </p:cNvPr>
+          <p:cNvSpPr txBox="1"/>
+          <p:nvPr/>
+        </p:nvSpPr>
+        <p:spPr>
+          <a:xfrm>
+            <a:off x="6276193" y="396383"/>
+            <a:ext cx="3107093" cy="369332"/>
+          </a:xfrm>
+          <a:prstGeom prst="rect">
+            <a:avLst/>
+          </a:prstGeom>
+          <a:noFill/>
+        </p:spPr>
+        <p:txBody>
+          <a:bodyPr wrap="square" rtlCol="0">
+            <a:spAutoFit/>
+          </a:bodyPr>
+          <a:lstStyle/>
+          <a:p>
+            <a:r>
+              <a:rPr lang="en-US" altLang="ko-KR" b="1" dirty="0"/>
+              <a:t>M dimension input Vector</a:t>
+            </a:r>
+            <a:endParaRPr lang="ko-KR" altLang="en-US" b="1" dirty="0"/>
+          </a:p>
+        </p:txBody>
+      </p:sp>
+      <p:cxnSp>
+        <p:nvCxnSpPr>
+          <p:cNvPr id="10" name="직선 화살표 연결선 9">
+            <a:extLst>
+              <a:ext uri="{FF2B5EF4-FFF2-40B4-BE49-F238E27FC236}">
+                <a16:creationId xmlns:a16="http://schemas.microsoft.com/office/drawing/2014/main" id="{F58BDAC8-277B-F709-0115-0302B90FC212}"/>
+              </a:ext>
+            </a:extLst>
+          </p:cNvPr>
+          <p:cNvCxnSpPr>
+            <a:cxnSpLocks/>
+            <a:stCxn id="6" idx="1"/>
+          </p:cNvCxnSpPr>
+          <p:nvPr/>
+        </p:nvCxnSpPr>
+        <p:spPr>
+          <a:xfrm>
+            <a:off x="6276193" y="581049"/>
+            <a:ext cx="0" cy="497266"/>
+          </a:xfrm>
+          <a:prstGeom prst="straightConnector1">
+            <a:avLst/>
+          </a:prstGeom>
+          <a:ln>
+            <a:tailEnd type="triangle"/>
+          </a:ln>
         </p:spPr>
         <p:style>
           <a:lnRef idx="2">
-            <a:schemeClr val="accent1">
-              <a:shade val="15000"/>
-            </a:schemeClr>
+            <a:schemeClr val="accent1"/>
           </a:lnRef>
-          <a:fillRef idx="1">
+          <a:fillRef idx="0">
             <a:schemeClr val="accent1"/>
           </a:fillRef>
-          <a:effectRef idx="0">
+          <a:effectRef idx="1">
             <a:schemeClr val="accent1"/>
           </a:effectRef>
           <a:fontRef idx="minor">
-            <a:schemeClr val="lt1"/>
+            <a:schemeClr val="tx1"/>
           </a:fontRef>
         </p:style>
-        <p:txBody>
-          <a:bodyPr rtlCol="0" anchor="ctr"/>
-          <a:lstStyle/>
-          <a:p>
-            <a:pPr algn="ctr"/>
-            <a:endParaRPr lang="ko-KR" altLang="en-US"/>
-          </a:p>
-        </p:txBody>
-      </p:sp>
-      <p:sp>
-        <p:nvSpPr>
-          <p:cNvPr id="7" name="TextBox 6">
-            <a:extLst>
-              <a:ext uri="{FF2B5EF4-FFF2-40B4-BE49-F238E27FC236}">
-                <a16:creationId xmlns:a16="http://schemas.microsoft.com/office/drawing/2014/main" id="{F88B5EEF-9CB6-63D2-8F3F-16008A064B0C}"/>
+      </p:cxnSp>
+      <p:sp>
+        <p:nvSpPr>
+          <p:cNvPr id="12" name="TextBox 11">
+            <a:extLst>
+              <a:ext uri="{FF2B5EF4-FFF2-40B4-BE49-F238E27FC236}">
+                <a16:creationId xmlns:a16="http://schemas.microsoft.com/office/drawing/2014/main" id="{73E956EA-9AA6-40D7-D322-69E6CFA601B5}"/>
               </a:ext>
             </a:extLst>
           </p:cNvPr>
@@ -5115,8 +5092,8 @@
         </p:nvSpPr>
         <p:spPr>
           <a:xfrm>
-            <a:off x="8183418" y="3094258"/>
-            <a:ext cx="3747459" cy="461665"/>
+            <a:off x="7333919" y="765715"/>
+            <a:ext cx="3107093" cy="369332"/>
           </a:xfrm>
           <a:prstGeom prst="rect">
             <a:avLst/>
@@ -5130,78 +5107,450 @@
           <a:lstStyle/>
           <a:p>
             <a:r>
-              <a:rPr lang="en-US" altLang="ko-KR" sz="1200" b="1" dirty="0"/>
-              <a:t>Convert Dynamics Equations into</a:t>
-            </a:r>
-          </a:p>
-          <a:p>
-            <a:r>
-              <a:rPr lang="en-US" altLang="ko-KR" sz="1200" b="1" dirty="0"/>
-              <a:t>Vector Form</a:t>
-            </a:r>
-            <a:endParaRPr lang="ko-KR" altLang="en-US" sz="1200" b="1" dirty="0"/>
-          </a:p>
-        </p:txBody>
-      </p:sp>
-      <p:sp>
-        <p:nvSpPr>
-          <p:cNvPr id="9" name="직사각형 8">
-            <a:extLst>
-              <a:ext uri="{FF2B5EF4-FFF2-40B4-BE49-F238E27FC236}">
-                <a16:creationId xmlns:a16="http://schemas.microsoft.com/office/drawing/2014/main" id="{78A0E217-D50A-33FF-6609-46D469A23B2F}"/>
-              </a:ext>
-            </a:extLst>
-          </p:cNvPr>
-          <p:cNvSpPr/>
-          <p:nvPr/>
-        </p:nvSpPr>
-        <p:spPr>
-          <a:xfrm>
-            <a:off x="8525163" y="3595254"/>
-            <a:ext cx="2826327" cy="1466273"/>
-          </a:xfrm>
-          <a:prstGeom prst="rect">
-            <a:avLst/>
-          </a:prstGeom>
-          <a:noFill/>
+              <a:rPr lang="en-US" altLang="ko-KR" b="1" dirty="0"/>
+              <a:t>N dimension state Vector</a:t>
+            </a:r>
+            <a:endParaRPr lang="ko-KR" altLang="en-US" b="1" dirty="0"/>
+          </a:p>
+        </p:txBody>
+      </p:sp>
+      <p:cxnSp>
+        <p:nvCxnSpPr>
+          <p:cNvPr id="14" name="연결선: 꺾임 13">
+            <a:extLst>
+              <a:ext uri="{FF2B5EF4-FFF2-40B4-BE49-F238E27FC236}">
+                <a16:creationId xmlns:a16="http://schemas.microsoft.com/office/drawing/2014/main" id="{D35DF1E7-08A0-E12C-D2D6-47B07E929F47}"/>
+              </a:ext>
+            </a:extLst>
+          </p:cNvPr>
+          <p:cNvCxnSpPr>
+            <a:cxnSpLocks/>
+            <a:stCxn id="12" idx="1"/>
+          </p:cNvCxnSpPr>
+          <p:nvPr/>
+        </p:nvCxnSpPr>
+        <p:spPr>
+          <a:xfrm rot="10800000" flipV="1">
+            <a:off x="6962273" y="950381"/>
+            <a:ext cx="371647" cy="184666"/>
+          </a:xfrm>
+          <a:prstGeom prst="bentConnector3">
+            <a:avLst>
+              <a:gd name="adj1" fmla="val 50000"/>
+            </a:avLst>
+          </a:prstGeom>
           <a:ln>
-            <a:solidFill>
-              <a:schemeClr val="tx2">
-                <a:lumMod val="75000"/>
-                <a:lumOff val="25000"/>
-              </a:schemeClr>
-            </a:solidFill>
+            <a:tailEnd type="triangle"/>
           </a:ln>
         </p:spPr>
         <p:style>
           <a:lnRef idx="2">
-            <a:schemeClr val="accent1">
-              <a:shade val="15000"/>
-            </a:schemeClr>
+            <a:schemeClr val="accent1"/>
           </a:lnRef>
-          <a:fillRef idx="1">
+          <a:fillRef idx="0">
             <a:schemeClr val="accent1"/>
           </a:fillRef>
-          <a:effectRef idx="0">
+          <a:effectRef idx="1">
             <a:schemeClr val="accent1"/>
           </a:effectRef>
           <a:fontRef idx="minor">
-            <a:schemeClr val="lt1"/>
+            <a:schemeClr val="tx1"/>
           </a:fontRef>
         </p:style>
-        <p:txBody>
-          <a:bodyPr rtlCol="0" anchor="ctr"/>
-          <a:lstStyle/>
-          <a:p>
-            <a:pPr algn="ctr"/>
-            <a:endParaRPr lang="ko-KR" altLang="en-US"/>
+      </p:cxnSp>
+      <p:sp>
+        <p:nvSpPr>
+          <p:cNvPr id="17" name="TextBox 16">
+            <a:extLst>
+              <a:ext uri="{FF2B5EF4-FFF2-40B4-BE49-F238E27FC236}">
+                <a16:creationId xmlns:a16="http://schemas.microsoft.com/office/drawing/2014/main" id="{5242CF68-1B72-E6AC-3960-9E53EB058B6D}"/>
+              </a:ext>
+            </a:extLst>
+          </p:cNvPr>
+          <p:cNvSpPr txBox="1"/>
+          <p:nvPr/>
+        </p:nvSpPr>
+        <p:spPr>
+          <a:xfrm>
+            <a:off x="5611786" y="2286931"/>
+            <a:ext cx="3107093" cy="369332"/>
+          </a:xfrm>
+          <a:prstGeom prst="rect">
+            <a:avLst/>
+          </a:prstGeom>
+          <a:noFill/>
+        </p:spPr>
+        <p:txBody>
+          <a:bodyPr wrap="square" rtlCol="0">
+            <a:spAutoFit/>
+          </a:bodyPr>
+          <a:lstStyle/>
+          <a:p>
+            <a:r>
+              <a:rPr lang="en-US" altLang="ko-KR" b="1" dirty="0"/>
+              <a:t>System Dynamics</a:t>
+            </a:r>
+            <a:endParaRPr lang="ko-KR" altLang="en-US" b="1" dirty="0"/>
+          </a:p>
+        </p:txBody>
+      </p:sp>
+      <p:cxnSp>
+        <p:nvCxnSpPr>
+          <p:cNvPr id="18" name="연결선: 꺾임 17">
+            <a:extLst>
+              <a:ext uri="{FF2B5EF4-FFF2-40B4-BE49-F238E27FC236}">
+                <a16:creationId xmlns:a16="http://schemas.microsoft.com/office/drawing/2014/main" id="{B088DD21-901D-1356-306F-AC89C7D872AB}"/>
+              </a:ext>
+            </a:extLst>
+          </p:cNvPr>
+          <p:cNvCxnSpPr>
+            <a:cxnSpLocks/>
+            <a:stCxn id="17" idx="1"/>
+          </p:cNvCxnSpPr>
+          <p:nvPr/>
+        </p:nvCxnSpPr>
+        <p:spPr>
+          <a:xfrm rot="10800000" flipH="1">
+            <a:off x="5611786" y="1879631"/>
+            <a:ext cx="21676" cy="591967"/>
+          </a:xfrm>
+          <a:prstGeom prst="bentConnector4">
+            <a:avLst>
+              <a:gd name="adj1" fmla="val -1054623"/>
+              <a:gd name="adj2" fmla="val 65598"/>
+            </a:avLst>
+          </a:prstGeom>
+          <a:ln>
+            <a:tailEnd type="triangle"/>
+          </a:ln>
+        </p:spPr>
+        <p:style>
+          <a:lnRef idx="2">
+            <a:schemeClr val="dk1"/>
+          </a:lnRef>
+          <a:fillRef idx="0">
+            <a:schemeClr val="dk1"/>
+          </a:fillRef>
+          <a:effectRef idx="1">
+            <a:schemeClr val="dk1"/>
+          </a:effectRef>
+          <a:fontRef idx="minor">
+            <a:schemeClr val="tx1"/>
+          </a:fontRef>
+        </p:style>
+      </p:cxnSp>
+      <p:sp>
+        <p:nvSpPr>
+          <p:cNvPr id="21" name="TextBox 20">
+            <a:extLst>
+              <a:ext uri="{FF2B5EF4-FFF2-40B4-BE49-F238E27FC236}">
+                <a16:creationId xmlns:a16="http://schemas.microsoft.com/office/drawing/2014/main" id="{AE976B0B-58DC-AA50-D25C-5CBC318FA0F0}"/>
+              </a:ext>
+            </a:extLst>
+          </p:cNvPr>
+          <p:cNvSpPr txBox="1"/>
+          <p:nvPr/>
+        </p:nvSpPr>
+        <p:spPr>
+          <a:xfrm>
+            <a:off x="2679026" y="2286931"/>
+            <a:ext cx="2614863" cy="369332"/>
+          </a:xfrm>
+          <a:prstGeom prst="rect">
+            <a:avLst/>
+          </a:prstGeom>
+          <a:noFill/>
+        </p:spPr>
+        <p:txBody>
+          <a:bodyPr wrap="square" rtlCol="0">
+            <a:spAutoFit/>
+          </a:bodyPr>
+          <a:lstStyle/>
+          <a:p>
+            <a:r>
+              <a:rPr lang="en-US" altLang="ko-KR" b="1" dirty="0"/>
+              <a:t>Derivative of State X</a:t>
+            </a:r>
+            <a:endParaRPr lang="ko-KR" altLang="en-US" b="1" dirty="0"/>
+          </a:p>
+        </p:txBody>
+      </p:sp>
+      <p:cxnSp>
+        <p:nvCxnSpPr>
+          <p:cNvPr id="22" name="연결선: 꺾임 21">
+            <a:extLst>
+              <a:ext uri="{FF2B5EF4-FFF2-40B4-BE49-F238E27FC236}">
+                <a16:creationId xmlns:a16="http://schemas.microsoft.com/office/drawing/2014/main" id="{355A64D9-9ED9-0579-D957-A6C653E74538}"/>
+              </a:ext>
+            </a:extLst>
+          </p:cNvPr>
+          <p:cNvCxnSpPr>
+            <a:cxnSpLocks/>
+            <a:stCxn id="21" idx="0"/>
+          </p:cNvCxnSpPr>
+          <p:nvPr/>
+        </p:nvCxnSpPr>
+        <p:spPr>
+          <a:xfrm rot="5400000" flipH="1" flipV="1">
+            <a:off x="3916206" y="1902721"/>
+            <a:ext cx="454462" cy="313958"/>
+          </a:xfrm>
+          <a:prstGeom prst="bentConnector3">
+            <a:avLst>
+              <a:gd name="adj1" fmla="val 50000"/>
+            </a:avLst>
+          </a:prstGeom>
+          <a:ln>
+            <a:tailEnd type="triangle"/>
+          </a:ln>
+        </p:spPr>
+        <p:style>
+          <a:lnRef idx="2">
+            <a:schemeClr val="dk1"/>
+          </a:lnRef>
+          <a:fillRef idx="0">
+            <a:schemeClr val="dk1"/>
+          </a:fillRef>
+          <a:effectRef idx="1">
+            <a:schemeClr val="dk1"/>
+          </a:effectRef>
+          <a:fontRef idx="minor">
+            <a:schemeClr val="tx1"/>
+          </a:fontRef>
+        </p:style>
+      </p:cxnSp>
+      <p:sp>
+        <p:nvSpPr>
+          <p:cNvPr id="27" name="TextBox 26">
+            <a:extLst>
+              <a:ext uri="{FF2B5EF4-FFF2-40B4-BE49-F238E27FC236}">
+                <a16:creationId xmlns:a16="http://schemas.microsoft.com/office/drawing/2014/main" id="{46CC13D4-3DEB-319A-CE4D-A2A69CEA5DA7}"/>
+              </a:ext>
+            </a:extLst>
+          </p:cNvPr>
+          <p:cNvSpPr txBox="1"/>
+          <p:nvPr/>
+        </p:nvSpPr>
+        <p:spPr>
+          <a:xfrm>
+            <a:off x="2993731" y="3680215"/>
+            <a:ext cx="7469266" cy="461665"/>
+          </a:xfrm>
+          <a:prstGeom prst="rect">
+            <a:avLst/>
+          </a:prstGeom>
+          <a:noFill/>
+        </p:spPr>
+        <p:txBody>
+          <a:bodyPr wrap="square" rtlCol="0">
+            <a:spAutoFit/>
+          </a:bodyPr>
+          <a:lstStyle/>
+          <a:p>
+            <a:r>
+              <a:rPr lang="en-US" altLang="ko-KR" sz="2400" b="1" dirty="0"/>
+              <a:t>This can also be expressed like this</a:t>
+            </a:r>
+            <a:endParaRPr lang="ko-KR" altLang="en-US" sz="2400" b="1" dirty="0"/>
+          </a:p>
+        </p:txBody>
+      </p:sp>
+      <p:sp>
+        <p:nvSpPr>
+          <p:cNvPr id="28" name="TextBox 27">
+            <a:extLst>
+              <a:ext uri="{FF2B5EF4-FFF2-40B4-BE49-F238E27FC236}">
+                <a16:creationId xmlns:a16="http://schemas.microsoft.com/office/drawing/2014/main" id="{5D4A8F9D-70D5-DC34-EB7D-30963FB7F05C}"/>
+              </a:ext>
+            </a:extLst>
+          </p:cNvPr>
+          <p:cNvSpPr txBox="1"/>
+          <p:nvPr/>
+        </p:nvSpPr>
+        <p:spPr>
+          <a:xfrm>
+            <a:off x="6728364" y="4456325"/>
+            <a:ext cx="3107093" cy="369332"/>
+          </a:xfrm>
+          <a:prstGeom prst="rect">
+            <a:avLst/>
+          </a:prstGeom>
+          <a:noFill/>
+        </p:spPr>
+        <p:txBody>
+          <a:bodyPr wrap="square" rtlCol="0">
+            <a:spAutoFit/>
+          </a:bodyPr>
+          <a:lstStyle/>
+          <a:p>
+            <a:r>
+              <a:rPr lang="en-US" altLang="ko-KR" b="1" dirty="0"/>
+              <a:t>Pose, of “Configuration”</a:t>
+            </a:r>
+            <a:endParaRPr lang="ko-KR" altLang="en-US" b="1" dirty="0"/>
+          </a:p>
+        </p:txBody>
+      </p:sp>
+      <p:sp>
+        <p:nvSpPr>
+          <p:cNvPr id="29" name="TextBox 28">
+            <a:extLst>
+              <a:ext uri="{FF2B5EF4-FFF2-40B4-BE49-F238E27FC236}">
+                <a16:creationId xmlns:a16="http://schemas.microsoft.com/office/drawing/2014/main" id="{ECA99AAD-C571-6EF7-562F-AB1FB7691EFA}"/>
+              </a:ext>
+            </a:extLst>
+          </p:cNvPr>
+          <p:cNvSpPr txBox="1"/>
+          <p:nvPr/>
+        </p:nvSpPr>
+        <p:spPr>
+          <a:xfrm>
+            <a:off x="6817524" y="5159788"/>
+            <a:ext cx="3107093" cy="369332"/>
+          </a:xfrm>
+          <a:prstGeom prst="rect">
+            <a:avLst/>
+          </a:prstGeom>
+          <a:noFill/>
+        </p:spPr>
+        <p:txBody>
+          <a:bodyPr wrap="square" rtlCol="0">
+            <a:spAutoFit/>
+          </a:bodyPr>
+          <a:lstStyle/>
+          <a:p>
+            <a:r>
+              <a:rPr lang="en-US" altLang="ko-KR" b="1" dirty="0"/>
+              <a:t>Velocity</a:t>
+            </a:r>
+            <a:endParaRPr lang="ko-KR" altLang="en-US" b="1" dirty="0"/>
+          </a:p>
+        </p:txBody>
+      </p:sp>
+      <p:cxnSp>
+        <p:nvCxnSpPr>
+          <p:cNvPr id="34" name="연결선: 꺾임 33">
+            <a:extLst>
+              <a:ext uri="{FF2B5EF4-FFF2-40B4-BE49-F238E27FC236}">
+                <a16:creationId xmlns:a16="http://schemas.microsoft.com/office/drawing/2014/main" id="{F83B5515-BAC2-EF53-A75C-E7225624EC37}"/>
+              </a:ext>
+            </a:extLst>
+          </p:cNvPr>
+          <p:cNvCxnSpPr>
+            <a:cxnSpLocks/>
+            <a:stCxn id="28" idx="1"/>
+          </p:cNvCxnSpPr>
+          <p:nvPr/>
+        </p:nvCxnSpPr>
+        <p:spPr>
+          <a:xfrm rot="10800000" flipV="1">
+            <a:off x="6276194" y="4640991"/>
+            <a:ext cx="452171" cy="209492"/>
+          </a:xfrm>
+          <a:prstGeom prst="bentConnector3">
+            <a:avLst/>
+          </a:prstGeom>
+          <a:ln>
+            <a:tailEnd type="triangle"/>
+          </a:ln>
+        </p:spPr>
+        <p:style>
+          <a:lnRef idx="2">
+            <a:schemeClr val="accent1"/>
+          </a:lnRef>
+          <a:fillRef idx="0">
+            <a:schemeClr val="accent1"/>
+          </a:fillRef>
+          <a:effectRef idx="1">
+            <a:schemeClr val="accent1"/>
+          </a:effectRef>
+          <a:fontRef idx="minor">
+            <a:schemeClr val="tx1"/>
+          </a:fontRef>
+        </p:style>
+      </p:cxnSp>
+      <p:cxnSp>
+        <p:nvCxnSpPr>
+          <p:cNvPr id="36" name="연결선: 꺾임 35">
+            <a:extLst>
+              <a:ext uri="{FF2B5EF4-FFF2-40B4-BE49-F238E27FC236}">
+                <a16:creationId xmlns:a16="http://schemas.microsoft.com/office/drawing/2014/main" id="{D1B53ECA-C172-66CA-FD98-0BEDD1B38ED5}"/>
+              </a:ext>
+            </a:extLst>
+          </p:cNvPr>
+          <p:cNvCxnSpPr>
+            <a:cxnSpLocks/>
+            <a:stCxn id="29" idx="1"/>
+          </p:cNvCxnSpPr>
+          <p:nvPr/>
+        </p:nvCxnSpPr>
+        <p:spPr>
+          <a:xfrm rot="10800000" flipV="1">
+            <a:off x="6276194" y="5344454"/>
+            <a:ext cx="541331" cy="90688"/>
+          </a:xfrm>
+          <a:prstGeom prst="bentConnector3">
+            <a:avLst/>
+          </a:prstGeom>
+          <a:ln>
+            <a:tailEnd type="triangle"/>
+          </a:ln>
+        </p:spPr>
+        <p:style>
+          <a:lnRef idx="2">
+            <a:schemeClr val="accent1"/>
+          </a:lnRef>
+          <a:fillRef idx="0">
+            <a:schemeClr val="accent1"/>
+          </a:fillRef>
+          <a:effectRef idx="1">
+            <a:schemeClr val="accent1"/>
+          </a:effectRef>
+          <a:fontRef idx="minor">
+            <a:schemeClr val="tx1"/>
+          </a:fontRef>
+        </p:style>
+      </p:cxnSp>
+      <p:sp>
+        <p:nvSpPr>
+          <p:cNvPr id="40" name="TextBox 39">
+            <a:extLst>
+              <a:ext uri="{FF2B5EF4-FFF2-40B4-BE49-F238E27FC236}">
+                <a16:creationId xmlns:a16="http://schemas.microsoft.com/office/drawing/2014/main" id="{85DAE52B-DD45-3A36-8908-FEC2974F4D61}"/>
+              </a:ext>
+            </a:extLst>
+          </p:cNvPr>
+          <p:cNvSpPr txBox="1"/>
+          <p:nvPr/>
+        </p:nvSpPr>
+        <p:spPr>
+          <a:xfrm>
+            <a:off x="0" y="-16042"/>
+            <a:ext cx="3107093" cy="523220"/>
+          </a:xfrm>
+          <a:prstGeom prst="rect">
+            <a:avLst/>
+          </a:prstGeom>
+          <a:noFill/>
+        </p:spPr>
+        <p:txBody>
+          <a:bodyPr wrap="square" rtlCol="0">
+            <a:spAutoFit/>
+          </a:bodyPr>
+          <a:lstStyle/>
+          <a:p>
+            <a:r>
+              <a:rPr lang="en-US" altLang="ko-KR" sz="2800" b="1" dirty="0"/>
+              <a:t>Lec1. Dynamics</a:t>
+            </a:r>
+            <a:endParaRPr lang="ko-KR" altLang="en-US" sz="2800" b="1" dirty="0"/>
           </a:p>
         </p:txBody>
       </p:sp>
     </p:spTree>
     <p:extLst>
       <p:ext uri="{BB962C8B-B14F-4D97-AF65-F5344CB8AC3E}">
-        <p14:creationId xmlns:p14="http://schemas.microsoft.com/office/powerpoint/2010/main" val="104394811"/>
+        <p14:creationId xmlns:p14="http://schemas.microsoft.com/office/powerpoint/2010/main" val="2060561022"/>
       </p:ext>
     </p:extLst>
   </p:cSld>
@@ -5228,12 +5577,48 @@
           <a:chExt cx="0" cy="0"/>
         </a:xfrm>
       </p:grpSpPr>
+      <p:sp>
+        <p:nvSpPr>
+          <p:cNvPr id="40" name="TextBox 39">
+            <a:extLst>
+              <a:ext uri="{FF2B5EF4-FFF2-40B4-BE49-F238E27FC236}">
+                <a16:creationId xmlns:a16="http://schemas.microsoft.com/office/drawing/2014/main" id="{85DAE52B-DD45-3A36-8908-FEC2974F4D61}"/>
+              </a:ext>
+            </a:extLst>
+          </p:cNvPr>
+          <p:cNvSpPr txBox="1"/>
+          <p:nvPr/>
+        </p:nvSpPr>
+        <p:spPr>
+          <a:xfrm>
+            <a:off x="0" y="-16042"/>
+            <a:ext cx="3107093" cy="523220"/>
+          </a:xfrm>
+          <a:prstGeom prst="rect">
+            <a:avLst/>
+          </a:prstGeom>
+          <a:noFill/>
+        </p:spPr>
+        <p:txBody>
+          <a:bodyPr wrap="square" rtlCol="0">
+            <a:spAutoFit/>
+          </a:bodyPr>
+          <a:lstStyle/>
+          <a:p>
+            <a:r>
+              <a:rPr lang="en-US" altLang="ko-KR" sz="2800" b="1" dirty="0"/>
+              <a:t>Lec1. Dynamics</a:t>
+            </a:r>
+            <a:endParaRPr lang="ko-KR" altLang="en-US" sz="2800" b="1" dirty="0"/>
+          </a:p>
+        </p:txBody>
+      </p:sp>
       <p:pic>
         <p:nvPicPr>
-          <p:cNvPr id="4" name="그림 3">
-            <a:extLst>
-              <a:ext uri="{FF2B5EF4-FFF2-40B4-BE49-F238E27FC236}">
-                <a16:creationId xmlns:a16="http://schemas.microsoft.com/office/drawing/2014/main" id="{7CB06CB5-8C7C-C4AE-B867-18BA7FB347A2}"/>
+          <p:cNvPr id="3" name="그림 2">
+            <a:extLst>
+              <a:ext uri="{FF2B5EF4-FFF2-40B4-BE49-F238E27FC236}">
+                <a16:creationId xmlns:a16="http://schemas.microsoft.com/office/drawing/2014/main" id="{38776156-025C-B224-54A9-3640CACFABA1}"/>
               </a:ext>
             </a:extLst>
           </p:cNvPr>
@@ -5250,7 +5635,210 @@
         </p:blipFill>
         <p:spPr>
           <a:xfrm>
-            <a:off x="604677" y="922837"/>
+            <a:off x="261123" y="975970"/>
+            <a:ext cx="11669754" cy="4906060"/>
+          </a:xfrm>
+          <a:prstGeom prst="rect">
+            <a:avLst/>
+          </a:prstGeom>
+        </p:spPr>
+      </p:pic>
+      <p:sp>
+        <p:nvSpPr>
+          <p:cNvPr id="4" name="화살표: 아래쪽 3">
+            <a:extLst>
+              <a:ext uri="{FF2B5EF4-FFF2-40B4-BE49-F238E27FC236}">
+                <a16:creationId xmlns:a16="http://schemas.microsoft.com/office/drawing/2014/main" id="{DF2E8F59-9F3F-C03E-8B27-59CBB96E3C37}"/>
+              </a:ext>
+            </a:extLst>
+          </p:cNvPr>
+          <p:cNvSpPr/>
+          <p:nvPr/>
+        </p:nvSpPr>
+        <p:spPr>
+          <a:xfrm>
+            <a:off x="7740073" y="3075709"/>
+            <a:ext cx="452581" cy="498764"/>
+          </a:xfrm>
+          <a:prstGeom prst="downArrow">
+            <a:avLst/>
+          </a:prstGeom>
+        </p:spPr>
+        <p:style>
+          <a:lnRef idx="2">
+            <a:schemeClr val="accent1">
+              <a:shade val="15000"/>
+            </a:schemeClr>
+          </a:lnRef>
+          <a:fillRef idx="1">
+            <a:schemeClr val="accent1"/>
+          </a:fillRef>
+          <a:effectRef idx="0">
+            <a:schemeClr val="accent1"/>
+          </a:effectRef>
+          <a:fontRef idx="minor">
+            <a:schemeClr val="lt1"/>
+          </a:fontRef>
+        </p:style>
+        <p:txBody>
+          <a:bodyPr rtlCol="0" anchor="ctr"/>
+          <a:lstStyle/>
+          <a:p>
+            <a:pPr algn="ctr"/>
+            <a:endParaRPr lang="ko-KR" altLang="en-US"/>
+          </a:p>
+        </p:txBody>
+      </p:sp>
+      <p:sp>
+        <p:nvSpPr>
+          <p:cNvPr id="7" name="TextBox 6">
+            <a:extLst>
+              <a:ext uri="{FF2B5EF4-FFF2-40B4-BE49-F238E27FC236}">
+                <a16:creationId xmlns:a16="http://schemas.microsoft.com/office/drawing/2014/main" id="{F88B5EEF-9CB6-63D2-8F3F-16008A064B0C}"/>
+              </a:ext>
+            </a:extLst>
+          </p:cNvPr>
+          <p:cNvSpPr txBox="1"/>
+          <p:nvPr/>
+        </p:nvSpPr>
+        <p:spPr>
+          <a:xfrm>
+            <a:off x="8183418" y="3094258"/>
+            <a:ext cx="3747459" cy="461665"/>
+          </a:xfrm>
+          <a:prstGeom prst="rect">
+            <a:avLst/>
+          </a:prstGeom>
+          <a:noFill/>
+        </p:spPr>
+        <p:txBody>
+          <a:bodyPr wrap="square" rtlCol="0">
+            <a:spAutoFit/>
+          </a:bodyPr>
+          <a:lstStyle/>
+          <a:p>
+            <a:r>
+              <a:rPr lang="en-US" altLang="ko-KR" sz="1200" b="1" dirty="0"/>
+              <a:t>Convert Dynamics Equations into</a:t>
+            </a:r>
+          </a:p>
+          <a:p>
+            <a:r>
+              <a:rPr lang="en-US" altLang="ko-KR" sz="1200" b="1" dirty="0"/>
+              <a:t>Vector Form</a:t>
+            </a:r>
+            <a:endParaRPr lang="ko-KR" altLang="en-US" sz="1200" b="1" dirty="0"/>
+          </a:p>
+        </p:txBody>
+      </p:sp>
+      <p:sp>
+        <p:nvSpPr>
+          <p:cNvPr id="9" name="직사각형 8">
+            <a:extLst>
+              <a:ext uri="{FF2B5EF4-FFF2-40B4-BE49-F238E27FC236}">
+                <a16:creationId xmlns:a16="http://schemas.microsoft.com/office/drawing/2014/main" id="{78A0E217-D50A-33FF-6609-46D469A23B2F}"/>
+              </a:ext>
+            </a:extLst>
+          </p:cNvPr>
+          <p:cNvSpPr/>
+          <p:nvPr/>
+        </p:nvSpPr>
+        <p:spPr>
+          <a:xfrm>
+            <a:off x="8525163" y="3595254"/>
+            <a:ext cx="2826327" cy="1466273"/>
+          </a:xfrm>
+          <a:prstGeom prst="rect">
+            <a:avLst/>
+          </a:prstGeom>
+          <a:noFill/>
+          <a:ln>
+            <a:solidFill>
+              <a:schemeClr val="tx2">
+                <a:lumMod val="75000"/>
+                <a:lumOff val="25000"/>
+              </a:schemeClr>
+            </a:solidFill>
+          </a:ln>
+        </p:spPr>
+        <p:style>
+          <a:lnRef idx="2">
+            <a:schemeClr val="accent1">
+              <a:shade val="15000"/>
+            </a:schemeClr>
+          </a:lnRef>
+          <a:fillRef idx="1">
+            <a:schemeClr val="accent1"/>
+          </a:fillRef>
+          <a:effectRef idx="0">
+            <a:schemeClr val="accent1"/>
+          </a:effectRef>
+          <a:fontRef idx="minor">
+            <a:schemeClr val="lt1"/>
+          </a:fontRef>
+        </p:style>
+        <p:txBody>
+          <a:bodyPr rtlCol="0" anchor="ctr"/>
+          <a:lstStyle/>
+          <a:p>
+            <a:pPr algn="ctr"/>
+            <a:endParaRPr lang="ko-KR" altLang="en-US"/>
+          </a:p>
+        </p:txBody>
+      </p:sp>
+    </p:spTree>
+    <p:extLst>
+      <p:ext uri="{BB962C8B-B14F-4D97-AF65-F5344CB8AC3E}">
+        <p14:creationId xmlns:p14="http://schemas.microsoft.com/office/powerpoint/2010/main" val="104394811"/>
+      </p:ext>
+    </p:extLst>
+  </p:cSld>
+  <p:clrMapOvr>
+    <a:masterClrMapping/>
+  </p:clrMapOvr>
+</p:sld>
+</file>
+
+<file path=ppt/slides/slide4.xml><?xml version="1.0" encoding="utf-8"?>
+<p:sld xmlns:a="http://schemas.openxmlformats.org/drawingml/2006/main" xmlns:r="http://schemas.openxmlformats.org/officeDocument/2006/relationships" xmlns:p="http://schemas.openxmlformats.org/presentationml/2006/main">
+  <p:cSld>
+    <p:spTree>
+      <p:nvGrpSpPr>
+        <p:cNvPr id="1" name=""/>
+        <p:cNvGrpSpPr/>
+        <p:nvPr/>
+      </p:nvGrpSpPr>
+      <p:grpSpPr>
+        <a:xfrm>
+          <a:off x="0" y="0"/>
+          <a:ext cx="0" cy="0"/>
+          <a:chOff x="0" y="0"/>
+          <a:chExt cx="0" cy="0"/>
+        </a:xfrm>
+      </p:grpSpPr>
+      <p:pic>
+        <p:nvPicPr>
+          <p:cNvPr id="4" name="그림 3">
+            <a:extLst>
+              <a:ext uri="{FF2B5EF4-FFF2-40B4-BE49-F238E27FC236}">
+                <a16:creationId xmlns:a16="http://schemas.microsoft.com/office/drawing/2014/main" id="{7CB06CB5-8C7C-C4AE-B867-18BA7FB347A2}"/>
+              </a:ext>
+            </a:extLst>
+          </p:cNvPr>
+          <p:cNvPicPr>
+            <a:picLocks noChangeAspect="1"/>
+          </p:cNvPicPr>
+          <p:nvPr/>
+        </p:nvPicPr>
+        <p:blipFill>
+          <a:blip r:embed="rId3"/>
+          <a:stretch>
+            <a:fillRect/>
+          </a:stretch>
+        </p:blipFill>
+        <p:spPr>
+          <a:xfrm>
+            <a:off x="604677" y="932264"/>
             <a:ext cx="6268325" cy="1800476"/>
           </a:xfrm>
           <a:prstGeom prst="rect">
@@ -5374,7 +5962,7 @@
         </p:nvSpPr>
         <p:spPr>
           <a:xfrm>
-            <a:off x="339862" y="2668793"/>
+            <a:off x="339862" y="2841759"/>
             <a:ext cx="3747459" cy="461665"/>
           </a:xfrm>
           <a:prstGeom prst="rect">
@@ -5603,743 +6191,6 @@
 </p:sld>
 </file>
 
-<file path=ppt/slides/slide4.xml><?xml version="1.0" encoding="utf-8"?>
-<p:sld xmlns:a="http://schemas.openxmlformats.org/drawingml/2006/main" xmlns:r="http://schemas.openxmlformats.org/officeDocument/2006/relationships" xmlns:p="http://schemas.openxmlformats.org/presentationml/2006/main">
-  <p:cSld>
-    <p:spTree>
-      <p:nvGrpSpPr>
-        <p:cNvPr id="1" name=""/>
-        <p:cNvGrpSpPr/>
-        <p:nvPr/>
-      </p:nvGrpSpPr>
-      <p:grpSpPr>
-        <a:xfrm>
-          <a:off x="0" y="0"/>
-          <a:ext cx="0" cy="0"/>
-          <a:chOff x="0" y="0"/>
-          <a:chExt cx="0" cy="0"/>
-        </a:xfrm>
-      </p:grpSpPr>
-      <p:sp>
-        <p:nvSpPr>
-          <p:cNvPr id="40" name="TextBox 39">
-            <a:extLst>
-              <a:ext uri="{FF2B5EF4-FFF2-40B4-BE49-F238E27FC236}">
-                <a16:creationId xmlns:a16="http://schemas.microsoft.com/office/drawing/2014/main" id="{85DAE52B-DD45-3A36-8908-FEC2974F4D61}"/>
-              </a:ext>
-            </a:extLst>
-          </p:cNvPr>
-          <p:cNvSpPr txBox="1"/>
-          <p:nvPr/>
-        </p:nvSpPr>
-        <p:spPr>
-          <a:xfrm>
-            <a:off x="0" y="-16042"/>
-            <a:ext cx="3107093" cy="523220"/>
-          </a:xfrm>
-          <a:prstGeom prst="rect">
-            <a:avLst/>
-          </a:prstGeom>
-          <a:noFill/>
-        </p:spPr>
-        <p:txBody>
-          <a:bodyPr wrap="square" rtlCol="0">
-            <a:spAutoFit/>
-          </a:bodyPr>
-          <a:lstStyle/>
-          <a:p>
-            <a:r>
-              <a:rPr lang="en-US" altLang="ko-KR" sz="2800" b="1" dirty="0"/>
-              <a:t>Lec1. Dynamics</a:t>
-            </a:r>
-            <a:endParaRPr lang="ko-KR" altLang="en-US" sz="2800" b="1" dirty="0"/>
-          </a:p>
-        </p:txBody>
-      </p:sp>
-      <p:sp>
-        <p:nvSpPr>
-          <p:cNvPr id="2" name="TextBox 1">
-            <a:extLst>
-              <a:ext uri="{FF2B5EF4-FFF2-40B4-BE49-F238E27FC236}">
-                <a16:creationId xmlns:a16="http://schemas.microsoft.com/office/drawing/2014/main" id="{6BCCE70C-59D0-3B7B-4CC5-DFD677242884}"/>
-              </a:ext>
-            </a:extLst>
-          </p:cNvPr>
-          <p:cNvSpPr txBox="1"/>
-          <p:nvPr/>
-        </p:nvSpPr>
-        <p:spPr>
-          <a:xfrm>
-            <a:off x="339862" y="746524"/>
-            <a:ext cx="3747459" cy="461665"/>
-          </a:xfrm>
-          <a:prstGeom prst="rect">
-            <a:avLst/>
-          </a:prstGeom>
-          <a:noFill/>
-        </p:spPr>
-        <p:txBody>
-          <a:bodyPr wrap="square" rtlCol="0">
-            <a:spAutoFit/>
-          </a:bodyPr>
-          <a:lstStyle/>
-          <a:p>
-            <a:r>
-              <a:rPr lang="en-US" altLang="ko-KR" sz="2400" b="1" dirty="0"/>
-              <a:t>Manipulator Dynamics</a:t>
-            </a:r>
-            <a:endParaRPr lang="ko-KR" altLang="en-US" sz="2400" b="1" dirty="0"/>
-          </a:p>
-        </p:txBody>
-      </p:sp>
-      <p:pic>
-        <p:nvPicPr>
-          <p:cNvPr id="4" name="그림 3">
-            <a:extLst>
-              <a:ext uri="{FF2B5EF4-FFF2-40B4-BE49-F238E27FC236}">
-                <a16:creationId xmlns:a16="http://schemas.microsoft.com/office/drawing/2014/main" id="{29B0D640-49C5-AE47-207F-26F0B72CD4BA}"/>
-              </a:ext>
-            </a:extLst>
-          </p:cNvPr>
-          <p:cNvPicPr>
-            <a:picLocks noChangeAspect="1"/>
-          </p:cNvPicPr>
-          <p:nvPr/>
-        </p:nvPicPr>
-        <p:blipFill>
-          <a:blip r:embed="rId3"/>
-          <a:stretch>
-            <a:fillRect/>
-          </a:stretch>
-        </p:blipFill>
-        <p:spPr>
-          <a:xfrm>
-            <a:off x="2140670" y="1177900"/>
-            <a:ext cx="7591159" cy="1116841"/>
-          </a:xfrm>
-          <a:prstGeom prst="rect">
-            <a:avLst/>
-          </a:prstGeom>
-        </p:spPr>
-      </p:pic>
-      <p:pic>
-        <p:nvPicPr>
-          <p:cNvPr id="6" name="그림 5">
-            <a:extLst>
-              <a:ext uri="{FF2B5EF4-FFF2-40B4-BE49-F238E27FC236}">
-                <a16:creationId xmlns:a16="http://schemas.microsoft.com/office/drawing/2014/main" id="{605A0DAE-22B7-C2BE-BC33-AB542E258092}"/>
-              </a:ext>
-            </a:extLst>
-          </p:cNvPr>
-          <p:cNvPicPr>
-            <a:picLocks noChangeAspect="1"/>
-          </p:cNvPicPr>
-          <p:nvPr/>
-        </p:nvPicPr>
-        <p:blipFill>
-          <a:blip r:embed="rId4"/>
-          <a:stretch>
-            <a:fillRect/>
-          </a:stretch>
-        </p:blipFill>
-        <p:spPr>
-          <a:xfrm>
-            <a:off x="461160" y="5423775"/>
-            <a:ext cx="2479289" cy="814365"/>
-          </a:xfrm>
-          <a:prstGeom prst="rect">
-            <a:avLst/>
-          </a:prstGeom>
-        </p:spPr>
-      </p:pic>
-      <p:pic>
-        <p:nvPicPr>
-          <p:cNvPr id="8" name="그림 7">
-            <a:extLst>
-              <a:ext uri="{FF2B5EF4-FFF2-40B4-BE49-F238E27FC236}">
-                <a16:creationId xmlns:a16="http://schemas.microsoft.com/office/drawing/2014/main" id="{8C309BF2-8F52-F382-FF33-BC4B9F7A1209}"/>
-              </a:ext>
-            </a:extLst>
-          </p:cNvPr>
-          <p:cNvPicPr>
-            <a:picLocks noChangeAspect="1"/>
-          </p:cNvPicPr>
-          <p:nvPr/>
-        </p:nvPicPr>
-        <p:blipFill>
-          <a:blip r:embed="rId5"/>
-          <a:stretch>
-            <a:fillRect/>
-          </a:stretch>
-        </p:blipFill>
-        <p:spPr>
-          <a:xfrm>
-            <a:off x="2940449" y="4980366"/>
-            <a:ext cx="6172906" cy="1543227"/>
-          </a:xfrm>
-          <a:prstGeom prst="rect">
-            <a:avLst/>
-          </a:prstGeom>
-        </p:spPr>
-      </p:pic>
-      <p:sp>
-        <p:nvSpPr>
-          <p:cNvPr id="9" name="TextBox 8">
-            <a:extLst>
-              <a:ext uri="{FF2B5EF4-FFF2-40B4-BE49-F238E27FC236}">
-                <a16:creationId xmlns:a16="http://schemas.microsoft.com/office/drawing/2014/main" id="{2031332F-AECE-0748-6240-8F7D2E2A52A5}"/>
-              </a:ext>
-            </a:extLst>
-          </p:cNvPr>
-          <p:cNvSpPr txBox="1"/>
-          <p:nvPr/>
-        </p:nvSpPr>
-        <p:spPr>
-          <a:xfrm>
-            <a:off x="942393" y="2348224"/>
-            <a:ext cx="1443134" cy="338554"/>
-          </a:xfrm>
-          <a:prstGeom prst="rect">
-            <a:avLst/>
-          </a:prstGeom>
-          <a:noFill/>
-          <a:ln>
-            <a:solidFill>
-              <a:schemeClr val="tx1"/>
-            </a:solidFill>
-          </a:ln>
-        </p:spPr>
-        <p:txBody>
-          <a:bodyPr wrap="square" rtlCol="0">
-            <a:spAutoFit/>
-          </a:bodyPr>
-          <a:lstStyle/>
-          <a:p>
-            <a:r>
-              <a:rPr lang="en-US" altLang="ko-KR" sz="1600" b="1" dirty="0">
-                <a:solidFill>
-                  <a:schemeClr val="tx2">
-                    <a:lumMod val="90000"/>
-                    <a:lumOff val="10000"/>
-                  </a:schemeClr>
-                </a:solidFill>
-              </a:rPr>
-              <a:t>Mass Matrix</a:t>
-            </a:r>
-            <a:endParaRPr lang="ko-KR" altLang="en-US" sz="1600" b="1" dirty="0">
-              <a:solidFill>
-                <a:schemeClr val="tx2">
-                  <a:lumMod val="90000"/>
-                  <a:lumOff val="10000"/>
-                </a:schemeClr>
-              </a:solidFill>
-            </a:endParaRPr>
-          </a:p>
-        </p:txBody>
-      </p:sp>
-      <p:cxnSp>
-        <p:nvCxnSpPr>
-          <p:cNvPr id="10" name="직선 화살표 연결선 9">
-            <a:extLst>
-              <a:ext uri="{FF2B5EF4-FFF2-40B4-BE49-F238E27FC236}">
-                <a16:creationId xmlns:a16="http://schemas.microsoft.com/office/drawing/2014/main" id="{2C1BDE24-F406-41D3-84DB-EF0A78B241D0}"/>
-              </a:ext>
-            </a:extLst>
-          </p:cNvPr>
-          <p:cNvCxnSpPr>
-            <a:cxnSpLocks/>
-            <a:stCxn id="9" idx="3"/>
-          </p:cNvCxnSpPr>
-          <p:nvPr/>
-        </p:nvCxnSpPr>
-        <p:spPr>
-          <a:xfrm flipV="1">
-            <a:off x="2385527" y="2174266"/>
-            <a:ext cx="646921" cy="343235"/>
-          </a:xfrm>
-          <a:prstGeom prst="straightConnector1">
-            <a:avLst/>
-          </a:prstGeom>
-          <a:ln>
-            <a:tailEnd type="triangle"/>
-          </a:ln>
-        </p:spPr>
-        <p:style>
-          <a:lnRef idx="2">
-            <a:schemeClr val="accent1"/>
-          </a:lnRef>
-          <a:fillRef idx="0">
-            <a:schemeClr val="accent1"/>
-          </a:fillRef>
-          <a:effectRef idx="1">
-            <a:schemeClr val="accent1"/>
-          </a:effectRef>
-          <a:fontRef idx="minor">
-            <a:schemeClr val="tx1"/>
-          </a:fontRef>
-        </p:style>
-      </p:cxnSp>
-      <p:sp>
-        <p:nvSpPr>
-          <p:cNvPr id="17" name="TextBox 16">
-            <a:extLst>
-              <a:ext uri="{FF2B5EF4-FFF2-40B4-BE49-F238E27FC236}">
-                <a16:creationId xmlns:a16="http://schemas.microsoft.com/office/drawing/2014/main" id="{ABF5C33A-EFA3-FF6D-2590-E857426105A1}"/>
-              </a:ext>
-            </a:extLst>
-          </p:cNvPr>
-          <p:cNvSpPr txBox="1"/>
-          <p:nvPr/>
-        </p:nvSpPr>
-        <p:spPr>
-          <a:xfrm>
-            <a:off x="3032449" y="2395129"/>
-            <a:ext cx="1996752" cy="523220"/>
-          </a:xfrm>
-          <a:prstGeom prst="rect">
-            <a:avLst/>
-          </a:prstGeom>
-          <a:noFill/>
-          <a:ln>
-            <a:solidFill>
-              <a:schemeClr val="tx1"/>
-            </a:solidFill>
-          </a:ln>
-        </p:spPr>
-        <p:txBody>
-          <a:bodyPr wrap="square" rtlCol="0">
-            <a:spAutoFit/>
-          </a:bodyPr>
-          <a:lstStyle/>
-          <a:p>
-            <a:r>
-              <a:rPr lang="en-US" altLang="ko-KR" sz="1600" b="1" dirty="0">
-                <a:solidFill>
-                  <a:schemeClr val="tx2">
-                    <a:lumMod val="90000"/>
-                    <a:lumOff val="10000"/>
-                  </a:schemeClr>
-                </a:solidFill>
-              </a:rPr>
-              <a:t>Dynamics Bias</a:t>
-            </a:r>
-          </a:p>
-          <a:p>
-            <a:r>
-              <a:rPr lang="en-US" altLang="ko-KR" sz="1200" b="1" dirty="0">
-                <a:solidFill>
-                  <a:schemeClr val="tx2">
-                    <a:lumMod val="90000"/>
-                    <a:lumOff val="10000"/>
-                  </a:schemeClr>
-                </a:solidFill>
-              </a:rPr>
-              <a:t>(</a:t>
-            </a:r>
-            <a:r>
-              <a:rPr lang="en-US" altLang="ko-KR" sz="1200" b="1" dirty="0" err="1">
-                <a:solidFill>
-                  <a:schemeClr val="tx2">
-                    <a:lumMod val="90000"/>
-                    <a:lumOff val="10000"/>
-                  </a:schemeClr>
-                </a:solidFill>
-              </a:rPr>
-              <a:t>corilois</a:t>
-            </a:r>
-            <a:r>
-              <a:rPr lang="en-US" altLang="ko-KR" sz="1200" b="1" dirty="0">
-                <a:solidFill>
-                  <a:schemeClr val="tx2">
-                    <a:lumMod val="90000"/>
-                    <a:lumOff val="10000"/>
-                  </a:schemeClr>
-                </a:solidFill>
-              </a:rPr>
-              <a:t> + gravity term)</a:t>
-            </a:r>
-            <a:endParaRPr lang="ko-KR" altLang="en-US" sz="1200" b="1" dirty="0">
-              <a:solidFill>
-                <a:schemeClr val="tx2">
-                  <a:lumMod val="90000"/>
-                  <a:lumOff val="10000"/>
-                </a:schemeClr>
-              </a:solidFill>
-            </a:endParaRPr>
-          </a:p>
-        </p:txBody>
-      </p:sp>
-      <p:cxnSp>
-        <p:nvCxnSpPr>
-          <p:cNvPr id="18" name="직선 화살표 연결선 17">
-            <a:extLst>
-              <a:ext uri="{FF2B5EF4-FFF2-40B4-BE49-F238E27FC236}">
-                <a16:creationId xmlns:a16="http://schemas.microsoft.com/office/drawing/2014/main" id="{81B0A241-FD76-3ECB-2184-20CB407271C7}"/>
-              </a:ext>
-            </a:extLst>
-          </p:cNvPr>
-          <p:cNvCxnSpPr>
-            <a:cxnSpLocks/>
-            <a:stCxn id="17" idx="3"/>
-          </p:cNvCxnSpPr>
-          <p:nvPr/>
-        </p:nvCxnSpPr>
-        <p:spPr>
-          <a:xfrm flipV="1">
-            <a:off x="5029201" y="2174266"/>
-            <a:ext cx="500738" cy="482473"/>
-          </a:xfrm>
-          <a:prstGeom prst="straightConnector1">
-            <a:avLst/>
-          </a:prstGeom>
-          <a:ln>
-            <a:tailEnd type="triangle"/>
-          </a:ln>
-        </p:spPr>
-        <p:style>
-          <a:lnRef idx="2">
-            <a:schemeClr val="accent1"/>
-          </a:lnRef>
-          <a:fillRef idx="0">
-            <a:schemeClr val="accent1"/>
-          </a:fillRef>
-          <a:effectRef idx="1">
-            <a:schemeClr val="accent1"/>
-          </a:effectRef>
-          <a:fontRef idx="minor">
-            <a:schemeClr val="tx1"/>
-          </a:fontRef>
-        </p:style>
-      </p:cxnSp>
-      <p:sp>
-        <p:nvSpPr>
-          <p:cNvPr id="19" name="TextBox 18">
-            <a:extLst>
-              <a:ext uri="{FF2B5EF4-FFF2-40B4-BE49-F238E27FC236}">
-                <a16:creationId xmlns:a16="http://schemas.microsoft.com/office/drawing/2014/main" id="{9D8D87BD-793E-0F58-9A2C-29C1E5DC4F02}"/>
-              </a:ext>
-            </a:extLst>
-          </p:cNvPr>
-          <p:cNvSpPr txBox="1"/>
-          <p:nvPr/>
-        </p:nvSpPr>
-        <p:spPr>
-          <a:xfrm>
-            <a:off x="5794314" y="2402695"/>
-            <a:ext cx="1626632" cy="338554"/>
-          </a:xfrm>
-          <a:prstGeom prst="rect">
-            <a:avLst/>
-          </a:prstGeom>
-          <a:noFill/>
-          <a:ln>
-            <a:solidFill>
-              <a:schemeClr val="tx1"/>
-            </a:solidFill>
-          </a:ln>
-        </p:spPr>
-        <p:txBody>
-          <a:bodyPr wrap="square" rtlCol="0">
-            <a:spAutoFit/>
-          </a:bodyPr>
-          <a:lstStyle/>
-          <a:p>
-            <a:r>
-              <a:rPr lang="en-US" altLang="ko-KR" sz="1600" b="1" dirty="0">
-                <a:solidFill>
-                  <a:schemeClr val="tx2">
-                    <a:lumMod val="90000"/>
-                    <a:lumOff val="10000"/>
-                  </a:schemeClr>
-                </a:solidFill>
-              </a:rPr>
-              <a:t>Input Jacobian</a:t>
-            </a:r>
-            <a:endParaRPr lang="ko-KR" altLang="en-US" sz="1600" b="1" dirty="0">
-              <a:solidFill>
-                <a:schemeClr val="tx2">
-                  <a:lumMod val="90000"/>
-                  <a:lumOff val="10000"/>
-                </a:schemeClr>
-              </a:solidFill>
-            </a:endParaRPr>
-          </a:p>
-        </p:txBody>
-      </p:sp>
-      <p:cxnSp>
-        <p:nvCxnSpPr>
-          <p:cNvPr id="20" name="직선 화살표 연결선 19">
-            <a:extLst>
-              <a:ext uri="{FF2B5EF4-FFF2-40B4-BE49-F238E27FC236}">
-                <a16:creationId xmlns:a16="http://schemas.microsoft.com/office/drawing/2014/main" id="{6EFD8204-703C-0DA8-CCF8-1B120BC812C0}"/>
-              </a:ext>
-            </a:extLst>
-          </p:cNvPr>
-          <p:cNvCxnSpPr>
-            <a:cxnSpLocks/>
-            <a:stCxn id="19" idx="3"/>
-          </p:cNvCxnSpPr>
-          <p:nvPr/>
-        </p:nvCxnSpPr>
-        <p:spPr>
-          <a:xfrm flipV="1">
-            <a:off x="7420946" y="2228737"/>
-            <a:ext cx="463423" cy="343235"/>
-          </a:xfrm>
-          <a:prstGeom prst="straightConnector1">
-            <a:avLst/>
-          </a:prstGeom>
-          <a:ln>
-            <a:tailEnd type="triangle"/>
-          </a:ln>
-        </p:spPr>
-        <p:style>
-          <a:lnRef idx="2">
-            <a:schemeClr val="accent1"/>
-          </a:lnRef>
-          <a:fillRef idx="0">
-            <a:schemeClr val="accent1"/>
-          </a:fillRef>
-          <a:effectRef idx="1">
-            <a:schemeClr val="accent1"/>
-          </a:effectRef>
-          <a:fontRef idx="minor">
-            <a:schemeClr val="tx1"/>
-          </a:fontRef>
-        </p:style>
-      </p:cxnSp>
-      <p:sp>
-        <p:nvSpPr>
-          <p:cNvPr id="21" name="TextBox 20">
-            <a:extLst>
-              <a:ext uri="{FF2B5EF4-FFF2-40B4-BE49-F238E27FC236}">
-                <a16:creationId xmlns:a16="http://schemas.microsoft.com/office/drawing/2014/main" id="{F80AAE87-B32C-4728-7545-AD7B17F769E4}"/>
-              </a:ext>
-            </a:extLst>
-          </p:cNvPr>
-          <p:cNvSpPr txBox="1"/>
-          <p:nvPr/>
-        </p:nvSpPr>
-        <p:spPr>
-          <a:xfrm>
-            <a:off x="9775376" y="2395129"/>
-            <a:ext cx="1626632" cy="338554"/>
-          </a:xfrm>
-          <a:prstGeom prst="rect">
-            <a:avLst/>
-          </a:prstGeom>
-          <a:noFill/>
-          <a:ln>
-            <a:solidFill>
-              <a:schemeClr val="tx1"/>
-            </a:solidFill>
-          </a:ln>
-        </p:spPr>
-        <p:txBody>
-          <a:bodyPr wrap="square" rtlCol="0">
-            <a:spAutoFit/>
-          </a:bodyPr>
-          <a:lstStyle/>
-          <a:p>
-            <a:r>
-              <a:rPr lang="en-US" altLang="ko-KR" sz="1600" b="1" dirty="0">
-                <a:solidFill>
-                  <a:schemeClr val="tx2">
-                    <a:lumMod val="90000"/>
-                    <a:lumOff val="10000"/>
-                  </a:schemeClr>
-                </a:solidFill>
-              </a:rPr>
-              <a:t>External Force</a:t>
-            </a:r>
-            <a:endParaRPr lang="ko-KR" altLang="en-US" sz="1600" b="1" dirty="0">
-              <a:solidFill>
-                <a:schemeClr val="tx2">
-                  <a:lumMod val="90000"/>
-                  <a:lumOff val="10000"/>
-                </a:schemeClr>
-              </a:solidFill>
-            </a:endParaRPr>
-          </a:p>
-        </p:txBody>
-      </p:sp>
-      <p:cxnSp>
-        <p:nvCxnSpPr>
-          <p:cNvPr id="22" name="직선 화살표 연결선 21">
-            <a:extLst>
-              <a:ext uri="{FF2B5EF4-FFF2-40B4-BE49-F238E27FC236}">
-                <a16:creationId xmlns:a16="http://schemas.microsoft.com/office/drawing/2014/main" id="{F563F8D5-3AD5-04A4-816D-5B2AA2A2F521}"/>
-              </a:ext>
-            </a:extLst>
-          </p:cNvPr>
-          <p:cNvCxnSpPr>
-            <a:cxnSpLocks/>
-            <a:stCxn id="21" idx="1"/>
-          </p:cNvCxnSpPr>
-          <p:nvPr/>
-        </p:nvCxnSpPr>
-        <p:spPr>
-          <a:xfrm flipH="1" flipV="1">
-            <a:off x="9467465" y="2221171"/>
-            <a:ext cx="307911" cy="343235"/>
-          </a:xfrm>
-          <a:prstGeom prst="straightConnector1">
-            <a:avLst/>
-          </a:prstGeom>
-          <a:ln>
-            <a:tailEnd type="triangle"/>
-          </a:ln>
-        </p:spPr>
-        <p:style>
-          <a:lnRef idx="2">
-            <a:schemeClr val="accent1"/>
-          </a:lnRef>
-          <a:fillRef idx="0">
-            <a:schemeClr val="accent1"/>
-          </a:fillRef>
-          <a:effectRef idx="1">
-            <a:schemeClr val="accent1"/>
-          </a:effectRef>
-          <a:fontRef idx="minor">
-            <a:schemeClr val="tx1"/>
-          </a:fontRef>
-        </p:style>
-      </p:cxnSp>
-      <p:sp>
-        <p:nvSpPr>
-          <p:cNvPr id="31" name="TextBox 30">
-            <a:extLst>
-              <a:ext uri="{FF2B5EF4-FFF2-40B4-BE49-F238E27FC236}">
-                <a16:creationId xmlns:a16="http://schemas.microsoft.com/office/drawing/2014/main" id="{03B94CF6-9A59-A53F-D41A-70277B9B6EE3}"/>
-              </a:ext>
-            </a:extLst>
-          </p:cNvPr>
-          <p:cNvSpPr txBox="1"/>
-          <p:nvPr/>
-        </p:nvSpPr>
-        <p:spPr>
-          <a:xfrm>
-            <a:off x="1779206" y="3333435"/>
-            <a:ext cx="6499989" cy="830997"/>
-          </a:xfrm>
-          <a:prstGeom prst="rect">
-            <a:avLst/>
-          </a:prstGeom>
-          <a:noFill/>
-        </p:spPr>
-        <p:txBody>
-          <a:bodyPr wrap="square" rtlCol="0">
-            <a:spAutoFit/>
-          </a:bodyPr>
-          <a:lstStyle/>
-          <a:p>
-            <a:r>
-              <a:rPr lang="en-US" altLang="ko-KR" sz="2400" b="1" dirty="0"/>
-              <a:t>We can get this from easily by using symbolic toolbox in python/</a:t>
-            </a:r>
-            <a:r>
-              <a:rPr lang="en-US" altLang="ko-KR" sz="2400" b="1" dirty="0" err="1"/>
-              <a:t>matlab</a:t>
-            </a:r>
-            <a:endParaRPr lang="ko-KR" altLang="en-US" sz="2400" b="1" dirty="0"/>
-          </a:p>
-        </p:txBody>
-      </p:sp>
-      <p:sp>
-        <p:nvSpPr>
-          <p:cNvPr id="32" name="화살표: 아래쪽 31">
-            <a:extLst>
-              <a:ext uri="{FF2B5EF4-FFF2-40B4-BE49-F238E27FC236}">
-                <a16:creationId xmlns:a16="http://schemas.microsoft.com/office/drawing/2014/main" id="{8C1FBCEC-FE13-BF9E-1AC9-3F5AB650454C}"/>
-              </a:ext>
-            </a:extLst>
-          </p:cNvPr>
-          <p:cNvSpPr/>
-          <p:nvPr/>
-        </p:nvSpPr>
-        <p:spPr>
-          <a:xfrm rot="16200000">
-            <a:off x="1188288" y="3526874"/>
-            <a:ext cx="452581" cy="498764"/>
-          </a:xfrm>
-          <a:prstGeom prst="downArrow">
-            <a:avLst/>
-          </a:prstGeom>
-        </p:spPr>
-        <p:style>
-          <a:lnRef idx="2">
-            <a:schemeClr val="accent1">
-              <a:shade val="15000"/>
-            </a:schemeClr>
-          </a:lnRef>
-          <a:fillRef idx="1">
-            <a:schemeClr val="accent1"/>
-          </a:fillRef>
-          <a:effectRef idx="0">
-            <a:schemeClr val="accent1"/>
-          </a:effectRef>
-          <a:fontRef idx="minor">
-            <a:schemeClr val="lt1"/>
-          </a:fontRef>
-        </p:style>
-        <p:txBody>
-          <a:bodyPr rtlCol="0" anchor="ctr"/>
-          <a:lstStyle/>
-          <a:p>
-            <a:pPr algn="ctr"/>
-            <a:endParaRPr lang="ko-KR" altLang="en-US"/>
-          </a:p>
-        </p:txBody>
-      </p:sp>
-      <p:sp>
-        <p:nvSpPr>
-          <p:cNvPr id="33" name="TextBox 32">
-            <a:extLst>
-              <a:ext uri="{FF2B5EF4-FFF2-40B4-BE49-F238E27FC236}">
-                <a16:creationId xmlns:a16="http://schemas.microsoft.com/office/drawing/2014/main" id="{9A8149CE-01F1-AE02-066E-C1EDE0CA59E5}"/>
-              </a:ext>
-            </a:extLst>
-          </p:cNvPr>
-          <p:cNvSpPr txBox="1"/>
-          <p:nvPr/>
-        </p:nvSpPr>
-        <p:spPr>
-          <a:xfrm>
-            <a:off x="339862" y="4865734"/>
-            <a:ext cx="3747459" cy="461665"/>
-          </a:xfrm>
-          <a:prstGeom prst="rect">
-            <a:avLst/>
-          </a:prstGeom>
-          <a:noFill/>
-        </p:spPr>
-        <p:txBody>
-          <a:bodyPr wrap="square" rtlCol="0">
-            <a:spAutoFit/>
-          </a:bodyPr>
-          <a:lstStyle/>
-          <a:p>
-            <a:r>
-              <a:rPr lang="en-US" altLang="ko-KR" sz="2400" b="1" dirty="0"/>
-              <a:t>Velocity Kinematics</a:t>
-            </a:r>
-            <a:endParaRPr lang="ko-KR" altLang="en-US" sz="2400" b="1" dirty="0"/>
-          </a:p>
-        </p:txBody>
-      </p:sp>
-    </p:spTree>
-    <p:extLst>
-      <p:ext uri="{BB962C8B-B14F-4D97-AF65-F5344CB8AC3E}">
-        <p14:creationId xmlns:p14="http://schemas.microsoft.com/office/powerpoint/2010/main" val="161173680"/>
-      </p:ext>
-    </p:extLst>
-  </p:cSld>
-  <p:clrMapOvr>
-    <a:masterClrMapping/>
-  </p:clrMapOvr>
-</p:sld>
-</file>
-
 <file path=ppt/slides/slide5.xml><?xml version="1.0" encoding="utf-8"?>
 <p:sld xmlns:a="http://schemas.openxmlformats.org/drawingml/2006/main" xmlns:r="http://schemas.openxmlformats.org/officeDocument/2006/relationships" xmlns:p="http://schemas.openxmlformats.org/presentationml/2006/main">
   <p:cSld>
@@ -6357,12 +6208,84 @@
           <a:chExt cx="0" cy="0"/>
         </a:xfrm>
       </p:grpSpPr>
+      <p:sp>
+        <p:nvSpPr>
+          <p:cNvPr id="40" name="TextBox 39">
+            <a:extLst>
+              <a:ext uri="{FF2B5EF4-FFF2-40B4-BE49-F238E27FC236}">
+                <a16:creationId xmlns:a16="http://schemas.microsoft.com/office/drawing/2014/main" id="{85DAE52B-DD45-3A36-8908-FEC2974F4D61}"/>
+              </a:ext>
+            </a:extLst>
+          </p:cNvPr>
+          <p:cNvSpPr txBox="1"/>
+          <p:nvPr/>
+        </p:nvSpPr>
+        <p:spPr>
+          <a:xfrm>
+            <a:off x="0" y="-16042"/>
+            <a:ext cx="3107093" cy="523220"/>
+          </a:xfrm>
+          <a:prstGeom prst="rect">
+            <a:avLst/>
+          </a:prstGeom>
+          <a:noFill/>
+        </p:spPr>
+        <p:txBody>
+          <a:bodyPr wrap="square" rtlCol="0">
+            <a:spAutoFit/>
+          </a:bodyPr>
+          <a:lstStyle/>
+          <a:p>
+            <a:r>
+              <a:rPr lang="en-US" altLang="ko-KR" sz="2800" b="1" dirty="0"/>
+              <a:t>Lec1. Dynamics</a:t>
+            </a:r>
+            <a:endParaRPr lang="ko-KR" altLang="en-US" sz="2800" b="1" dirty="0"/>
+          </a:p>
+        </p:txBody>
+      </p:sp>
+      <p:sp>
+        <p:nvSpPr>
+          <p:cNvPr id="2" name="TextBox 1">
+            <a:extLst>
+              <a:ext uri="{FF2B5EF4-FFF2-40B4-BE49-F238E27FC236}">
+                <a16:creationId xmlns:a16="http://schemas.microsoft.com/office/drawing/2014/main" id="{6BCCE70C-59D0-3B7B-4CC5-DFD677242884}"/>
+              </a:ext>
+            </a:extLst>
+          </p:cNvPr>
+          <p:cNvSpPr txBox="1"/>
+          <p:nvPr/>
+        </p:nvSpPr>
+        <p:spPr>
+          <a:xfrm>
+            <a:off x="339862" y="746524"/>
+            <a:ext cx="3747459" cy="461665"/>
+          </a:xfrm>
+          <a:prstGeom prst="rect">
+            <a:avLst/>
+          </a:prstGeom>
+          <a:noFill/>
+        </p:spPr>
+        <p:txBody>
+          <a:bodyPr wrap="square" rtlCol="0">
+            <a:spAutoFit/>
+          </a:bodyPr>
+          <a:lstStyle/>
+          <a:p>
+            <a:r>
+              <a:rPr lang="en-US" altLang="ko-KR" sz="2400" b="1" dirty="0"/>
+              <a:t>Manipulator Dynamics</a:t>
+            </a:r>
+            <a:endParaRPr lang="ko-KR" altLang="en-US" sz="2400" b="1" dirty="0"/>
+          </a:p>
+        </p:txBody>
+      </p:sp>
       <p:pic>
         <p:nvPicPr>
-          <p:cNvPr id="6" name="그림 5">
-            <a:extLst>
-              <a:ext uri="{FF2B5EF4-FFF2-40B4-BE49-F238E27FC236}">
-                <a16:creationId xmlns:a16="http://schemas.microsoft.com/office/drawing/2014/main" id="{40D72E51-A15F-98C0-1C83-6ACFAB5457C5}"/>
+          <p:cNvPr id="4" name="그림 3">
+            <a:extLst>
+              <a:ext uri="{FF2B5EF4-FFF2-40B4-BE49-F238E27FC236}">
+                <a16:creationId xmlns:a16="http://schemas.microsoft.com/office/drawing/2014/main" id="{29B0D640-49C5-AE47-207F-26F0B72CD4BA}"/>
               </a:ext>
             </a:extLst>
           </p:cNvPr>
@@ -6379,139 +6302,80 @@
         </p:blipFill>
         <p:spPr>
           <a:xfrm>
-            <a:off x="871272" y="1282945"/>
-            <a:ext cx="5868219" cy="1371791"/>
+            <a:off x="2140670" y="1177900"/>
+            <a:ext cx="7591159" cy="1116841"/>
           </a:xfrm>
           <a:prstGeom prst="rect">
             <a:avLst/>
           </a:prstGeom>
         </p:spPr>
       </p:pic>
-      <p:sp>
-        <p:nvSpPr>
-          <p:cNvPr id="40" name="TextBox 39">
-            <a:extLst>
-              <a:ext uri="{FF2B5EF4-FFF2-40B4-BE49-F238E27FC236}">
-                <a16:creationId xmlns:a16="http://schemas.microsoft.com/office/drawing/2014/main" id="{85DAE52B-DD45-3A36-8908-FEC2974F4D61}"/>
-              </a:ext>
-            </a:extLst>
-          </p:cNvPr>
-          <p:cNvSpPr txBox="1"/>
-          <p:nvPr/>
-        </p:nvSpPr>
-        <p:spPr>
-          <a:xfrm>
-            <a:off x="0" y="-16042"/>
-            <a:ext cx="3107093" cy="523220"/>
-          </a:xfrm>
-          <a:prstGeom prst="rect">
-            <a:avLst/>
-          </a:prstGeom>
-          <a:noFill/>
-        </p:spPr>
-        <p:txBody>
-          <a:bodyPr wrap="square" rtlCol="0">
-            <a:spAutoFit/>
-          </a:bodyPr>
-          <a:lstStyle/>
-          <a:p>
-            <a:r>
-              <a:rPr lang="en-US" altLang="ko-KR" sz="2800" b="1" dirty="0"/>
-              <a:t>Lec1. Dynamics</a:t>
-            </a:r>
-            <a:endParaRPr lang="ko-KR" altLang="en-US" sz="2800" b="1" dirty="0"/>
-          </a:p>
-        </p:txBody>
-      </p:sp>
-      <p:sp>
-        <p:nvSpPr>
-          <p:cNvPr id="2" name="TextBox 1">
-            <a:extLst>
-              <a:ext uri="{FF2B5EF4-FFF2-40B4-BE49-F238E27FC236}">
-                <a16:creationId xmlns:a16="http://schemas.microsoft.com/office/drawing/2014/main" id="{35BB4996-ED96-8C8F-7088-269124DF652A}"/>
-              </a:ext>
-            </a:extLst>
-          </p:cNvPr>
-          <p:cNvSpPr txBox="1"/>
-          <p:nvPr/>
-        </p:nvSpPr>
-        <p:spPr>
-          <a:xfrm>
-            <a:off x="339862" y="746524"/>
-            <a:ext cx="3747459" cy="461665"/>
-          </a:xfrm>
-          <a:prstGeom prst="rect">
-            <a:avLst/>
-          </a:prstGeom>
-          <a:noFill/>
-        </p:spPr>
-        <p:txBody>
-          <a:bodyPr wrap="square" rtlCol="0">
-            <a:spAutoFit/>
-          </a:bodyPr>
-          <a:lstStyle/>
-          <a:p>
-            <a:r>
-              <a:rPr lang="en-US" altLang="ko-KR" sz="2400" b="1" dirty="0"/>
-              <a:t>Linear Systems</a:t>
-            </a:r>
-            <a:endParaRPr lang="ko-KR" altLang="en-US" sz="2400" b="1" dirty="0"/>
-          </a:p>
-        </p:txBody>
-      </p:sp>
       <p:pic>
         <p:nvPicPr>
-          <p:cNvPr id="1026" name="Picture 2">
-            <a:extLst>
-              <a:ext uri="{FF2B5EF4-FFF2-40B4-BE49-F238E27FC236}">
-                <a16:creationId xmlns:a16="http://schemas.microsoft.com/office/drawing/2014/main" id="{D23CB700-E74A-1DB8-D01C-F385C03612E0}"/>
+          <p:cNvPr id="6" name="그림 5">
+            <a:extLst>
+              <a:ext uri="{FF2B5EF4-FFF2-40B4-BE49-F238E27FC236}">
+                <a16:creationId xmlns:a16="http://schemas.microsoft.com/office/drawing/2014/main" id="{605A0DAE-22B7-C2BE-BC33-AB542E258092}"/>
               </a:ext>
             </a:extLst>
           </p:cNvPr>
           <p:cNvPicPr>
-            <a:picLocks noChangeAspect="1" noChangeArrowheads="1"/>
+            <a:picLocks noChangeAspect="1"/>
           </p:cNvPicPr>
           <p:nvPr/>
         </p:nvPicPr>
         <p:blipFill>
-          <a:blip r:embed="rId4">
-            <a:extLst>
-              <a:ext uri="{28A0092B-C50C-407E-A947-70E740481C1C}">
-                <a14:useLocalDpi xmlns:a14="http://schemas.microsoft.com/office/drawing/2010/main" val="0"/>
-              </a:ext>
-            </a:extLst>
-          </a:blip>
-          <a:srcRect/>
+          <a:blip r:embed="rId4"/>
           <a:stretch>
             <a:fillRect/>
           </a:stretch>
         </p:blipFill>
-        <p:spPr bwMode="auto">
-          <a:xfrm>
-            <a:off x="6548582" y="3429000"/>
-            <a:ext cx="4802909" cy="2438977"/>
+        <p:spPr>
+          <a:xfrm>
+            <a:off x="461160" y="5423775"/>
+            <a:ext cx="2479289" cy="814365"/>
           </a:xfrm>
           <a:prstGeom prst="rect">
             <a:avLst/>
           </a:prstGeom>
-          <a:noFill/>
-          <a:extLst>
-            <a:ext uri="{909E8E84-426E-40DD-AFC4-6F175D3DCCD1}">
-              <a14:hiddenFill xmlns:a14="http://schemas.microsoft.com/office/drawing/2010/main">
-                <a:solidFill>
-                  <a:srgbClr val="FFFFFF"/>
-                </a:solidFill>
-              </a14:hiddenFill>
-            </a:ext>
-          </a:extLst>
         </p:spPr>
       </p:pic>
-      <p:sp>
-        <p:nvSpPr>
-          <p:cNvPr id="4" name="TextBox 3">
-            <a:extLst>
-              <a:ext uri="{FF2B5EF4-FFF2-40B4-BE49-F238E27FC236}">
-                <a16:creationId xmlns:a16="http://schemas.microsoft.com/office/drawing/2014/main" id="{7B46547D-DCD7-71C5-5FB7-4524E747BD19}"/>
+      <p:pic>
+        <p:nvPicPr>
+          <p:cNvPr id="8" name="그림 7">
+            <a:extLst>
+              <a:ext uri="{FF2B5EF4-FFF2-40B4-BE49-F238E27FC236}">
+                <a16:creationId xmlns:a16="http://schemas.microsoft.com/office/drawing/2014/main" id="{8C309BF2-8F52-F382-FF33-BC4B9F7A1209}"/>
+              </a:ext>
+            </a:extLst>
+          </p:cNvPr>
+          <p:cNvPicPr>
+            <a:picLocks noChangeAspect="1"/>
+          </p:cNvPicPr>
+          <p:nvPr/>
+        </p:nvPicPr>
+        <p:blipFill>
+          <a:blip r:embed="rId5"/>
+          <a:stretch>
+            <a:fillRect/>
+          </a:stretch>
+        </p:blipFill>
+        <p:spPr>
+          <a:xfrm>
+            <a:off x="2940449" y="4980366"/>
+            <a:ext cx="6172906" cy="1543227"/>
+          </a:xfrm>
+          <a:prstGeom prst="rect">
+            <a:avLst/>
+          </a:prstGeom>
+        </p:spPr>
+      </p:pic>
+      <p:sp>
+        <p:nvSpPr>
+          <p:cNvPr id="9" name="TextBox 8">
+            <a:extLst>
+              <a:ext uri="{FF2B5EF4-FFF2-40B4-BE49-F238E27FC236}">
+                <a16:creationId xmlns:a16="http://schemas.microsoft.com/office/drawing/2014/main" id="{2031332F-AECE-0748-6240-8F7D2E2A52A5}"/>
               </a:ext>
             </a:extLst>
           </p:cNvPr>
@@ -6520,55 +6384,8 @@
         </p:nvSpPr>
         <p:spPr>
           <a:xfrm>
-            <a:off x="5982854" y="5942733"/>
-            <a:ext cx="6451599" cy="230832"/>
-          </a:xfrm>
-          <a:prstGeom prst="rect">
-            <a:avLst/>
-          </a:prstGeom>
-          <a:noFill/>
-        </p:spPr>
-        <p:txBody>
-          <a:bodyPr wrap="square">
-            <a:spAutoFit/>
-          </a:bodyPr>
-          <a:lstStyle/>
-          <a:p>
-            <a:pPr marL="171450" indent="-171450">
-              <a:buFont typeface="Arial" panose="020B0604020202020204" pitchFamily="34" charset="0"/>
-              <a:buChar char="•"/>
-            </a:pPr>
-            <a:r>
-              <a:rPr lang="en-US" altLang="ko-KR" sz="900" dirty="0"/>
-              <a:t>image from : </a:t>
-            </a:r>
-            <a:r>
-              <a:rPr lang="en-US" altLang="ko-KR" sz="900" dirty="0">
-                <a:effectLst/>
-                <a:hlinkClick r:id="rId5"/>
-              </a:rPr>
-              <a:t>https://study.com/academy/lesson/how-to-recognize-linear-functions-vs-non-linear-functions.html</a:t>
-            </a:r>
-            <a:endParaRPr lang="ko-KR" altLang="en-US" sz="900" dirty="0"/>
-          </a:p>
-        </p:txBody>
-      </p:sp>
-      <p:sp>
-        <p:nvSpPr>
-          <p:cNvPr id="7" name="TextBox 6">
-            <a:extLst>
-              <a:ext uri="{FF2B5EF4-FFF2-40B4-BE49-F238E27FC236}">
-                <a16:creationId xmlns:a16="http://schemas.microsoft.com/office/drawing/2014/main" id="{51EF304F-7837-1A5D-A44B-C325A121968D}"/>
-              </a:ext>
-            </a:extLst>
-          </p:cNvPr>
-          <p:cNvSpPr txBox="1"/>
-          <p:nvPr/>
-        </p:nvSpPr>
-        <p:spPr>
-          <a:xfrm>
-            <a:off x="1440873" y="2348224"/>
-            <a:ext cx="944654" cy="584775"/>
+            <a:off x="942393" y="2348224"/>
+            <a:ext cx="1443134" cy="338554"/>
           </a:xfrm>
           <a:prstGeom prst="rect">
             <a:avLst/>
@@ -6595,18 +6412,7 @@
                   </a:schemeClr>
                 </a:solidFill>
               </a:rPr>
-              <a:t>System </a:t>
-            </a:r>
-            <a:r>
-              <a:rPr lang="en-US" altLang="ko-KR" sz="1600" b="1" dirty="0" err="1">
-                <a:solidFill>
-                  <a:schemeClr val="tx2">
-                    <a:lumMod val="90000"/>
-                    <a:lumOff val="10000"/>
-                  </a:schemeClr>
-                </a:solidFill>
-              </a:rPr>
-              <a:t>Martix</a:t>
+              <a:t>Mass Matrix</a:t>
             </a:r>
             <a:endParaRPr lang="ko-KR" altLang="en-US" sz="1600" b="1" dirty="0">
               <a:solidFill>
@@ -6621,23 +6427,23 @@
       </p:sp>
       <p:cxnSp>
         <p:nvCxnSpPr>
-          <p:cNvPr id="8" name="직선 화살표 연결선 7">
-            <a:extLst>
-              <a:ext uri="{FF2B5EF4-FFF2-40B4-BE49-F238E27FC236}">
-                <a16:creationId xmlns:a16="http://schemas.microsoft.com/office/drawing/2014/main" id="{0F5F1818-5EAE-7A7D-099F-9536B768246E}"/>
+          <p:cNvPr id="10" name="직선 화살표 연결선 9">
+            <a:extLst>
+              <a:ext uri="{FF2B5EF4-FFF2-40B4-BE49-F238E27FC236}">
+                <a16:creationId xmlns:a16="http://schemas.microsoft.com/office/drawing/2014/main" id="{2C1BDE24-F406-41D3-84DB-EF0A78B241D0}"/>
               </a:ext>
             </a:extLst>
           </p:cNvPr>
           <p:cNvCxnSpPr>
             <a:cxnSpLocks/>
-            <a:stCxn id="7" idx="3"/>
+            <a:stCxn id="9" idx="3"/>
           </p:cNvCxnSpPr>
           <p:nvPr/>
         </p:nvCxnSpPr>
         <p:spPr>
           <a:xfrm flipV="1">
             <a:off x="2385527" y="2174266"/>
-            <a:ext cx="646921" cy="466346"/>
+            <a:ext cx="646921" cy="343235"/>
           </a:xfrm>
           <a:prstGeom prst="straightConnector1">
             <a:avLst/>
@@ -6663,10 +6469,10 @@
       </p:cxnSp>
       <p:sp>
         <p:nvSpPr>
-          <p:cNvPr id="10" name="TextBox 9">
-            <a:extLst>
-              <a:ext uri="{FF2B5EF4-FFF2-40B4-BE49-F238E27FC236}">
-                <a16:creationId xmlns:a16="http://schemas.microsoft.com/office/drawing/2014/main" id="{B3A2D782-EADE-0BC2-CBF3-454E9AC1119F}"/>
+          <p:cNvPr id="17" name="TextBox 16">
+            <a:extLst>
+              <a:ext uri="{FF2B5EF4-FFF2-40B4-BE49-F238E27FC236}">
+                <a16:creationId xmlns:a16="http://schemas.microsoft.com/office/drawing/2014/main" id="{ABF5C33A-EFA3-FF6D-2590-E857426105A1}"/>
               </a:ext>
             </a:extLst>
           </p:cNvPr>
@@ -6675,8 +6481,8 @@
         </p:nvSpPr>
         <p:spPr>
           <a:xfrm>
-            <a:off x="3766721" y="2370113"/>
-            <a:ext cx="944654" cy="584775"/>
+            <a:off x="3032449" y="2395129"/>
+            <a:ext cx="1996752" cy="523220"/>
           </a:xfrm>
           <a:prstGeom prst="rect">
             <a:avLst/>
@@ -6703,10 +6509,12 @@
                   </a:schemeClr>
                 </a:solidFill>
               </a:rPr>
-              <a:t>Control </a:t>
-            </a:r>
-            <a:r>
-              <a:rPr lang="en-US" altLang="ko-KR" sz="1600" b="1" dirty="0" err="1">
+              <a:t>Dynamics Bias</a:t>
+            </a:r>
+          </a:p>
+          <a:p>
+            <a:r>
+              <a:rPr lang="en-US" altLang="ko-KR" sz="1200" b="1" dirty="0">
                 <a:solidFill>
                   <a:schemeClr val="tx2">
                     <a:lumMod val="90000"/>
@@ -6714,9 +6522,31 @@
                   </a:schemeClr>
                 </a:solidFill>
               </a:rPr>
-              <a:t>Martix</a:t>
-            </a:r>
-            <a:endParaRPr lang="ko-KR" altLang="en-US" sz="1600" b="1" dirty="0">
+              <a:t>(</a:t>
+            </a:r>
+            <a:r>
+              <a:rPr lang="en-US" altLang="ko-KR" sz="1200" b="1" dirty="0" err="1">
+                <a:solidFill>
+                  <a:schemeClr val="tx2">
+                    <a:lumMod val="90000"/>
+                    <a:lumOff val="10000"/>
+                  </a:schemeClr>
+                </a:solidFill>
+              </a:rPr>
+              <a:t>coriolis</a:t>
+            </a:r>
+            <a:r>
+              <a:rPr lang="en-US" altLang="ko-KR" sz="1200" b="1" dirty="0">
+                <a:solidFill>
+                  <a:schemeClr val="tx2">
+                    <a:lumMod val="90000"/>
+                    <a:lumOff val="10000"/>
+                  </a:schemeClr>
+                </a:solidFill>
+              </a:rPr>
+              <a:t> + gravity term)</a:t>
+            </a:r>
+            <a:endParaRPr lang="ko-KR" altLang="en-US" sz="1200" b="1" dirty="0">
               <a:solidFill>
                 <a:schemeClr val="tx2">
                   <a:lumMod val="90000"/>
@@ -6729,23 +6559,23 @@
       </p:sp>
       <p:cxnSp>
         <p:nvCxnSpPr>
-          <p:cNvPr id="11" name="직선 화살표 연결선 10">
-            <a:extLst>
-              <a:ext uri="{FF2B5EF4-FFF2-40B4-BE49-F238E27FC236}">
-                <a16:creationId xmlns:a16="http://schemas.microsoft.com/office/drawing/2014/main" id="{0A0757F4-CDC9-C73A-EFAC-4BA81337CF72}"/>
+          <p:cNvPr id="18" name="직선 화살표 연결선 17">
+            <a:extLst>
+              <a:ext uri="{FF2B5EF4-FFF2-40B4-BE49-F238E27FC236}">
+                <a16:creationId xmlns:a16="http://schemas.microsoft.com/office/drawing/2014/main" id="{81B0A241-FD76-3ECB-2184-20CB407271C7}"/>
               </a:ext>
             </a:extLst>
           </p:cNvPr>
           <p:cNvCxnSpPr>
             <a:cxnSpLocks/>
-            <a:stCxn id="10" idx="3"/>
+            <a:stCxn id="17" idx="3"/>
           </p:cNvCxnSpPr>
           <p:nvPr/>
         </p:nvCxnSpPr>
         <p:spPr>
           <a:xfrm flipV="1">
-            <a:off x="4711375" y="2196155"/>
-            <a:ext cx="646921" cy="466346"/>
+            <a:off x="5029201" y="2174266"/>
+            <a:ext cx="500738" cy="482473"/>
           </a:xfrm>
           <a:prstGeom prst="straightConnector1">
             <a:avLst/>
@@ -6771,10 +6601,10 @@
       </p:cxnSp>
       <p:sp>
         <p:nvSpPr>
-          <p:cNvPr id="12" name="TextBox 11">
-            <a:extLst>
-              <a:ext uri="{FF2B5EF4-FFF2-40B4-BE49-F238E27FC236}">
-                <a16:creationId xmlns:a16="http://schemas.microsoft.com/office/drawing/2014/main" id="{29AB398C-4898-245F-132F-B42FD2C4BBD7}"/>
+          <p:cNvPr id="19" name="TextBox 18">
+            <a:extLst>
+              <a:ext uri="{FF2B5EF4-FFF2-40B4-BE49-F238E27FC236}">
+                <a16:creationId xmlns:a16="http://schemas.microsoft.com/office/drawing/2014/main" id="{9D8D87BD-793E-0F58-9A2C-29C1E5DC4F02}"/>
               </a:ext>
             </a:extLst>
           </p:cNvPr>
@@ -6783,13 +6613,18 @@
         </p:nvSpPr>
         <p:spPr>
           <a:xfrm>
-            <a:off x="658516" y="3160197"/>
-            <a:ext cx="5437484" cy="400110"/>
+            <a:off x="5794314" y="2402695"/>
+            <a:ext cx="1626632" cy="338554"/>
           </a:xfrm>
           <a:prstGeom prst="rect">
             <a:avLst/>
           </a:prstGeom>
           <a:noFill/>
+          <a:ln>
+            <a:solidFill>
+              <a:schemeClr val="tx1"/>
+            </a:solidFill>
+          </a:ln>
         </p:spPr>
         <p:txBody>
           <a:bodyPr wrap="square" rtlCol="0">
@@ -6798,49 +6633,212 @@
           <a:lstStyle/>
           <a:p>
             <a:r>
-              <a:rPr lang="en-US" altLang="ko-KR" sz="2000" b="1" dirty="0"/>
-              <a:t>“Time Invariant” if fulfill below conditions </a:t>
-            </a:r>
-            <a:endParaRPr lang="ko-KR" altLang="en-US" sz="2000" b="1" dirty="0"/>
-          </a:p>
-        </p:txBody>
-      </p:sp>
-      <p:pic>
-        <p:nvPicPr>
-          <p:cNvPr id="14" name="그림 13">
-            <a:extLst>
-              <a:ext uri="{FF2B5EF4-FFF2-40B4-BE49-F238E27FC236}">
-                <a16:creationId xmlns:a16="http://schemas.microsoft.com/office/drawing/2014/main" id="{269544BC-BCCB-3A70-D64B-2E5565412AC9}"/>
-              </a:ext>
-            </a:extLst>
-          </p:cNvPr>
-          <p:cNvPicPr>
-            <a:picLocks noChangeAspect="1"/>
-          </p:cNvPicPr>
-          <p:nvPr/>
-        </p:nvPicPr>
-        <p:blipFill>
-          <a:blip r:embed="rId6"/>
-          <a:stretch>
-            <a:fillRect/>
-          </a:stretch>
-        </p:blipFill>
-        <p:spPr>
-          <a:xfrm>
-            <a:off x="766894" y="3621862"/>
-            <a:ext cx="2893394" cy="524734"/>
+              <a:rPr lang="en-US" altLang="ko-KR" sz="1600" b="1" dirty="0">
+                <a:solidFill>
+                  <a:schemeClr val="tx2">
+                    <a:lumMod val="90000"/>
+                    <a:lumOff val="10000"/>
+                  </a:schemeClr>
+                </a:solidFill>
+              </a:rPr>
+              <a:t>Input Jacobian</a:t>
+            </a:r>
+            <a:endParaRPr lang="ko-KR" altLang="en-US" sz="1600" b="1" dirty="0">
+              <a:solidFill>
+                <a:schemeClr val="tx2">
+                  <a:lumMod val="90000"/>
+                  <a:lumOff val="10000"/>
+                </a:schemeClr>
+              </a:solidFill>
+            </a:endParaRPr>
+          </a:p>
+        </p:txBody>
+      </p:sp>
+      <p:cxnSp>
+        <p:nvCxnSpPr>
+          <p:cNvPr id="20" name="직선 화살표 연결선 19">
+            <a:extLst>
+              <a:ext uri="{FF2B5EF4-FFF2-40B4-BE49-F238E27FC236}">
+                <a16:creationId xmlns:a16="http://schemas.microsoft.com/office/drawing/2014/main" id="{6EFD8204-703C-0DA8-CCF8-1B120BC812C0}"/>
+              </a:ext>
+            </a:extLst>
+          </p:cNvPr>
+          <p:cNvCxnSpPr>
+            <a:cxnSpLocks/>
+            <a:stCxn id="19" idx="3"/>
+          </p:cNvCxnSpPr>
+          <p:nvPr/>
+        </p:nvCxnSpPr>
+        <p:spPr>
+          <a:xfrm flipV="1">
+            <a:off x="7420946" y="2228737"/>
+            <a:ext cx="463423" cy="343235"/>
+          </a:xfrm>
+          <a:prstGeom prst="straightConnector1">
+            <a:avLst/>
+          </a:prstGeom>
+          <a:ln>
+            <a:tailEnd type="triangle"/>
+          </a:ln>
+        </p:spPr>
+        <p:style>
+          <a:lnRef idx="2">
+            <a:schemeClr val="accent1"/>
+          </a:lnRef>
+          <a:fillRef idx="0">
+            <a:schemeClr val="accent1"/>
+          </a:fillRef>
+          <a:effectRef idx="1">
+            <a:schemeClr val="accent1"/>
+          </a:effectRef>
+          <a:fontRef idx="minor">
+            <a:schemeClr val="tx1"/>
+          </a:fontRef>
+        </p:style>
+      </p:cxnSp>
+      <p:sp>
+        <p:nvSpPr>
+          <p:cNvPr id="21" name="TextBox 20">
+            <a:extLst>
+              <a:ext uri="{FF2B5EF4-FFF2-40B4-BE49-F238E27FC236}">
+                <a16:creationId xmlns:a16="http://schemas.microsoft.com/office/drawing/2014/main" id="{F80AAE87-B32C-4728-7545-AD7B17F769E4}"/>
+              </a:ext>
+            </a:extLst>
+          </p:cNvPr>
+          <p:cNvSpPr txBox="1"/>
+          <p:nvPr/>
+        </p:nvSpPr>
+        <p:spPr>
+          <a:xfrm>
+            <a:off x="9775376" y="2395129"/>
+            <a:ext cx="1626632" cy="338554"/>
           </a:xfrm>
           <a:prstGeom prst="rect">
             <a:avLst/>
           </a:prstGeom>
-        </p:spPr>
-      </p:pic>
-      <p:sp>
-        <p:nvSpPr>
-          <p:cNvPr id="15" name="화살표: 아래쪽 14">
-            <a:extLst>
-              <a:ext uri="{FF2B5EF4-FFF2-40B4-BE49-F238E27FC236}">
-                <a16:creationId xmlns:a16="http://schemas.microsoft.com/office/drawing/2014/main" id="{498ABF08-9D9B-17AA-2AC0-36C106B7007C}"/>
+          <a:noFill/>
+          <a:ln>
+            <a:solidFill>
+              <a:schemeClr val="tx1"/>
+            </a:solidFill>
+          </a:ln>
+        </p:spPr>
+        <p:txBody>
+          <a:bodyPr wrap="square" rtlCol="0">
+            <a:spAutoFit/>
+          </a:bodyPr>
+          <a:lstStyle/>
+          <a:p>
+            <a:r>
+              <a:rPr lang="en-US" altLang="ko-KR" sz="1600" b="1" dirty="0">
+                <a:solidFill>
+                  <a:schemeClr val="tx2">
+                    <a:lumMod val="90000"/>
+                    <a:lumOff val="10000"/>
+                  </a:schemeClr>
+                </a:solidFill>
+              </a:rPr>
+              <a:t>External Force</a:t>
+            </a:r>
+            <a:endParaRPr lang="ko-KR" altLang="en-US" sz="1600" b="1" dirty="0">
+              <a:solidFill>
+                <a:schemeClr val="tx2">
+                  <a:lumMod val="90000"/>
+                  <a:lumOff val="10000"/>
+                </a:schemeClr>
+              </a:solidFill>
+            </a:endParaRPr>
+          </a:p>
+        </p:txBody>
+      </p:sp>
+      <p:cxnSp>
+        <p:nvCxnSpPr>
+          <p:cNvPr id="22" name="직선 화살표 연결선 21">
+            <a:extLst>
+              <a:ext uri="{FF2B5EF4-FFF2-40B4-BE49-F238E27FC236}">
+                <a16:creationId xmlns:a16="http://schemas.microsoft.com/office/drawing/2014/main" id="{F563F8D5-3AD5-04A4-816D-5B2AA2A2F521}"/>
+              </a:ext>
+            </a:extLst>
+          </p:cNvPr>
+          <p:cNvCxnSpPr>
+            <a:cxnSpLocks/>
+            <a:stCxn id="21" idx="1"/>
+          </p:cNvCxnSpPr>
+          <p:nvPr/>
+        </p:nvCxnSpPr>
+        <p:spPr>
+          <a:xfrm flipH="1" flipV="1">
+            <a:off x="9467465" y="2221171"/>
+            <a:ext cx="307911" cy="343235"/>
+          </a:xfrm>
+          <a:prstGeom prst="straightConnector1">
+            <a:avLst/>
+          </a:prstGeom>
+          <a:ln>
+            <a:tailEnd type="triangle"/>
+          </a:ln>
+        </p:spPr>
+        <p:style>
+          <a:lnRef idx="2">
+            <a:schemeClr val="accent1"/>
+          </a:lnRef>
+          <a:fillRef idx="0">
+            <a:schemeClr val="accent1"/>
+          </a:fillRef>
+          <a:effectRef idx="1">
+            <a:schemeClr val="accent1"/>
+          </a:effectRef>
+          <a:fontRef idx="minor">
+            <a:schemeClr val="tx1"/>
+          </a:fontRef>
+        </p:style>
+      </p:cxnSp>
+      <p:sp>
+        <p:nvSpPr>
+          <p:cNvPr id="31" name="TextBox 30">
+            <a:extLst>
+              <a:ext uri="{FF2B5EF4-FFF2-40B4-BE49-F238E27FC236}">
+                <a16:creationId xmlns:a16="http://schemas.microsoft.com/office/drawing/2014/main" id="{03B94CF6-9A59-A53F-D41A-70277B9B6EE3}"/>
+              </a:ext>
+            </a:extLst>
+          </p:cNvPr>
+          <p:cNvSpPr txBox="1"/>
+          <p:nvPr/>
+        </p:nvSpPr>
+        <p:spPr>
+          <a:xfrm>
+            <a:off x="1779206" y="3333435"/>
+            <a:ext cx="6499989" cy="830997"/>
+          </a:xfrm>
+          <a:prstGeom prst="rect">
+            <a:avLst/>
+          </a:prstGeom>
+          <a:noFill/>
+        </p:spPr>
+        <p:txBody>
+          <a:bodyPr wrap="square" rtlCol="0">
+            <a:spAutoFit/>
+          </a:bodyPr>
+          <a:lstStyle/>
+          <a:p>
+            <a:r>
+              <a:rPr lang="en-US" altLang="ko-KR" sz="2400" b="1" dirty="0"/>
+              <a:t>We can get this from easily by using symbolic toolbox in python/</a:t>
+            </a:r>
+            <a:r>
+              <a:rPr lang="en-US" altLang="ko-KR" sz="2400" b="1" dirty="0" err="1"/>
+              <a:t>matlab</a:t>
+            </a:r>
+            <a:endParaRPr lang="ko-KR" altLang="en-US" sz="2400" b="1" dirty="0"/>
+          </a:p>
+        </p:txBody>
+      </p:sp>
+      <p:sp>
+        <p:nvSpPr>
+          <p:cNvPr id="32" name="화살표: 아래쪽 31">
+            <a:extLst>
+              <a:ext uri="{FF2B5EF4-FFF2-40B4-BE49-F238E27FC236}">
+                <a16:creationId xmlns:a16="http://schemas.microsoft.com/office/drawing/2014/main" id="{8C1FBCEC-FE13-BF9E-1AC9-3F5AB650454C}"/>
               </a:ext>
             </a:extLst>
           </p:cNvPr>
@@ -6849,7 +6847,7 @@
         </p:nvSpPr>
         <p:spPr>
           <a:xfrm rot="16200000">
-            <a:off x="6571674" y="1698593"/>
+            <a:off x="1188288" y="3526874"/>
             <a:ext cx="452581" cy="498764"/>
           </a:xfrm>
           <a:prstGeom prst="downArrow">
@@ -6883,10 +6881,10 @@
       </p:sp>
       <p:sp>
         <p:nvSpPr>
-          <p:cNvPr id="16" name="TextBox 15">
-            <a:extLst>
-              <a:ext uri="{FF2B5EF4-FFF2-40B4-BE49-F238E27FC236}">
-                <a16:creationId xmlns:a16="http://schemas.microsoft.com/office/drawing/2014/main" id="{FF4926B1-C354-B4FF-413B-9F82C517F076}"/>
+          <p:cNvPr id="33" name="TextBox 32">
+            <a:extLst>
+              <a:ext uri="{FF2B5EF4-FFF2-40B4-BE49-F238E27FC236}">
+                <a16:creationId xmlns:a16="http://schemas.microsoft.com/office/drawing/2014/main" id="{9A8149CE-01F1-AE02-066E-C1EDE0CA59E5}"/>
               </a:ext>
             </a:extLst>
           </p:cNvPr>
@@ -6895,7 +6893,7 @@
         </p:nvSpPr>
         <p:spPr>
           <a:xfrm>
-            <a:off x="7047347" y="821280"/>
+            <a:off x="339862" y="4865734"/>
             <a:ext cx="3747459" cy="461665"/>
           </a:xfrm>
           <a:prstGeom prst="rect">
@@ -6911,92 +6909,16 @@
           <a:p>
             <a:r>
               <a:rPr lang="en-US" altLang="ko-KR" sz="2400" b="1" dirty="0"/>
-              <a:t>Linear Approximate</a:t>
+              <a:t>Velocity Kinematics</a:t>
             </a:r>
             <a:endParaRPr lang="ko-KR" altLang="en-US" sz="2400" b="1" dirty="0"/>
-          </a:p>
-        </p:txBody>
-      </p:sp>
-      <p:pic>
-        <p:nvPicPr>
-          <p:cNvPr id="18" name="그림 17">
-            <a:extLst>
-              <a:ext uri="{FF2B5EF4-FFF2-40B4-BE49-F238E27FC236}">
-                <a16:creationId xmlns:a16="http://schemas.microsoft.com/office/drawing/2014/main" id="{F2C23212-91E0-573C-F605-A9142C0EF14E}"/>
-              </a:ext>
-            </a:extLst>
-          </p:cNvPr>
-          <p:cNvPicPr>
-            <a:picLocks noChangeAspect="1"/>
-          </p:cNvPicPr>
-          <p:nvPr/>
-        </p:nvPicPr>
-        <p:blipFill>
-          <a:blip r:embed="rId7"/>
-          <a:stretch>
-            <a:fillRect/>
-          </a:stretch>
-        </p:blipFill>
-        <p:spPr>
-          <a:xfrm>
-            <a:off x="7309092" y="1220333"/>
-            <a:ext cx="3547272" cy="1497014"/>
-          </a:xfrm>
-          <a:prstGeom prst="rect">
-            <a:avLst/>
-          </a:prstGeom>
-        </p:spPr>
-      </p:pic>
-      <p:sp>
-        <p:nvSpPr>
-          <p:cNvPr id="19" name="TextBox 18">
-            <a:extLst>
-              <a:ext uri="{FF2B5EF4-FFF2-40B4-BE49-F238E27FC236}">
-                <a16:creationId xmlns:a16="http://schemas.microsoft.com/office/drawing/2014/main" id="{75D5C054-C8C2-09A8-E86C-0C21FC7480D3}"/>
-              </a:ext>
-            </a:extLst>
-          </p:cNvPr>
-          <p:cNvSpPr txBox="1"/>
-          <p:nvPr/>
-        </p:nvSpPr>
-        <p:spPr>
-          <a:xfrm>
-            <a:off x="7170546" y="2592906"/>
-            <a:ext cx="4661235" cy="584775"/>
-          </a:xfrm>
-          <a:prstGeom prst="rect">
-            <a:avLst/>
-          </a:prstGeom>
-          <a:noFill/>
-        </p:spPr>
-        <p:txBody>
-          <a:bodyPr wrap="square" rtlCol="0">
-            <a:spAutoFit/>
-          </a:bodyPr>
-          <a:lstStyle/>
-          <a:p>
-            <a:pPr marL="285750" indent="-285750">
-              <a:buFont typeface="Arial" panose="020B0604020202020204" pitchFamily="34" charset="0"/>
-              <a:buChar char="•"/>
-            </a:pPr>
-            <a:r>
-              <a:rPr lang="en-US" altLang="ko-KR" sz="1600" b="1" dirty="0"/>
-              <a:t>It has no relationship btw </a:t>
-            </a:r>
-          </a:p>
-          <a:p>
-            <a:r>
-              <a:rPr lang="en-US" altLang="ko-KR" sz="1600" b="1" dirty="0"/>
-              <a:t>    Time Invariant &amp; Linear Approx ex) TDLQR</a:t>
-            </a:r>
-            <a:endParaRPr lang="ko-KR" altLang="en-US" sz="1600" b="1" dirty="0"/>
           </a:p>
         </p:txBody>
       </p:sp>
     </p:spTree>
     <p:extLst>
       <p:ext uri="{BB962C8B-B14F-4D97-AF65-F5344CB8AC3E}">
-        <p14:creationId xmlns:p14="http://schemas.microsoft.com/office/powerpoint/2010/main" val="3483587457"/>
+        <p14:creationId xmlns:p14="http://schemas.microsoft.com/office/powerpoint/2010/main" val="161173680"/>
       </p:ext>
     </p:extLst>
   </p:cSld>
@@ -7023,6 +6945,36 @@
           <a:chExt cx="0" cy="0"/>
         </a:xfrm>
       </p:grpSpPr>
+      <p:pic>
+        <p:nvPicPr>
+          <p:cNvPr id="6" name="그림 5">
+            <a:extLst>
+              <a:ext uri="{FF2B5EF4-FFF2-40B4-BE49-F238E27FC236}">
+                <a16:creationId xmlns:a16="http://schemas.microsoft.com/office/drawing/2014/main" id="{40D72E51-A15F-98C0-1C83-6ACFAB5457C5}"/>
+              </a:ext>
+            </a:extLst>
+          </p:cNvPr>
+          <p:cNvPicPr>
+            <a:picLocks noChangeAspect="1"/>
+          </p:cNvPicPr>
+          <p:nvPr/>
+        </p:nvPicPr>
+        <p:blipFill>
+          <a:blip r:embed="rId3"/>
+          <a:stretch>
+            <a:fillRect/>
+          </a:stretch>
+        </p:blipFill>
+        <p:spPr>
+          <a:xfrm>
+            <a:off x="871272" y="1282945"/>
+            <a:ext cx="5868219" cy="1371791"/>
+          </a:xfrm>
+          <a:prstGeom prst="rect">
+            <a:avLst/>
+          </a:prstGeom>
+        </p:spPr>
+      </p:pic>
       <p:sp>
         <p:nvSpPr>
           <p:cNvPr id="40" name="TextBox 39">
@@ -7064,7 +7016,7 @@
           <p:cNvPr id="2" name="TextBox 1">
             <a:extLst>
               <a:ext uri="{FF2B5EF4-FFF2-40B4-BE49-F238E27FC236}">
-                <a16:creationId xmlns:a16="http://schemas.microsoft.com/office/drawing/2014/main" id="{2B3B23B6-0D87-11C8-DAF8-91747C2FEDE1}"/>
+                <a16:creationId xmlns:a16="http://schemas.microsoft.com/office/drawing/2014/main" id="{35BB4996-ED96-8C8F-7088-269124DF652A}"/>
               </a:ext>
             </a:extLst>
           </p:cNvPr>
@@ -7089,16 +7041,528 @@
           <a:p>
             <a:r>
               <a:rPr lang="en-US" altLang="ko-KR" sz="2400" b="1" dirty="0"/>
-              <a:t>Equilibria</a:t>
+              <a:t>Linear Systems</a:t>
             </a:r>
             <a:endParaRPr lang="ko-KR" altLang="en-US" sz="2400" b="1" dirty="0"/>
+          </a:p>
+        </p:txBody>
+      </p:sp>
+      <p:pic>
+        <p:nvPicPr>
+          <p:cNvPr id="1026" name="Picture 2">
+            <a:extLst>
+              <a:ext uri="{FF2B5EF4-FFF2-40B4-BE49-F238E27FC236}">
+                <a16:creationId xmlns:a16="http://schemas.microsoft.com/office/drawing/2014/main" id="{D23CB700-E74A-1DB8-D01C-F385C03612E0}"/>
+              </a:ext>
+            </a:extLst>
+          </p:cNvPr>
+          <p:cNvPicPr>
+            <a:picLocks noChangeAspect="1" noChangeArrowheads="1"/>
+          </p:cNvPicPr>
+          <p:nvPr/>
+        </p:nvPicPr>
+        <p:blipFill>
+          <a:blip r:embed="rId4">
+            <a:extLst>
+              <a:ext uri="{28A0092B-C50C-407E-A947-70E740481C1C}">
+                <a14:useLocalDpi xmlns:a14="http://schemas.microsoft.com/office/drawing/2010/main" val="0"/>
+              </a:ext>
+            </a:extLst>
+          </a:blip>
+          <a:srcRect/>
+          <a:stretch>
+            <a:fillRect/>
+          </a:stretch>
+        </p:blipFill>
+        <p:spPr bwMode="auto">
+          <a:xfrm>
+            <a:off x="6548582" y="3429000"/>
+            <a:ext cx="4802909" cy="2438977"/>
+          </a:xfrm>
+          <a:prstGeom prst="rect">
+            <a:avLst/>
+          </a:prstGeom>
+          <a:noFill/>
+          <a:extLst>
+            <a:ext uri="{909E8E84-426E-40DD-AFC4-6F175D3DCCD1}">
+              <a14:hiddenFill xmlns:a14="http://schemas.microsoft.com/office/drawing/2010/main">
+                <a:solidFill>
+                  <a:srgbClr val="FFFFFF"/>
+                </a:solidFill>
+              </a14:hiddenFill>
+            </a:ext>
+          </a:extLst>
+        </p:spPr>
+      </p:pic>
+      <p:sp>
+        <p:nvSpPr>
+          <p:cNvPr id="4" name="TextBox 3">
+            <a:extLst>
+              <a:ext uri="{FF2B5EF4-FFF2-40B4-BE49-F238E27FC236}">
+                <a16:creationId xmlns:a16="http://schemas.microsoft.com/office/drawing/2014/main" id="{7B46547D-DCD7-71C5-5FB7-4524E747BD19}"/>
+              </a:ext>
+            </a:extLst>
+          </p:cNvPr>
+          <p:cNvSpPr txBox="1"/>
+          <p:nvPr/>
+        </p:nvSpPr>
+        <p:spPr>
+          <a:xfrm>
+            <a:off x="5982854" y="5942733"/>
+            <a:ext cx="6451599" cy="230832"/>
+          </a:xfrm>
+          <a:prstGeom prst="rect">
+            <a:avLst/>
+          </a:prstGeom>
+          <a:noFill/>
+        </p:spPr>
+        <p:txBody>
+          <a:bodyPr wrap="square">
+            <a:spAutoFit/>
+          </a:bodyPr>
+          <a:lstStyle/>
+          <a:p>
+            <a:pPr marL="171450" indent="-171450">
+              <a:buFont typeface="Arial" panose="020B0604020202020204" pitchFamily="34" charset="0"/>
+              <a:buChar char="•"/>
+            </a:pPr>
+            <a:r>
+              <a:rPr lang="en-US" altLang="ko-KR" sz="900" dirty="0"/>
+              <a:t>image from : </a:t>
+            </a:r>
+            <a:r>
+              <a:rPr lang="en-US" altLang="ko-KR" sz="900" dirty="0">
+                <a:effectLst/>
+                <a:hlinkClick r:id="rId5"/>
+              </a:rPr>
+              <a:t>https://study.com/academy/lesson/how-to-recognize-linear-functions-vs-non-linear-functions.html</a:t>
+            </a:r>
+            <a:endParaRPr lang="ko-KR" altLang="en-US" sz="900" dirty="0"/>
+          </a:p>
+        </p:txBody>
+      </p:sp>
+      <p:sp>
+        <p:nvSpPr>
+          <p:cNvPr id="7" name="TextBox 6">
+            <a:extLst>
+              <a:ext uri="{FF2B5EF4-FFF2-40B4-BE49-F238E27FC236}">
+                <a16:creationId xmlns:a16="http://schemas.microsoft.com/office/drawing/2014/main" id="{51EF304F-7837-1A5D-A44B-C325A121968D}"/>
+              </a:ext>
+            </a:extLst>
+          </p:cNvPr>
+          <p:cNvSpPr txBox="1"/>
+          <p:nvPr/>
+        </p:nvSpPr>
+        <p:spPr>
+          <a:xfrm>
+            <a:off x="1440873" y="2348224"/>
+            <a:ext cx="944654" cy="584775"/>
+          </a:xfrm>
+          <a:prstGeom prst="rect">
+            <a:avLst/>
+          </a:prstGeom>
+          <a:noFill/>
+          <a:ln>
+            <a:solidFill>
+              <a:schemeClr val="tx1"/>
+            </a:solidFill>
+          </a:ln>
+        </p:spPr>
+        <p:txBody>
+          <a:bodyPr wrap="square" rtlCol="0">
+            <a:spAutoFit/>
+          </a:bodyPr>
+          <a:lstStyle/>
+          <a:p>
+            <a:r>
+              <a:rPr lang="en-US" altLang="ko-KR" sz="1600" b="1" dirty="0">
+                <a:solidFill>
+                  <a:schemeClr val="tx2">
+                    <a:lumMod val="90000"/>
+                    <a:lumOff val="10000"/>
+                  </a:schemeClr>
+                </a:solidFill>
+              </a:rPr>
+              <a:t>System Matrix</a:t>
+            </a:r>
+            <a:endParaRPr lang="ko-KR" altLang="en-US" sz="1600" b="1" dirty="0">
+              <a:solidFill>
+                <a:schemeClr val="tx2">
+                  <a:lumMod val="90000"/>
+                  <a:lumOff val="10000"/>
+                </a:schemeClr>
+              </a:solidFill>
+            </a:endParaRPr>
+          </a:p>
+        </p:txBody>
+      </p:sp>
+      <p:cxnSp>
+        <p:nvCxnSpPr>
+          <p:cNvPr id="8" name="직선 화살표 연결선 7">
+            <a:extLst>
+              <a:ext uri="{FF2B5EF4-FFF2-40B4-BE49-F238E27FC236}">
+                <a16:creationId xmlns:a16="http://schemas.microsoft.com/office/drawing/2014/main" id="{0F5F1818-5EAE-7A7D-099F-9536B768246E}"/>
+              </a:ext>
+            </a:extLst>
+          </p:cNvPr>
+          <p:cNvCxnSpPr>
+            <a:cxnSpLocks/>
+            <a:stCxn id="7" idx="3"/>
+          </p:cNvCxnSpPr>
+          <p:nvPr/>
+        </p:nvCxnSpPr>
+        <p:spPr>
+          <a:xfrm flipV="1">
+            <a:off x="2385527" y="2174266"/>
+            <a:ext cx="646921" cy="466346"/>
+          </a:xfrm>
+          <a:prstGeom prst="straightConnector1">
+            <a:avLst/>
+          </a:prstGeom>
+          <a:ln>
+            <a:tailEnd type="triangle"/>
+          </a:ln>
+        </p:spPr>
+        <p:style>
+          <a:lnRef idx="2">
+            <a:schemeClr val="accent1"/>
+          </a:lnRef>
+          <a:fillRef idx="0">
+            <a:schemeClr val="accent1"/>
+          </a:fillRef>
+          <a:effectRef idx="1">
+            <a:schemeClr val="accent1"/>
+          </a:effectRef>
+          <a:fontRef idx="minor">
+            <a:schemeClr val="tx1"/>
+          </a:fontRef>
+        </p:style>
+      </p:cxnSp>
+      <p:sp>
+        <p:nvSpPr>
+          <p:cNvPr id="10" name="TextBox 9">
+            <a:extLst>
+              <a:ext uri="{FF2B5EF4-FFF2-40B4-BE49-F238E27FC236}">
+                <a16:creationId xmlns:a16="http://schemas.microsoft.com/office/drawing/2014/main" id="{B3A2D782-EADE-0BC2-CBF3-454E9AC1119F}"/>
+              </a:ext>
+            </a:extLst>
+          </p:cNvPr>
+          <p:cNvSpPr txBox="1"/>
+          <p:nvPr/>
+        </p:nvSpPr>
+        <p:spPr>
+          <a:xfrm>
+            <a:off x="3766721" y="2370113"/>
+            <a:ext cx="944654" cy="584775"/>
+          </a:xfrm>
+          <a:prstGeom prst="rect">
+            <a:avLst/>
+          </a:prstGeom>
+          <a:noFill/>
+          <a:ln>
+            <a:solidFill>
+              <a:schemeClr val="tx1"/>
+            </a:solidFill>
+          </a:ln>
+        </p:spPr>
+        <p:txBody>
+          <a:bodyPr wrap="square" rtlCol="0">
+            <a:spAutoFit/>
+          </a:bodyPr>
+          <a:lstStyle/>
+          <a:p>
+            <a:r>
+              <a:rPr lang="en-US" altLang="ko-KR" sz="1600" b="1" dirty="0">
+                <a:solidFill>
+                  <a:schemeClr val="tx2">
+                    <a:lumMod val="90000"/>
+                    <a:lumOff val="10000"/>
+                  </a:schemeClr>
+                </a:solidFill>
+              </a:rPr>
+              <a:t>Control Matrix</a:t>
+            </a:r>
+            <a:endParaRPr lang="ko-KR" altLang="en-US" sz="1600" b="1" dirty="0">
+              <a:solidFill>
+                <a:schemeClr val="tx2">
+                  <a:lumMod val="90000"/>
+                  <a:lumOff val="10000"/>
+                </a:schemeClr>
+              </a:solidFill>
+            </a:endParaRPr>
+          </a:p>
+        </p:txBody>
+      </p:sp>
+      <p:cxnSp>
+        <p:nvCxnSpPr>
+          <p:cNvPr id="11" name="직선 화살표 연결선 10">
+            <a:extLst>
+              <a:ext uri="{FF2B5EF4-FFF2-40B4-BE49-F238E27FC236}">
+                <a16:creationId xmlns:a16="http://schemas.microsoft.com/office/drawing/2014/main" id="{0A0757F4-CDC9-C73A-EFAC-4BA81337CF72}"/>
+              </a:ext>
+            </a:extLst>
+          </p:cNvPr>
+          <p:cNvCxnSpPr>
+            <a:cxnSpLocks/>
+            <a:stCxn id="10" idx="3"/>
+          </p:cNvCxnSpPr>
+          <p:nvPr/>
+        </p:nvCxnSpPr>
+        <p:spPr>
+          <a:xfrm flipV="1">
+            <a:off x="4711375" y="2196155"/>
+            <a:ext cx="646921" cy="466346"/>
+          </a:xfrm>
+          <a:prstGeom prst="straightConnector1">
+            <a:avLst/>
+          </a:prstGeom>
+          <a:ln>
+            <a:tailEnd type="triangle"/>
+          </a:ln>
+        </p:spPr>
+        <p:style>
+          <a:lnRef idx="2">
+            <a:schemeClr val="accent1"/>
+          </a:lnRef>
+          <a:fillRef idx="0">
+            <a:schemeClr val="accent1"/>
+          </a:fillRef>
+          <a:effectRef idx="1">
+            <a:schemeClr val="accent1"/>
+          </a:effectRef>
+          <a:fontRef idx="minor">
+            <a:schemeClr val="tx1"/>
+          </a:fontRef>
+        </p:style>
+      </p:cxnSp>
+      <p:sp>
+        <p:nvSpPr>
+          <p:cNvPr id="12" name="TextBox 11">
+            <a:extLst>
+              <a:ext uri="{FF2B5EF4-FFF2-40B4-BE49-F238E27FC236}">
+                <a16:creationId xmlns:a16="http://schemas.microsoft.com/office/drawing/2014/main" id="{29AB398C-4898-245F-132F-B42FD2C4BBD7}"/>
+              </a:ext>
+            </a:extLst>
+          </p:cNvPr>
+          <p:cNvSpPr txBox="1"/>
+          <p:nvPr/>
+        </p:nvSpPr>
+        <p:spPr>
+          <a:xfrm>
+            <a:off x="658516" y="3160197"/>
+            <a:ext cx="5437484" cy="400110"/>
+          </a:xfrm>
+          <a:prstGeom prst="rect">
+            <a:avLst/>
+          </a:prstGeom>
+          <a:noFill/>
+        </p:spPr>
+        <p:txBody>
+          <a:bodyPr wrap="square" rtlCol="0">
+            <a:spAutoFit/>
+          </a:bodyPr>
+          <a:lstStyle/>
+          <a:p>
+            <a:r>
+              <a:rPr lang="en-US" altLang="ko-KR" sz="2000" b="1" dirty="0"/>
+              <a:t>“Time Invariant” if fulfill below conditions </a:t>
+            </a:r>
+            <a:endParaRPr lang="ko-KR" altLang="en-US" sz="2000" b="1" dirty="0"/>
+          </a:p>
+        </p:txBody>
+      </p:sp>
+      <p:pic>
+        <p:nvPicPr>
+          <p:cNvPr id="14" name="그림 13">
+            <a:extLst>
+              <a:ext uri="{FF2B5EF4-FFF2-40B4-BE49-F238E27FC236}">
+                <a16:creationId xmlns:a16="http://schemas.microsoft.com/office/drawing/2014/main" id="{269544BC-BCCB-3A70-D64B-2E5565412AC9}"/>
+              </a:ext>
+            </a:extLst>
+          </p:cNvPr>
+          <p:cNvPicPr>
+            <a:picLocks noChangeAspect="1"/>
+          </p:cNvPicPr>
+          <p:nvPr/>
+        </p:nvPicPr>
+        <p:blipFill>
+          <a:blip r:embed="rId6"/>
+          <a:stretch>
+            <a:fillRect/>
+          </a:stretch>
+        </p:blipFill>
+        <p:spPr>
+          <a:xfrm>
+            <a:off x="766894" y="3621862"/>
+            <a:ext cx="2893394" cy="524734"/>
+          </a:xfrm>
+          <a:prstGeom prst="rect">
+            <a:avLst/>
+          </a:prstGeom>
+        </p:spPr>
+      </p:pic>
+      <p:sp>
+        <p:nvSpPr>
+          <p:cNvPr id="15" name="화살표: 아래쪽 14">
+            <a:extLst>
+              <a:ext uri="{FF2B5EF4-FFF2-40B4-BE49-F238E27FC236}">
+                <a16:creationId xmlns:a16="http://schemas.microsoft.com/office/drawing/2014/main" id="{498ABF08-9D9B-17AA-2AC0-36C106B7007C}"/>
+              </a:ext>
+            </a:extLst>
+          </p:cNvPr>
+          <p:cNvSpPr/>
+          <p:nvPr/>
+        </p:nvSpPr>
+        <p:spPr>
+          <a:xfrm rot="16200000">
+            <a:off x="6571674" y="1698593"/>
+            <a:ext cx="452581" cy="498764"/>
+          </a:xfrm>
+          <a:prstGeom prst="downArrow">
+            <a:avLst/>
+          </a:prstGeom>
+        </p:spPr>
+        <p:style>
+          <a:lnRef idx="2">
+            <a:schemeClr val="accent1">
+              <a:shade val="15000"/>
+            </a:schemeClr>
+          </a:lnRef>
+          <a:fillRef idx="1">
+            <a:schemeClr val="accent1"/>
+          </a:fillRef>
+          <a:effectRef idx="0">
+            <a:schemeClr val="accent1"/>
+          </a:effectRef>
+          <a:fontRef idx="minor">
+            <a:schemeClr val="lt1"/>
+          </a:fontRef>
+        </p:style>
+        <p:txBody>
+          <a:bodyPr rtlCol="0" anchor="ctr"/>
+          <a:lstStyle/>
+          <a:p>
+            <a:pPr algn="ctr"/>
+            <a:endParaRPr lang="ko-KR" altLang="en-US"/>
+          </a:p>
+        </p:txBody>
+      </p:sp>
+      <p:sp>
+        <p:nvSpPr>
+          <p:cNvPr id="16" name="TextBox 15">
+            <a:extLst>
+              <a:ext uri="{FF2B5EF4-FFF2-40B4-BE49-F238E27FC236}">
+                <a16:creationId xmlns:a16="http://schemas.microsoft.com/office/drawing/2014/main" id="{FF4926B1-C354-B4FF-413B-9F82C517F076}"/>
+              </a:ext>
+            </a:extLst>
+          </p:cNvPr>
+          <p:cNvSpPr txBox="1"/>
+          <p:nvPr/>
+        </p:nvSpPr>
+        <p:spPr>
+          <a:xfrm>
+            <a:off x="7047347" y="821280"/>
+            <a:ext cx="3747459" cy="461665"/>
+          </a:xfrm>
+          <a:prstGeom prst="rect">
+            <a:avLst/>
+          </a:prstGeom>
+          <a:noFill/>
+        </p:spPr>
+        <p:txBody>
+          <a:bodyPr wrap="square" rtlCol="0">
+            <a:spAutoFit/>
+          </a:bodyPr>
+          <a:lstStyle/>
+          <a:p>
+            <a:r>
+              <a:rPr lang="en-US" altLang="ko-KR" sz="2400" b="1" dirty="0"/>
+              <a:t>Linear Approximate</a:t>
+            </a:r>
+            <a:endParaRPr lang="ko-KR" altLang="en-US" sz="2400" b="1" dirty="0"/>
+          </a:p>
+        </p:txBody>
+      </p:sp>
+      <p:pic>
+        <p:nvPicPr>
+          <p:cNvPr id="18" name="그림 17">
+            <a:extLst>
+              <a:ext uri="{FF2B5EF4-FFF2-40B4-BE49-F238E27FC236}">
+                <a16:creationId xmlns:a16="http://schemas.microsoft.com/office/drawing/2014/main" id="{F2C23212-91E0-573C-F605-A9142C0EF14E}"/>
+              </a:ext>
+            </a:extLst>
+          </p:cNvPr>
+          <p:cNvPicPr>
+            <a:picLocks noChangeAspect="1"/>
+          </p:cNvPicPr>
+          <p:nvPr/>
+        </p:nvPicPr>
+        <p:blipFill>
+          <a:blip r:embed="rId7"/>
+          <a:stretch>
+            <a:fillRect/>
+          </a:stretch>
+        </p:blipFill>
+        <p:spPr>
+          <a:xfrm>
+            <a:off x="7309092" y="1220333"/>
+            <a:ext cx="3547272" cy="1497014"/>
+          </a:xfrm>
+          <a:prstGeom prst="rect">
+            <a:avLst/>
+          </a:prstGeom>
+        </p:spPr>
+      </p:pic>
+      <p:sp>
+        <p:nvSpPr>
+          <p:cNvPr id="19" name="TextBox 18">
+            <a:extLst>
+              <a:ext uri="{FF2B5EF4-FFF2-40B4-BE49-F238E27FC236}">
+                <a16:creationId xmlns:a16="http://schemas.microsoft.com/office/drawing/2014/main" id="{75D5C054-C8C2-09A8-E86C-0C21FC7480D3}"/>
+              </a:ext>
+            </a:extLst>
+          </p:cNvPr>
+          <p:cNvSpPr txBox="1"/>
+          <p:nvPr/>
+        </p:nvSpPr>
+        <p:spPr>
+          <a:xfrm>
+            <a:off x="7170546" y="2592906"/>
+            <a:ext cx="4661235" cy="584775"/>
+          </a:xfrm>
+          <a:prstGeom prst="rect">
+            <a:avLst/>
+          </a:prstGeom>
+          <a:noFill/>
+        </p:spPr>
+        <p:txBody>
+          <a:bodyPr wrap="square" rtlCol="0">
+            <a:spAutoFit/>
+          </a:bodyPr>
+          <a:lstStyle/>
+          <a:p>
+            <a:pPr marL="285750" indent="-285750">
+              <a:buFont typeface="Arial" panose="020B0604020202020204" pitchFamily="34" charset="0"/>
+              <a:buChar char="•"/>
+            </a:pPr>
+            <a:r>
+              <a:rPr lang="en-US" altLang="ko-KR" sz="1600" b="1" dirty="0"/>
+              <a:t>It has no relationship btw </a:t>
+            </a:r>
+          </a:p>
+          <a:p>
+            <a:r>
+              <a:rPr lang="en-US" altLang="ko-KR" sz="1600" b="1" dirty="0"/>
+              <a:t>    Time Invariant &amp; Linear Approx ex) TDLQR</a:t>
+            </a:r>
+            <a:endParaRPr lang="ko-KR" altLang="en-US" sz="1600" b="1" dirty="0"/>
           </a:p>
         </p:txBody>
       </p:sp>
     </p:spTree>
     <p:extLst>
       <p:ext uri="{BB962C8B-B14F-4D97-AF65-F5344CB8AC3E}">
-        <p14:creationId xmlns:p14="http://schemas.microsoft.com/office/powerpoint/2010/main" val="2807678355"/>
+        <p14:creationId xmlns:p14="http://schemas.microsoft.com/office/powerpoint/2010/main" val="3483587457"/>
       </p:ext>
     </p:extLst>
   </p:cSld>
@@ -7125,6 +7589,36 @@
           <a:chExt cx="0" cy="0"/>
         </a:xfrm>
       </p:grpSpPr>
+      <p:pic>
+        <p:nvPicPr>
+          <p:cNvPr id="4" name="그림 3">
+            <a:extLst>
+              <a:ext uri="{FF2B5EF4-FFF2-40B4-BE49-F238E27FC236}">
+                <a16:creationId xmlns:a16="http://schemas.microsoft.com/office/drawing/2014/main" id="{5084EF3B-7426-9490-FBC4-9C8B5520FF4B}"/>
+              </a:ext>
+            </a:extLst>
+          </p:cNvPr>
+          <p:cNvPicPr>
+            <a:picLocks noChangeAspect="1"/>
+          </p:cNvPicPr>
+          <p:nvPr/>
+        </p:nvPicPr>
+        <p:blipFill>
+          <a:blip r:embed="rId3"/>
+          <a:stretch>
+            <a:fillRect/>
+          </a:stretch>
+        </p:blipFill>
+        <p:spPr>
+          <a:xfrm>
+            <a:off x="1405660" y="1208189"/>
+            <a:ext cx="5363323" cy="1400370"/>
+          </a:xfrm>
+          <a:prstGeom prst="rect">
+            <a:avLst/>
+          </a:prstGeom>
+        </p:spPr>
+      </p:pic>
       <p:sp>
         <p:nvSpPr>
           <p:cNvPr id="40" name="TextBox 39">
@@ -7161,10 +7655,149 @@
           </a:p>
         </p:txBody>
       </p:sp>
+      <p:sp>
+        <p:nvSpPr>
+          <p:cNvPr id="2" name="TextBox 1">
+            <a:extLst>
+              <a:ext uri="{FF2B5EF4-FFF2-40B4-BE49-F238E27FC236}">
+                <a16:creationId xmlns:a16="http://schemas.microsoft.com/office/drawing/2014/main" id="{2B3B23B6-0D87-11C8-DAF8-91747C2FEDE1}"/>
+              </a:ext>
+            </a:extLst>
+          </p:cNvPr>
+          <p:cNvSpPr txBox="1"/>
+          <p:nvPr/>
+        </p:nvSpPr>
+        <p:spPr>
+          <a:xfrm>
+            <a:off x="339862" y="746524"/>
+            <a:ext cx="11349375" cy="461665"/>
+          </a:xfrm>
+          <a:prstGeom prst="rect">
+            <a:avLst/>
+          </a:prstGeom>
+          <a:noFill/>
+        </p:spPr>
+        <p:txBody>
+          <a:bodyPr wrap="square" rtlCol="0">
+            <a:spAutoFit/>
+          </a:bodyPr>
+          <a:lstStyle/>
+          <a:p>
+            <a:r>
+              <a:rPr lang="en-US" altLang="ko-KR" sz="2400" b="1" dirty="0"/>
+              <a:t>Equilibria – A point where the system becomes “Stable”</a:t>
+            </a:r>
+            <a:endParaRPr lang="ko-KR" altLang="en-US" sz="2400" b="1" dirty="0"/>
+          </a:p>
+        </p:txBody>
+      </p:sp>
+      <p:sp>
+        <p:nvSpPr>
+          <p:cNvPr id="5" name="TextBox 4">
+            <a:extLst>
+              <a:ext uri="{FF2B5EF4-FFF2-40B4-BE49-F238E27FC236}">
+                <a16:creationId xmlns:a16="http://schemas.microsoft.com/office/drawing/2014/main" id="{0DD9734E-8BEB-68AC-3756-447F7130CBB4}"/>
+              </a:ext>
+            </a:extLst>
+          </p:cNvPr>
+          <p:cNvSpPr txBox="1"/>
+          <p:nvPr/>
+        </p:nvSpPr>
+        <p:spPr>
+          <a:xfrm>
+            <a:off x="339862" y="2668793"/>
+            <a:ext cx="6256881" cy="461665"/>
+          </a:xfrm>
+          <a:prstGeom prst="rect">
+            <a:avLst/>
+          </a:prstGeom>
+          <a:noFill/>
+        </p:spPr>
+        <p:txBody>
+          <a:bodyPr wrap="square" rtlCol="0">
+            <a:spAutoFit/>
+          </a:bodyPr>
+          <a:lstStyle/>
+          <a:p>
+            <a:r>
+              <a:rPr lang="en-US" altLang="ko-KR" sz="2400" b="1" dirty="0"/>
+              <a:t>Let’s find (0,0) point in pendulum case</a:t>
+            </a:r>
+            <a:endParaRPr lang="ko-KR" altLang="en-US" sz="2400" b="1" dirty="0"/>
+          </a:p>
+        </p:txBody>
+      </p:sp>
+      <p:pic>
+        <p:nvPicPr>
+          <p:cNvPr id="7" name="그림 6">
+            <a:extLst>
+              <a:ext uri="{FF2B5EF4-FFF2-40B4-BE49-F238E27FC236}">
+                <a16:creationId xmlns:a16="http://schemas.microsoft.com/office/drawing/2014/main" id="{D01E8A20-B46F-03CE-3781-773298B6B502}"/>
+              </a:ext>
+            </a:extLst>
+          </p:cNvPr>
+          <p:cNvPicPr>
+            <a:picLocks noChangeAspect="1"/>
+          </p:cNvPicPr>
+          <p:nvPr/>
+        </p:nvPicPr>
+        <p:blipFill>
+          <a:blip r:embed="rId4"/>
+          <a:stretch>
+            <a:fillRect/>
+          </a:stretch>
+        </p:blipFill>
+        <p:spPr>
+          <a:xfrm>
+            <a:off x="524230" y="3263931"/>
+            <a:ext cx="7126182" cy="2942574"/>
+          </a:xfrm>
+          <a:prstGeom prst="rect">
+            <a:avLst/>
+          </a:prstGeom>
+        </p:spPr>
+      </p:pic>
+      <p:pic>
+        <p:nvPicPr>
+          <p:cNvPr id="11" name="그림 10">
+            <a:extLst>
+              <a:ext uri="{FF2B5EF4-FFF2-40B4-BE49-F238E27FC236}">
+                <a16:creationId xmlns:a16="http://schemas.microsoft.com/office/drawing/2014/main" id="{DF2E09E9-B151-E4AA-96C2-ABBD074B96E1}"/>
+              </a:ext>
+            </a:extLst>
+          </p:cNvPr>
+          <p:cNvPicPr>
+            <a:picLocks noChangeAspect="1"/>
+          </p:cNvPicPr>
+          <p:nvPr/>
+        </p:nvPicPr>
+        <p:blipFill>
+          <a:blip r:embed="rId5"/>
+          <a:stretch>
+            <a:fillRect/>
+          </a:stretch>
+        </p:blipFill>
+        <p:spPr>
+          <a:xfrm>
+            <a:off x="7699654" y="3263931"/>
+            <a:ext cx="3989583" cy="2812957"/>
+          </a:xfrm>
+          <a:prstGeom prst="rect">
+            <a:avLst/>
+          </a:prstGeom>
+          <a:ln w="25400">
+            <a:solidFill>
+              <a:schemeClr val="accent1">
+                <a:lumMod val="75000"/>
+              </a:schemeClr>
+            </a:solidFill>
+          </a:ln>
+        </p:spPr>
+      </p:pic>
     </p:spTree>
     <p:extLst>
       <p:ext uri="{BB962C8B-B14F-4D97-AF65-F5344CB8AC3E}">
-        <p14:creationId xmlns:p14="http://schemas.microsoft.com/office/powerpoint/2010/main" val="4197881068"/>
+        <p14:creationId xmlns:p14="http://schemas.microsoft.com/office/powerpoint/2010/main" val="2807678355"/>
       </p:ext>
     </p:extLst>
   </p:cSld>
@@ -7227,10 +7860,1568 @@
           </a:p>
         </p:txBody>
       </p:sp>
+      <p:sp>
+        <p:nvSpPr>
+          <p:cNvPr id="2" name="TextBox 1">
+            <a:extLst>
+              <a:ext uri="{FF2B5EF4-FFF2-40B4-BE49-F238E27FC236}">
+                <a16:creationId xmlns:a16="http://schemas.microsoft.com/office/drawing/2014/main" id="{2B86EA7F-A9E3-B0EE-E582-296DF56A025B}"/>
+              </a:ext>
+            </a:extLst>
+          </p:cNvPr>
+          <p:cNvSpPr txBox="1"/>
+          <p:nvPr/>
+        </p:nvSpPr>
+        <p:spPr>
+          <a:xfrm>
+            <a:off x="339862" y="746524"/>
+            <a:ext cx="11349375" cy="461665"/>
+          </a:xfrm>
+          <a:prstGeom prst="rect">
+            <a:avLst/>
+          </a:prstGeom>
+          <a:noFill/>
+        </p:spPr>
+        <p:txBody>
+          <a:bodyPr wrap="square" rtlCol="0">
+            <a:spAutoFit/>
+          </a:bodyPr>
+          <a:lstStyle/>
+          <a:p>
+            <a:r>
+              <a:rPr lang="en-US" altLang="ko-KR" sz="2400" b="1" dirty="0"/>
+              <a:t>First Control Problem</a:t>
+            </a:r>
+            <a:endParaRPr lang="ko-KR" altLang="en-US" sz="2400" b="1" dirty="0"/>
+          </a:p>
+        </p:txBody>
+      </p:sp>
+      <p:pic>
+        <p:nvPicPr>
+          <p:cNvPr id="4" name="그림 3">
+            <a:extLst>
+              <a:ext uri="{FF2B5EF4-FFF2-40B4-BE49-F238E27FC236}">
+                <a16:creationId xmlns:a16="http://schemas.microsoft.com/office/drawing/2014/main" id="{EA7806FF-DB0B-436D-B596-651E36F854DB}"/>
+              </a:ext>
+            </a:extLst>
+          </p:cNvPr>
+          <p:cNvPicPr>
+            <a:picLocks noChangeAspect="1"/>
+          </p:cNvPicPr>
+          <p:nvPr/>
+        </p:nvPicPr>
+        <p:blipFill>
+          <a:blip r:embed="rId3"/>
+          <a:stretch>
+            <a:fillRect/>
+          </a:stretch>
+        </p:blipFill>
+        <p:spPr>
+          <a:xfrm>
+            <a:off x="339862" y="1447535"/>
+            <a:ext cx="4192429" cy="2438150"/>
+          </a:xfrm>
+          <a:prstGeom prst="rect">
+            <a:avLst/>
+          </a:prstGeom>
+        </p:spPr>
+      </p:pic>
+      <p:pic>
+        <p:nvPicPr>
+          <p:cNvPr id="6" name="그림 5">
+            <a:extLst>
+              <a:ext uri="{FF2B5EF4-FFF2-40B4-BE49-F238E27FC236}">
+                <a16:creationId xmlns:a16="http://schemas.microsoft.com/office/drawing/2014/main" id="{DA1E6CF0-2946-F5E0-B62D-2300E139786B}"/>
+              </a:ext>
+            </a:extLst>
+          </p:cNvPr>
+          <p:cNvPicPr>
+            <a:picLocks noChangeAspect="1"/>
+          </p:cNvPicPr>
+          <p:nvPr/>
+        </p:nvPicPr>
+        <p:blipFill>
+          <a:blip r:embed="rId4"/>
+          <a:stretch>
+            <a:fillRect/>
+          </a:stretch>
+        </p:blipFill>
+        <p:spPr>
+          <a:xfrm>
+            <a:off x="4762363" y="1447535"/>
+            <a:ext cx="5354504" cy="2410290"/>
+          </a:xfrm>
+          <a:prstGeom prst="rect">
+            <a:avLst/>
+          </a:prstGeom>
+        </p:spPr>
+      </p:pic>
+      <p:sp>
+        <p:nvSpPr>
+          <p:cNvPr id="7" name="TextBox 6">
+            <a:extLst>
+              <a:ext uri="{FF2B5EF4-FFF2-40B4-BE49-F238E27FC236}">
+                <a16:creationId xmlns:a16="http://schemas.microsoft.com/office/drawing/2014/main" id="{545C7973-A561-EBA1-AF04-EDB6024AC73E}"/>
+              </a:ext>
+            </a:extLst>
+          </p:cNvPr>
+          <p:cNvSpPr txBox="1"/>
+          <p:nvPr/>
+        </p:nvSpPr>
+        <p:spPr>
+          <a:xfrm>
+            <a:off x="3107092" y="3273050"/>
+            <a:ext cx="1992809" cy="584775"/>
+          </a:xfrm>
+          <a:prstGeom prst="rect">
+            <a:avLst/>
+          </a:prstGeom>
+          <a:noFill/>
+          <a:ln>
+            <a:solidFill>
+              <a:schemeClr val="tx1"/>
+            </a:solidFill>
+          </a:ln>
+        </p:spPr>
+        <p:txBody>
+          <a:bodyPr wrap="square" rtlCol="0">
+            <a:spAutoFit/>
+          </a:bodyPr>
+          <a:lstStyle/>
+          <a:p>
+            <a:r>
+              <a:rPr lang="en-US" altLang="ko-KR" sz="1600" b="1" dirty="0">
+                <a:solidFill>
+                  <a:schemeClr val="tx2">
+                    <a:lumMod val="90000"/>
+                    <a:lumOff val="10000"/>
+                  </a:schemeClr>
+                </a:solidFill>
+              </a:rPr>
+              <a:t>Manipulate</a:t>
+            </a:r>
+          </a:p>
+          <a:p>
+            <a:r>
+              <a:rPr lang="en-US" altLang="ko-KR" sz="1600" b="1" dirty="0">
+                <a:solidFill>
+                  <a:schemeClr val="tx2">
+                    <a:lumMod val="90000"/>
+                    <a:lumOff val="10000"/>
+                  </a:schemeClr>
+                </a:solidFill>
+              </a:rPr>
+              <a:t>For new Equilibria</a:t>
+            </a:r>
+            <a:endParaRPr lang="ko-KR" altLang="en-US" sz="1600" b="1" dirty="0">
+              <a:solidFill>
+                <a:schemeClr val="tx2">
+                  <a:lumMod val="90000"/>
+                  <a:lumOff val="10000"/>
+                </a:schemeClr>
+              </a:solidFill>
+            </a:endParaRPr>
+          </a:p>
+        </p:txBody>
+      </p:sp>
+      <p:cxnSp>
+        <p:nvCxnSpPr>
+          <p:cNvPr id="8" name="직선 화살표 연결선 7">
+            <a:extLst>
+              <a:ext uri="{FF2B5EF4-FFF2-40B4-BE49-F238E27FC236}">
+                <a16:creationId xmlns:a16="http://schemas.microsoft.com/office/drawing/2014/main" id="{24002A42-3F09-0C03-0D45-144BF768F834}"/>
+              </a:ext>
+            </a:extLst>
+          </p:cNvPr>
+          <p:cNvCxnSpPr>
+            <a:cxnSpLocks/>
+          </p:cNvCxnSpPr>
+          <p:nvPr/>
+        </p:nvCxnSpPr>
+        <p:spPr>
+          <a:xfrm flipH="1" flipV="1">
+            <a:off x="2450969" y="2432115"/>
+            <a:ext cx="656124" cy="840935"/>
+          </a:xfrm>
+          <a:prstGeom prst="straightConnector1">
+            <a:avLst/>
+          </a:prstGeom>
+          <a:ln>
+            <a:tailEnd type="triangle"/>
+          </a:ln>
+        </p:spPr>
+        <p:style>
+          <a:lnRef idx="2">
+            <a:schemeClr val="accent1"/>
+          </a:lnRef>
+          <a:fillRef idx="0">
+            <a:schemeClr val="accent1"/>
+          </a:fillRef>
+          <a:effectRef idx="1">
+            <a:schemeClr val="accent1"/>
+          </a:effectRef>
+          <a:fontRef idx="minor">
+            <a:schemeClr val="tx1"/>
+          </a:fontRef>
+        </p:style>
+      </p:cxnSp>
+      <p:pic>
+        <p:nvPicPr>
+          <p:cNvPr id="12" name="그림 11">
+            <a:extLst>
+              <a:ext uri="{FF2B5EF4-FFF2-40B4-BE49-F238E27FC236}">
+                <a16:creationId xmlns:a16="http://schemas.microsoft.com/office/drawing/2014/main" id="{0B8FE1AD-B674-680B-8206-C3EF339B3693}"/>
+              </a:ext>
+            </a:extLst>
+          </p:cNvPr>
+          <p:cNvPicPr>
+            <a:picLocks noChangeAspect="1"/>
+          </p:cNvPicPr>
+          <p:nvPr/>
+        </p:nvPicPr>
+        <p:blipFill>
+          <a:blip r:embed="rId5"/>
+          <a:stretch>
+            <a:fillRect/>
+          </a:stretch>
+        </p:blipFill>
+        <p:spPr>
+          <a:xfrm>
+            <a:off x="3258954" y="2471669"/>
+            <a:ext cx="925582" cy="761825"/>
+          </a:xfrm>
+          <a:prstGeom prst="rect">
+            <a:avLst/>
+          </a:prstGeom>
+        </p:spPr>
+      </p:pic>
+      <p:pic>
+        <p:nvPicPr>
+          <p:cNvPr id="14" name="그림 13">
+            <a:extLst>
+              <a:ext uri="{FF2B5EF4-FFF2-40B4-BE49-F238E27FC236}">
+                <a16:creationId xmlns:a16="http://schemas.microsoft.com/office/drawing/2014/main" id="{0F19ACFA-3E46-7736-D3CB-D209ADEE0219}"/>
+              </a:ext>
+            </a:extLst>
+          </p:cNvPr>
+          <p:cNvPicPr>
+            <a:picLocks noChangeAspect="1"/>
+          </p:cNvPicPr>
+          <p:nvPr/>
+        </p:nvPicPr>
+        <p:blipFill>
+          <a:blip r:embed="rId6"/>
+          <a:stretch>
+            <a:fillRect/>
+          </a:stretch>
+        </p:blipFill>
+        <p:spPr>
+          <a:xfrm>
+            <a:off x="679227" y="4956381"/>
+            <a:ext cx="3138629" cy="908168"/>
+          </a:xfrm>
+          <a:prstGeom prst="rect">
+            <a:avLst/>
+          </a:prstGeom>
+        </p:spPr>
+      </p:pic>
+      <p:sp>
+        <p:nvSpPr>
+          <p:cNvPr id="15" name="TextBox 14">
+            <a:extLst>
+              <a:ext uri="{FF2B5EF4-FFF2-40B4-BE49-F238E27FC236}">
+                <a16:creationId xmlns:a16="http://schemas.microsoft.com/office/drawing/2014/main" id="{8FA3EF5F-064F-2091-B795-5C8C464429E4}"/>
+              </a:ext>
+            </a:extLst>
+          </p:cNvPr>
+          <p:cNvSpPr txBox="1"/>
+          <p:nvPr/>
+        </p:nvSpPr>
+        <p:spPr>
+          <a:xfrm>
+            <a:off x="339862" y="4264955"/>
+            <a:ext cx="2393911" cy="461665"/>
+          </a:xfrm>
+          <a:prstGeom prst="rect">
+            <a:avLst/>
+          </a:prstGeom>
+          <a:noFill/>
+        </p:spPr>
+        <p:txBody>
+          <a:bodyPr wrap="square" rtlCol="0">
+            <a:spAutoFit/>
+          </a:bodyPr>
+          <a:lstStyle/>
+          <a:p>
+            <a:r>
+              <a:rPr lang="en-US" altLang="ko-KR" sz="2400" b="1" dirty="0"/>
+              <a:t>Stabilization</a:t>
+            </a:r>
+            <a:endParaRPr lang="ko-KR" altLang="en-US" sz="2400" b="1" dirty="0"/>
+          </a:p>
+        </p:txBody>
+      </p:sp>
+      <p:sp>
+        <p:nvSpPr>
+          <p:cNvPr id="16" name="TextBox 15">
+            <a:extLst>
+              <a:ext uri="{FF2B5EF4-FFF2-40B4-BE49-F238E27FC236}">
+                <a16:creationId xmlns:a16="http://schemas.microsoft.com/office/drawing/2014/main" id="{67A6BF54-5FFB-9614-9557-F8A497404798}"/>
+              </a:ext>
+            </a:extLst>
+          </p:cNvPr>
+          <p:cNvSpPr txBox="1"/>
+          <p:nvPr/>
+        </p:nvSpPr>
+        <p:spPr>
+          <a:xfrm>
+            <a:off x="2436076" y="5950546"/>
+            <a:ext cx="3138629" cy="584775"/>
+          </a:xfrm>
+          <a:prstGeom prst="rect">
+            <a:avLst/>
+          </a:prstGeom>
+          <a:noFill/>
+          <a:ln>
+            <a:solidFill>
+              <a:schemeClr val="tx1"/>
+            </a:solidFill>
+          </a:ln>
+        </p:spPr>
+        <p:txBody>
+          <a:bodyPr wrap="square" rtlCol="0">
+            <a:spAutoFit/>
+          </a:bodyPr>
+          <a:lstStyle/>
+          <a:p>
+            <a:r>
+              <a:rPr lang="en-US" altLang="ko-KR" sz="1600" b="1" dirty="0">
+                <a:solidFill>
+                  <a:schemeClr val="tx2">
+                    <a:lumMod val="90000"/>
+                    <a:lumOff val="10000"/>
+                  </a:schemeClr>
+                </a:solidFill>
+              </a:rPr>
+              <a:t>Find control signal that satisfy new equilibria state x*</a:t>
+            </a:r>
+            <a:endParaRPr lang="ko-KR" altLang="en-US" sz="1600" b="1" dirty="0">
+              <a:solidFill>
+                <a:schemeClr val="tx2">
+                  <a:lumMod val="90000"/>
+                  <a:lumOff val="10000"/>
+                </a:schemeClr>
+              </a:solidFill>
+            </a:endParaRPr>
+          </a:p>
+        </p:txBody>
+      </p:sp>
+      <p:cxnSp>
+        <p:nvCxnSpPr>
+          <p:cNvPr id="17" name="직선 화살표 연결선 16">
+            <a:extLst>
+              <a:ext uri="{FF2B5EF4-FFF2-40B4-BE49-F238E27FC236}">
+                <a16:creationId xmlns:a16="http://schemas.microsoft.com/office/drawing/2014/main" id="{7CD2B603-AB99-ACBF-AC12-04D22891FFE4}"/>
+              </a:ext>
+            </a:extLst>
+          </p:cNvPr>
+          <p:cNvCxnSpPr>
+            <a:cxnSpLocks/>
+          </p:cNvCxnSpPr>
+          <p:nvPr/>
+        </p:nvCxnSpPr>
+        <p:spPr>
+          <a:xfrm flipH="1" flipV="1">
+            <a:off x="2328421" y="5693790"/>
+            <a:ext cx="107655" cy="287160"/>
+          </a:xfrm>
+          <a:prstGeom prst="straightConnector1">
+            <a:avLst/>
+          </a:prstGeom>
+          <a:ln>
+            <a:tailEnd type="triangle"/>
+          </a:ln>
+        </p:spPr>
+        <p:style>
+          <a:lnRef idx="2">
+            <a:schemeClr val="accent1"/>
+          </a:lnRef>
+          <a:fillRef idx="0">
+            <a:schemeClr val="accent1"/>
+          </a:fillRef>
+          <a:effectRef idx="1">
+            <a:schemeClr val="accent1"/>
+          </a:effectRef>
+          <a:fontRef idx="minor">
+            <a:schemeClr val="tx1"/>
+          </a:fontRef>
+        </p:style>
+      </p:cxnSp>
     </p:spTree>
     <p:extLst>
       <p:ext uri="{BB962C8B-B14F-4D97-AF65-F5344CB8AC3E}">
-        <p14:creationId xmlns:p14="http://schemas.microsoft.com/office/powerpoint/2010/main" val="1744233818"/>
+        <p14:creationId xmlns:p14="http://schemas.microsoft.com/office/powerpoint/2010/main" val="4197881068"/>
+      </p:ext>
+    </p:extLst>
+  </p:cSld>
+  <p:clrMapOvr>
+    <a:masterClrMapping/>
+  </p:clrMapOvr>
+</p:sld>
+</file>
+
+<file path=ppt/slides/slide9.xml><?xml version="1.0" encoding="utf-8"?>
+<p:sld xmlns:a="http://schemas.openxmlformats.org/drawingml/2006/main" xmlns:r="http://schemas.openxmlformats.org/officeDocument/2006/relationships" xmlns:p="http://schemas.openxmlformats.org/presentationml/2006/main">
+  <p:cSld>
+    <p:spTree>
+      <p:nvGrpSpPr>
+        <p:cNvPr id="1" name=""/>
+        <p:cNvGrpSpPr/>
+        <p:nvPr/>
+      </p:nvGrpSpPr>
+      <p:grpSpPr>
+        <a:xfrm>
+          <a:off x="0" y="0"/>
+          <a:ext cx="0" cy="0"/>
+          <a:chOff x="0" y="0"/>
+          <a:chExt cx="0" cy="0"/>
+        </a:xfrm>
+      </p:grpSpPr>
+      <p:pic>
+        <p:nvPicPr>
+          <p:cNvPr id="5" name="그림 4">
+            <a:extLst>
+              <a:ext uri="{FF2B5EF4-FFF2-40B4-BE49-F238E27FC236}">
+                <a16:creationId xmlns:a16="http://schemas.microsoft.com/office/drawing/2014/main" id="{7CDD5D78-987D-6590-4034-71B23F2566CB}"/>
+              </a:ext>
+            </a:extLst>
+          </p:cNvPr>
+          <p:cNvPicPr>
+            <a:picLocks noChangeAspect="1"/>
+          </p:cNvPicPr>
+          <p:nvPr/>
+        </p:nvPicPr>
+        <p:blipFill>
+          <a:blip r:embed="rId3"/>
+          <a:stretch>
+            <a:fillRect/>
+          </a:stretch>
+        </p:blipFill>
+        <p:spPr>
+          <a:xfrm>
+            <a:off x="383863" y="1208189"/>
+            <a:ext cx="5190842" cy="2331274"/>
+          </a:xfrm>
+          <a:prstGeom prst="rect">
+            <a:avLst/>
+          </a:prstGeom>
+        </p:spPr>
+      </p:pic>
+      <p:sp>
+        <p:nvSpPr>
+          <p:cNvPr id="40" name="TextBox 39">
+            <a:extLst>
+              <a:ext uri="{FF2B5EF4-FFF2-40B4-BE49-F238E27FC236}">
+                <a16:creationId xmlns:a16="http://schemas.microsoft.com/office/drawing/2014/main" id="{85DAE52B-DD45-3A36-8908-FEC2974F4D61}"/>
+              </a:ext>
+            </a:extLst>
+          </p:cNvPr>
+          <p:cNvSpPr txBox="1"/>
+          <p:nvPr/>
+        </p:nvSpPr>
+        <p:spPr>
+          <a:xfrm>
+            <a:off x="0" y="-16042"/>
+            <a:ext cx="3107093" cy="523220"/>
+          </a:xfrm>
+          <a:prstGeom prst="rect">
+            <a:avLst/>
+          </a:prstGeom>
+          <a:noFill/>
+        </p:spPr>
+        <p:txBody>
+          <a:bodyPr wrap="square" rtlCol="0">
+            <a:spAutoFit/>
+          </a:bodyPr>
+          <a:lstStyle/>
+          <a:p>
+            <a:r>
+              <a:rPr lang="en-US" altLang="ko-KR" sz="2800" b="1" dirty="0"/>
+              <a:t>Lec1. Dynamics</a:t>
+            </a:r>
+            <a:endParaRPr lang="ko-KR" altLang="en-US" sz="2800" b="1" dirty="0"/>
+          </a:p>
+        </p:txBody>
+      </p:sp>
+      <p:sp>
+        <p:nvSpPr>
+          <p:cNvPr id="2" name="TextBox 1">
+            <a:extLst>
+              <a:ext uri="{FF2B5EF4-FFF2-40B4-BE49-F238E27FC236}">
+                <a16:creationId xmlns:a16="http://schemas.microsoft.com/office/drawing/2014/main" id="{2B86EA7F-A9E3-B0EE-E582-296DF56A025B}"/>
+              </a:ext>
+            </a:extLst>
+          </p:cNvPr>
+          <p:cNvSpPr txBox="1"/>
+          <p:nvPr/>
+        </p:nvSpPr>
+        <p:spPr>
+          <a:xfrm>
+            <a:off x="339862" y="746524"/>
+            <a:ext cx="11349375" cy="461665"/>
+          </a:xfrm>
+          <a:prstGeom prst="rect">
+            <a:avLst/>
+          </a:prstGeom>
+          <a:noFill/>
+        </p:spPr>
+        <p:txBody>
+          <a:bodyPr wrap="square" rtlCol="0">
+            <a:spAutoFit/>
+          </a:bodyPr>
+          <a:lstStyle/>
+          <a:p>
+            <a:r>
+              <a:rPr lang="en-US" altLang="ko-KR" sz="2400" b="1" dirty="0"/>
+              <a:t>Stability of Equilibria</a:t>
+            </a:r>
+            <a:endParaRPr lang="ko-KR" altLang="en-US" sz="2400" b="1" dirty="0"/>
+          </a:p>
+        </p:txBody>
+      </p:sp>
+      <p:sp>
+        <p:nvSpPr>
+          <p:cNvPr id="7" name="TextBox 6">
+            <a:extLst>
+              <a:ext uri="{FF2B5EF4-FFF2-40B4-BE49-F238E27FC236}">
+                <a16:creationId xmlns:a16="http://schemas.microsoft.com/office/drawing/2014/main" id="{545C7973-A561-EBA1-AF04-EDB6024AC73E}"/>
+              </a:ext>
+            </a:extLst>
+          </p:cNvPr>
+          <p:cNvSpPr txBox="1"/>
+          <p:nvPr/>
+        </p:nvSpPr>
+        <p:spPr>
+          <a:xfrm>
+            <a:off x="3107094" y="3133496"/>
+            <a:ext cx="1464912" cy="338554"/>
+          </a:xfrm>
+          <a:prstGeom prst="rect">
+            <a:avLst/>
+          </a:prstGeom>
+          <a:noFill/>
+          <a:ln>
+            <a:solidFill>
+              <a:schemeClr val="tx1"/>
+            </a:solidFill>
+          </a:ln>
+        </p:spPr>
+        <p:txBody>
+          <a:bodyPr wrap="square" rtlCol="0">
+            <a:spAutoFit/>
+          </a:bodyPr>
+          <a:lstStyle/>
+          <a:p>
+            <a:r>
+              <a:rPr lang="en-US" altLang="ko-KR" sz="1600" b="1" dirty="0">
+                <a:solidFill>
+                  <a:schemeClr val="tx2">
+                    <a:lumMod val="90000"/>
+                    <a:lumOff val="10000"/>
+                  </a:schemeClr>
+                </a:solidFill>
+              </a:rPr>
+              <a:t>Stable Point</a:t>
+            </a:r>
+            <a:endParaRPr lang="ko-KR" altLang="en-US" sz="1600" b="1" dirty="0">
+              <a:solidFill>
+                <a:schemeClr val="tx2">
+                  <a:lumMod val="90000"/>
+                  <a:lumOff val="10000"/>
+                </a:schemeClr>
+              </a:solidFill>
+            </a:endParaRPr>
+          </a:p>
+        </p:txBody>
+      </p:sp>
+      <p:cxnSp>
+        <p:nvCxnSpPr>
+          <p:cNvPr id="8" name="직선 화살표 연결선 7">
+            <a:extLst>
+              <a:ext uri="{FF2B5EF4-FFF2-40B4-BE49-F238E27FC236}">
+                <a16:creationId xmlns:a16="http://schemas.microsoft.com/office/drawing/2014/main" id="{24002A42-3F09-0C03-0D45-144BF768F834}"/>
+              </a:ext>
+            </a:extLst>
+          </p:cNvPr>
+          <p:cNvCxnSpPr>
+            <a:cxnSpLocks/>
+          </p:cNvCxnSpPr>
+          <p:nvPr/>
+        </p:nvCxnSpPr>
+        <p:spPr>
+          <a:xfrm flipH="1" flipV="1">
+            <a:off x="2900218" y="2558473"/>
+            <a:ext cx="206876" cy="575023"/>
+          </a:xfrm>
+          <a:prstGeom prst="straightConnector1">
+            <a:avLst/>
+          </a:prstGeom>
+          <a:ln>
+            <a:tailEnd type="triangle"/>
+          </a:ln>
+        </p:spPr>
+        <p:style>
+          <a:lnRef idx="2">
+            <a:schemeClr val="accent1"/>
+          </a:lnRef>
+          <a:fillRef idx="0">
+            <a:schemeClr val="accent1"/>
+          </a:fillRef>
+          <a:effectRef idx="1">
+            <a:schemeClr val="accent1"/>
+          </a:effectRef>
+          <a:fontRef idx="minor">
+            <a:schemeClr val="tx1"/>
+          </a:fontRef>
+        </p:style>
+      </p:cxnSp>
+      <p:pic>
+        <p:nvPicPr>
+          <p:cNvPr id="10" name="그림 9">
+            <a:extLst>
+              <a:ext uri="{FF2B5EF4-FFF2-40B4-BE49-F238E27FC236}">
+                <a16:creationId xmlns:a16="http://schemas.microsoft.com/office/drawing/2014/main" id="{98DAF88F-A3BD-20BE-1EA9-93B6BF422801}"/>
+              </a:ext>
+            </a:extLst>
+          </p:cNvPr>
+          <p:cNvPicPr>
+            <a:picLocks noChangeAspect="1"/>
+          </p:cNvPicPr>
+          <p:nvPr/>
+        </p:nvPicPr>
+        <p:blipFill>
+          <a:blip r:embed="rId4"/>
+          <a:stretch>
+            <a:fillRect/>
+          </a:stretch>
+        </p:blipFill>
+        <p:spPr>
+          <a:xfrm>
+            <a:off x="135354" y="1098443"/>
+            <a:ext cx="1219938" cy="807683"/>
+          </a:xfrm>
+          <a:prstGeom prst="rect">
+            <a:avLst/>
+          </a:prstGeom>
+        </p:spPr>
+      </p:pic>
+      <p:sp>
+        <p:nvSpPr>
+          <p:cNvPr id="18" name="TextBox 17">
+            <a:extLst>
+              <a:ext uri="{FF2B5EF4-FFF2-40B4-BE49-F238E27FC236}">
+                <a16:creationId xmlns:a16="http://schemas.microsoft.com/office/drawing/2014/main" id="{B4F3903E-27DF-545B-D1C1-D36D777A3F30}"/>
+              </a:ext>
+            </a:extLst>
+          </p:cNvPr>
+          <p:cNvSpPr txBox="1"/>
+          <p:nvPr/>
+        </p:nvSpPr>
+        <p:spPr>
+          <a:xfrm>
+            <a:off x="1078201" y="3122578"/>
+            <a:ext cx="1617870" cy="338554"/>
+          </a:xfrm>
+          <a:prstGeom prst="rect">
+            <a:avLst/>
+          </a:prstGeom>
+          <a:noFill/>
+          <a:ln>
+            <a:solidFill>
+              <a:schemeClr val="tx1"/>
+            </a:solidFill>
+          </a:ln>
+        </p:spPr>
+        <p:txBody>
+          <a:bodyPr wrap="square" rtlCol="0">
+            <a:spAutoFit/>
+          </a:bodyPr>
+          <a:lstStyle/>
+          <a:p>
+            <a:r>
+              <a:rPr lang="en-US" altLang="ko-KR" sz="1600" b="1" dirty="0">
+                <a:solidFill>
+                  <a:srgbClr val="C00000"/>
+                </a:solidFill>
+              </a:rPr>
+              <a:t>Unstable Point</a:t>
+            </a:r>
+            <a:endParaRPr lang="ko-KR" altLang="en-US" sz="1600" b="1" dirty="0">
+              <a:solidFill>
+                <a:srgbClr val="C00000"/>
+              </a:solidFill>
+            </a:endParaRPr>
+          </a:p>
+        </p:txBody>
+      </p:sp>
+      <p:cxnSp>
+        <p:nvCxnSpPr>
+          <p:cNvPr id="19" name="직선 화살표 연결선 18">
+            <a:extLst>
+              <a:ext uri="{FF2B5EF4-FFF2-40B4-BE49-F238E27FC236}">
+                <a16:creationId xmlns:a16="http://schemas.microsoft.com/office/drawing/2014/main" id="{14BD7B74-D5DA-B4FA-354B-86836BFDD359}"/>
+              </a:ext>
+            </a:extLst>
+          </p:cNvPr>
+          <p:cNvCxnSpPr>
+            <a:cxnSpLocks/>
+          </p:cNvCxnSpPr>
+          <p:nvPr/>
+        </p:nvCxnSpPr>
+        <p:spPr>
+          <a:xfrm flipH="1" flipV="1">
+            <a:off x="871325" y="2547555"/>
+            <a:ext cx="206876" cy="575023"/>
+          </a:xfrm>
+          <a:prstGeom prst="straightConnector1">
+            <a:avLst/>
+          </a:prstGeom>
+          <a:ln>
+            <a:solidFill>
+              <a:srgbClr val="FF0000"/>
+            </a:solidFill>
+            <a:tailEnd type="triangle"/>
+          </a:ln>
+        </p:spPr>
+        <p:style>
+          <a:lnRef idx="2">
+            <a:schemeClr val="accent1"/>
+          </a:lnRef>
+          <a:fillRef idx="0">
+            <a:schemeClr val="accent1"/>
+          </a:fillRef>
+          <a:effectRef idx="1">
+            <a:schemeClr val="accent1"/>
+          </a:effectRef>
+          <a:fontRef idx="minor">
+            <a:schemeClr val="tx1"/>
+          </a:fontRef>
+        </p:style>
+      </p:cxnSp>
+      <p:sp>
+        <p:nvSpPr>
+          <p:cNvPr id="20" name="TextBox 19">
+            <a:extLst>
+              <a:ext uri="{FF2B5EF4-FFF2-40B4-BE49-F238E27FC236}">
+                <a16:creationId xmlns:a16="http://schemas.microsoft.com/office/drawing/2014/main" id="{C13301FB-2BBB-E753-4FF2-D88F2EF64A96}"/>
+              </a:ext>
+            </a:extLst>
+          </p:cNvPr>
+          <p:cNvSpPr txBox="1"/>
+          <p:nvPr/>
+        </p:nvSpPr>
+        <p:spPr>
+          <a:xfrm>
+            <a:off x="5129854" y="3090446"/>
+            <a:ext cx="1617870" cy="338554"/>
+          </a:xfrm>
+          <a:prstGeom prst="rect">
+            <a:avLst/>
+          </a:prstGeom>
+          <a:noFill/>
+          <a:ln>
+            <a:solidFill>
+              <a:schemeClr val="tx1"/>
+            </a:solidFill>
+          </a:ln>
+        </p:spPr>
+        <p:txBody>
+          <a:bodyPr wrap="square" rtlCol="0">
+            <a:spAutoFit/>
+          </a:bodyPr>
+          <a:lstStyle/>
+          <a:p>
+            <a:r>
+              <a:rPr lang="en-US" altLang="ko-KR" sz="1600" b="1" dirty="0">
+                <a:solidFill>
+                  <a:srgbClr val="C00000"/>
+                </a:solidFill>
+              </a:rPr>
+              <a:t>Unstable Point</a:t>
+            </a:r>
+            <a:endParaRPr lang="ko-KR" altLang="en-US" sz="1600" b="1" dirty="0">
+              <a:solidFill>
+                <a:srgbClr val="C00000"/>
+              </a:solidFill>
+            </a:endParaRPr>
+          </a:p>
+        </p:txBody>
+      </p:sp>
+      <p:cxnSp>
+        <p:nvCxnSpPr>
+          <p:cNvPr id="21" name="직선 화살표 연결선 20">
+            <a:extLst>
+              <a:ext uri="{FF2B5EF4-FFF2-40B4-BE49-F238E27FC236}">
+                <a16:creationId xmlns:a16="http://schemas.microsoft.com/office/drawing/2014/main" id="{A329DDCC-DB80-3F21-47E7-79AF4A6D4C14}"/>
+              </a:ext>
+            </a:extLst>
+          </p:cNvPr>
+          <p:cNvCxnSpPr>
+            <a:cxnSpLocks/>
+          </p:cNvCxnSpPr>
+          <p:nvPr/>
+        </p:nvCxnSpPr>
+        <p:spPr>
+          <a:xfrm flipH="1" flipV="1">
+            <a:off x="4922978" y="2515423"/>
+            <a:ext cx="206876" cy="575023"/>
+          </a:xfrm>
+          <a:prstGeom prst="straightConnector1">
+            <a:avLst/>
+          </a:prstGeom>
+          <a:ln>
+            <a:solidFill>
+              <a:srgbClr val="FF0000"/>
+            </a:solidFill>
+            <a:tailEnd type="triangle"/>
+          </a:ln>
+        </p:spPr>
+        <p:style>
+          <a:lnRef idx="2">
+            <a:schemeClr val="accent1"/>
+          </a:lnRef>
+          <a:fillRef idx="0">
+            <a:schemeClr val="accent1"/>
+          </a:fillRef>
+          <a:effectRef idx="1">
+            <a:schemeClr val="accent1"/>
+          </a:effectRef>
+          <a:fontRef idx="minor">
+            <a:schemeClr val="tx1"/>
+          </a:fontRef>
+        </p:style>
+      </p:cxnSp>
+      <p:sp>
+        <p:nvSpPr>
+          <p:cNvPr id="22" name="화살표: 오른쪽 21">
+            <a:extLst>
+              <a:ext uri="{FF2B5EF4-FFF2-40B4-BE49-F238E27FC236}">
+                <a16:creationId xmlns:a16="http://schemas.microsoft.com/office/drawing/2014/main" id="{BA2EB70F-3D3A-7F1D-67FA-8DD2C2028144}"/>
+              </a:ext>
+            </a:extLst>
+          </p:cNvPr>
+          <p:cNvSpPr/>
+          <p:nvPr/>
+        </p:nvSpPr>
+        <p:spPr>
+          <a:xfrm>
+            <a:off x="2117421" y="1841830"/>
+            <a:ext cx="637310" cy="315677"/>
+          </a:xfrm>
+          <a:prstGeom prst="rightArrow">
+            <a:avLst/>
+          </a:prstGeom>
+        </p:spPr>
+        <p:style>
+          <a:lnRef idx="2">
+            <a:schemeClr val="accent1">
+              <a:shade val="15000"/>
+            </a:schemeClr>
+          </a:lnRef>
+          <a:fillRef idx="1">
+            <a:schemeClr val="accent1"/>
+          </a:fillRef>
+          <a:effectRef idx="0">
+            <a:schemeClr val="accent1"/>
+          </a:effectRef>
+          <a:fontRef idx="minor">
+            <a:schemeClr val="lt1"/>
+          </a:fontRef>
+        </p:style>
+        <p:txBody>
+          <a:bodyPr rtlCol="0" anchor="ctr"/>
+          <a:lstStyle/>
+          <a:p>
+            <a:pPr algn="ctr"/>
+            <a:endParaRPr lang="ko-KR" altLang="en-US"/>
+          </a:p>
+        </p:txBody>
+      </p:sp>
+      <p:sp>
+        <p:nvSpPr>
+          <p:cNvPr id="23" name="화살표: 오른쪽 22">
+            <a:extLst>
+              <a:ext uri="{FF2B5EF4-FFF2-40B4-BE49-F238E27FC236}">
+                <a16:creationId xmlns:a16="http://schemas.microsoft.com/office/drawing/2014/main" id="{327CD09E-DB5A-DEFF-C866-BA63D6DBF92F}"/>
+              </a:ext>
+            </a:extLst>
+          </p:cNvPr>
+          <p:cNvSpPr/>
+          <p:nvPr/>
+        </p:nvSpPr>
+        <p:spPr>
+          <a:xfrm rot="10800000">
+            <a:off x="2923866" y="1836829"/>
+            <a:ext cx="637310" cy="315677"/>
+          </a:xfrm>
+          <a:prstGeom prst="rightArrow">
+            <a:avLst/>
+          </a:prstGeom>
+        </p:spPr>
+        <p:style>
+          <a:lnRef idx="2">
+            <a:schemeClr val="accent1">
+              <a:shade val="15000"/>
+            </a:schemeClr>
+          </a:lnRef>
+          <a:fillRef idx="1">
+            <a:schemeClr val="accent1"/>
+          </a:fillRef>
+          <a:effectRef idx="0">
+            <a:schemeClr val="accent1"/>
+          </a:effectRef>
+          <a:fontRef idx="minor">
+            <a:schemeClr val="lt1"/>
+          </a:fontRef>
+        </p:style>
+        <p:txBody>
+          <a:bodyPr rtlCol="0" anchor="ctr"/>
+          <a:lstStyle/>
+          <a:p>
+            <a:pPr algn="ctr"/>
+            <a:endParaRPr lang="ko-KR" altLang="en-US"/>
+          </a:p>
+        </p:txBody>
+      </p:sp>
+      <p:sp>
+        <p:nvSpPr>
+          <p:cNvPr id="24" name="화살표: 오른쪽 23">
+            <a:extLst>
+              <a:ext uri="{FF2B5EF4-FFF2-40B4-BE49-F238E27FC236}">
+                <a16:creationId xmlns:a16="http://schemas.microsoft.com/office/drawing/2014/main" id="{23C03D67-98BC-8DE5-F967-CB3F24EDF009}"/>
+              </a:ext>
+            </a:extLst>
+          </p:cNvPr>
+          <p:cNvSpPr/>
+          <p:nvPr/>
+        </p:nvSpPr>
+        <p:spPr>
+          <a:xfrm rot="10800000">
+            <a:off x="4112033" y="1841829"/>
+            <a:ext cx="637310" cy="315677"/>
+          </a:xfrm>
+          <a:prstGeom prst="rightArrow">
+            <a:avLst/>
+          </a:prstGeom>
+          <a:solidFill>
+            <a:srgbClr val="FF0000"/>
+          </a:solidFill>
+          <a:ln>
+            <a:solidFill>
+              <a:srgbClr val="C00000"/>
+            </a:solidFill>
+          </a:ln>
+        </p:spPr>
+        <p:style>
+          <a:lnRef idx="2">
+            <a:schemeClr val="accent1">
+              <a:shade val="15000"/>
+            </a:schemeClr>
+          </a:lnRef>
+          <a:fillRef idx="1">
+            <a:schemeClr val="accent1"/>
+          </a:fillRef>
+          <a:effectRef idx="0">
+            <a:schemeClr val="accent1"/>
+          </a:effectRef>
+          <a:fontRef idx="minor">
+            <a:schemeClr val="lt1"/>
+          </a:fontRef>
+        </p:style>
+        <p:txBody>
+          <a:bodyPr rtlCol="0" anchor="ctr"/>
+          <a:lstStyle/>
+          <a:p>
+            <a:pPr algn="ctr"/>
+            <a:endParaRPr lang="ko-KR" altLang="en-US"/>
+          </a:p>
+        </p:txBody>
+      </p:sp>
+      <p:sp>
+        <p:nvSpPr>
+          <p:cNvPr id="25" name="화살표: 오른쪽 24">
+            <a:extLst>
+              <a:ext uri="{FF2B5EF4-FFF2-40B4-BE49-F238E27FC236}">
+                <a16:creationId xmlns:a16="http://schemas.microsoft.com/office/drawing/2014/main" id="{91FB43D5-5977-AA81-A619-30836CEC79AA}"/>
+              </a:ext>
+            </a:extLst>
+          </p:cNvPr>
+          <p:cNvSpPr/>
+          <p:nvPr/>
+        </p:nvSpPr>
+        <p:spPr>
+          <a:xfrm rot="10800000">
+            <a:off x="108013" y="1836829"/>
+            <a:ext cx="637310" cy="315677"/>
+          </a:xfrm>
+          <a:prstGeom prst="rightArrow">
+            <a:avLst/>
+          </a:prstGeom>
+          <a:solidFill>
+            <a:srgbClr val="FF0000"/>
+          </a:solidFill>
+          <a:ln>
+            <a:solidFill>
+              <a:srgbClr val="C00000"/>
+            </a:solidFill>
+          </a:ln>
+        </p:spPr>
+        <p:style>
+          <a:lnRef idx="2">
+            <a:schemeClr val="accent1">
+              <a:shade val="15000"/>
+            </a:schemeClr>
+          </a:lnRef>
+          <a:fillRef idx="1">
+            <a:schemeClr val="accent1"/>
+          </a:fillRef>
+          <a:effectRef idx="0">
+            <a:schemeClr val="accent1"/>
+          </a:effectRef>
+          <a:fontRef idx="minor">
+            <a:schemeClr val="lt1"/>
+          </a:fontRef>
+        </p:style>
+        <p:txBody>
+          <a:bodyPr rtlCol="0" anchor="ctr"/>
+          <a:lstStyle/>
+          <a:p>
+            <a:pPr algn="ctr"/>
+            <a:endParaRPr lang="ko-KR" altLang="en-US"/>
+          </a:p>
+        </p:txBody>
+      </p:sp>
+      <p:sp>
+        <p:nvSpPr>
+          <p:cNvPr id="26" name="화살표: 오른쪽 25">
+            <a:extLst>
+              <a:ext uri="{FF2B5EF4-FFF2-40B4-BE49-F238E27FC236}">
+                <a16:creationId xmlns:a16="http://schemas.microsoft.com/office/drawing/2014/main" id="{39DC07AC-6F9D-A50E-7B55-15255C0D619E}"/>
+              </a:ext>
+            </a:extLst>
+          </p:cNvPr>
+          <p:cNvSpPr/>
+          <p:nvPr/>
+        </p:nvSpPr>
+        <p:spPr>
+          <a:xfrm>
+            <a:off x="887116" y="1841828"/>
+            <a:ext cx="637310" cy="315677"/>
+          </a:xfrm>
+          <a:prstGeom prst="rightArrow">
+            <a:avLst/>
+          </a:prstGeom>
+          <a:solidFill>
+            <a:srgbClr val="FF0000"/>
+          </a:solidFill>
+          <a:ln>
+            <a:solidFill>
+              <a:srgbClr val="C00000"/>
+            </a:solidFill>
+          </a:ln>
+        </p:spPr>
+        <p:style>
+          <a:lnRef idx="2">
+            <a:schemeClr val="accent1">
+              <a:shade val="15000"/>
+            </a:schemeClr>
+          </a:lnRef>
+          <a:fillRef idx="1">
+            <a:schemeClr val="accent1"/>
+          </a:fillRef>
+          <a:effectRef idx="0">
+            <a:schemeClr val="accent1"/>
+          </a:effectRef>
+          <a:fontRef idx="minor">
+            <a:schemeClr val="lt1"/>
+          </a:fontRef>
+        </p:style>
+        <p:txBody>
+          <a:bodyPr rtlCol="0" anchor="ctr"/>
+          <a:lstStyle/>
+          <a:p>
+            <a:pPr algn="ctr"/>
+            <a:endParaRPr lang="ko-KR" altLang="en-US"/>
+          </a:p>
+        </p:txBody>
+      </p:sp>
+      <p:sp>
+        <p:nvSpPr>
+          <p:cNvPr id="27" name="화살표: 오른쪽 26">
+            <a:extLst>
+              <a:ext uri="{FF2B5EF4-FFF2-40B4-BE49-F238E27FC236}">
+                <a16:creationId xmlns:a16="http://schemas.microsoft.com/office/drawing/2014/main" id="{6D15BE05-D038-5482-30A4-25DC2B84438F}"/>
+              </a:ext>
+            </a:extLst>
+          </p:cNvPr>
+          <p:cNvSpPr/>
+          <p:nvPr/>
+        </p:nvSpPr>
+        <p:spPr>
+          <a:xfrm>
+            <a:off x="4960615" y="1836829"/>
+            <a:ext cx="637310" cy="315677"/>
+          </a:xfrm>
+          <a:prstGeom prst="rightArrow">
+            <a:avLst/>
+          </a:prstGeom>
+          <a:solidFill>
+            <a:srgbClr val="FF0000"/>
+          </a:solidFill>
+          <a:ln>
+            <a:solidFill>
+              <a:srgbClr val="C00000"/>
+            </a:solidFill>
+          </a:ln>
+        </p:spPr>
+        <p:style>
+          <a:lnRef idx="2">
+            <a:schemeClr val="accent1">
+              <a:shade val="15000"/>
+            </a:schemeClr>
+          </a:lnRef>
+          <a:fillRef idx="1">
+            <a:schemeClr val="accent1"/>
+          </a:fillRef>
+          <a:effectRef idx="0">
+            <a:schemeClr val="accent1"/>
+          </a:effectRef>
+          <a:fontRef idx="minor">
+            <a:schemeClr val="lt1"/>
+          </a:fontRef>
+        </p:style>
+        <p:txBody>
+          <a:bodyPr rtlCol="0" anchor="ctr"/>
+          <a:lstStyle/>
+          <a:p>
+            <a:pPr algn="ctr"/>
+            <a:endParaRPr lang="ko-KR" altLang="en-US"/>
+          </a:p>
+        </p:txBody>
+      </p:sp>
+      <p:pic>
+        <p:nvPicPr>
+          <p:cNvPr id="29" name="그림 28">
+            <a:extLst>
+              <a:ext uri="{FF2B5EF4-FFF2-40B4-BE49-F238E27FC236}">
+                <a16:creationId xmlns:a16="http://schemas.microsoft.com/office/drawing/2014/main" id="{D3D6B685-A316-58D9-AA8D-6F591A3A254E}"/>
+              </a:ext>
+            </a:extLst>
+          </p:cNvPr>
+          <p:cNvPicPr>
+            <a:picLocks noChangeAspect="1"/>
+          </p:cNvPicPr>
+          <p:nvPr/>
+        </p:nvPicPr>
+        <p:blipFill>
+          <a:blip r:embed="rId5"/>
+          <a:stretch>
+            <a:fillRect/>
+          </a:stretch>
+        </p:blipFill>
+        <p:spPr>
+          <a:xfrm>
+            <a:off x="7318448" y="1208189"/>
+            <a:ext cx="2520411" cy="1194508"/>
+          </a:xfrm>
+          <a:prstGeom prst="rect">
+            <a:avLst/>
+          </a:prstGeom>
+          <a:ln>
+            <a:solidFill>
+              <a:srgbClr val="002060"/>
+            </a:solidFill>
+          </a:ln>
+        </p:spPr>
+      </p:pic>
+      <p:sp>
+        <p:nvSpPr>
+          <p:cNvPr id="31" name="TextBox 30">
+            <a:extLst>
+              <a:ext uri="{FF2B5EF4-FFF2-40B4-BE49-F238E27FC236}">
+                <a16:creationId xmlns:a16="http://schemas.microsoft.com/office/drawing/2014/main" id="{D6052FDA-9EF7-2DC2-4175-6B5E89E28DCE}"/>
+              </a:ext>
+            </a:extLst>
+          </p:cNvPr>
+          <p:cNvSpPr txBox="1"/>
+          <p:nvPr/>
+        </p:nvSpPr>
+        <p:spPr>
+          <a:xfrm>
+            <a:off x="7318448" y="837848"/>
+            <a:ext cx="1617869" cy="369332"/>
+          </a:xfrm>
+          <a:prstGeom prst="rect">
+            <a:avLst/>
+          </a:prstGeom>
+          <a:noFill/>
+        </p:spPr>
+        <p:txBody>
+          <a:bodyPr wrap="square">
+            <a:spAutoFit/>
+          </a:bodyPr>
+          <a:lstStyle/>
+          <a:p>
+            <a:r>
+              <a:rPr lang="en-US" altLang="ko-KR" sz="1800" b="1" dirty="0"/>
+              <a:t>Scalar Case</a:t>
+            </a:r>
+            <a:endParaRPr lang="ko-KR" altLang="en-US" dirty="0"/>
+          </a:p>
+        </p:txBody>
+      </p:sp>
+      <p:sp>
+        <p:nvSpPr>
+          <p:cNvPr id="32" name="TextBox 31">
+            <a:extLst>
+              <a:ext uri="{FF2B5EF4-FFF2-40B4-BE49-F238E27FC236}">
+                <a16:creationId xmlns:a16="http://schemas.microsoft.com/office/drawing/2014/main" id="{16ECFBFA-FBE8-1C12-3144-54284D8FFAE9}"/>
+              </a:ext>
+            </a:extLst>
+          </p:cNvPr>
+          <p:cNvSpPr txBox="1"/>
+          <p:nvPr/>
+        </p:nvSpPr>
+        <p:spPr>
+          <a:xfrm>
+            <a:off x="7318448" y="2533692"/>
+            <a:ext cx="1617869" cy="369332"/>
+          </a:xfrm>
+          <a:prstGeom prst="rect">
+            <a:avLst/>
+          </a:prstGeom>
+          <a:noFill/>
+        </p:spPr>
+        <p:txBody>
+          <a:bodyPr wrap="square">
+            <a:spAutoFit/>
+          </a:bodyPr>
+          <a:lstStyle/>
+          <a:p>
+            <a:r>
+              <a:rPr lang="en-US" altLang="ko-KR" sz="1800" b="1" dirty="0"/>
+              <a:t>Vector Case</a:t>
+            </a:r>
+            <a:endParaRPr lang="ko-KR" altLang="en-US" dirty="0"/>
+          </a:p>
+        </p:txBody>
+      </p:sp>
+      <p:pic>
+        <p:nvPicPr>
+          <p:cNvPr id="34" name="그림 33">
+            <a:extLst>
+              <a:ext uri="{FF2B5EF4-FFF2-40B4-BE49-F238E27FC236}">
+                <a16:creationId xmlns:a16="http://schemas.microsoft.com/office/drawing/2014/main" id="{ABE4F205-80FA-3E1A-86FE-CB034C816B26}"/>
+              </a:ext>
+            </a:extLst>
+          </p:cNvPr>
+          <p:cNvPicPr>
+            <a:picLocks noChangeAspect="1"/>
+          </p:cNvPicPr>
+          <p:nvPr/>
+        </p:nvPicPr>
+        <p:blipFill>
+          <a:blip r:embed="rId6"/>
+          <a:stretch>
+            <a:fillRect/>
+          </a:stretch>
+        </p:blipFill>
+        <p:spPr>
+          <a:xfrm>
+            <a:off x="7318448" y="2913942"/>
+            <a:ext cx="3191351" cy="1137148"/>
+          </a:xfrm>
+          <a:prstGeom prst="rect">
+            <a:avLst/>
+          </a:prstGeom>
+          <a:ln>
+            <a:solidFill>
+              <a:srgbClr val="002060"/>
+            </a:solidFill>
+          </a:ln>
+        </p:spPr>
+      </p:pic>
+      <p:sp>
+        <p:nvSpPr>
+          <p:cNvPr id="35" name="TextBox 34">
+            <a:extLst>
+              <a:ext uri="{FF2B5EF4-FFF2-40B4-BE49-F238E27FC236}">
+                <a16:creationId xmlns:a16="http://schemas.microsoft.com/office/drawing/2014/main" id="{C66DAF60-1C12-28A7-FB5F-7CEEF3B336EC}"/>
+              </a:ext>
+            </a:extLst>
+          </p:cNvPr>
+          <p:cNvSpPr txBox="1"/>
+          <p:nvPr/>
+        </p:nvSpPr>
+        <p:spPr>
+          <a:xfrm>
+            <a:off x="383863" y="3986375"/>
+            <a:ext cx="3747459" cy="461665"/>
+          </a:xfrm>
+          <a:prstGeom prst="rect">
+            <a:avLst/>
+          </a:prstGeom>
+          <a:noFill/>
+        </p:spPr>
+        <p:txBody>
+          <a:bodyPr wrap="square" rtlCol="0">
+            <a:spAutoFit/>
+          </a:bodyPr>
+          <a:lstStyle/>
+          <a:p>
+            <a:r>
+              <a:rPr lang="en-US" altLang="ko-KR" sz="2400" b="1" dirty="0"/>
+              <a:t>In case of pendulum,</a:t>
+            </a:r>
+            <a:endParaRPr lang="ko-KR" altLang="en-US" sz="2400" b="1" dirty="0"/>
+          </a:p>
+        </p:txBody>
+      </p:sp>
+      <p:pic>
+        <p:nvPicPr>
+          <p:cNvPr id="37" name="그림 36">
+            <a:extLst>
+              <a:ext uri="{FF2B5EF4-FFF2-40B4-BE49-F238E27FC236}">
+                <a16:creationId xmlns:a16="http://schemas.microsoft.com/office/drawing/2014/main" id="{151BF556-7326-C410-9EE1-E7AD32EEA3B9}"/>
+              </a:ext>
+            </a:extLst>
+          </p:cNvPr>
+          <p:cNvPicPr>
+            <a:picLocks noChangeAspect="1"/>
+          </p:cNvPicPr>
+          <p:nvPr/>
+        </p:nvPicPr>
+        <p:blipFill>
+          <a:blip r:embed="rId7"/>
+          <a:stretch>
+            <a:fillRect/>
+          </a:stretch>
+        </p:blipFill>
+        <p:spPr>
+          <a:xfrm>
+            <a:off x="426668" y="4889747"/>
+            <a:ext cx="5832730" cy="1252428"/>
+          </a:xfrm>
+          <a:prstGeom prst="rect">
+            <a:avLst/>
+          </a:prstGeom>
+        </p:spPr>
+      </p:pic>
+      <p:pic>
+        <p:nvPicPr>
+          <p:cNvPr id="39" name="그림 38">
+            <a:extLst>
+              <a:ext uri="{FF2B5EF4-FFF2-40B4-BE49-F238E27FC236}">
+                <a16:creationId xmlns:a16="http://schemas.microsoft.com/office/drawing/2014/main" id="{B6B165E9-0DA8-505E-AFF2-749861E05390}"/>
+              </a:ext>
+            </a:extLst>
+          </p:cNvPr>
+          <p:cNvPicPr>
+            <a:picLocks noChangeAspect="1"/>
+          </p:cNvPicPr>
+          <p:nvPr/>
+        </p:nvPicPr>
+        <p:blipFill>
+          <a:blip r:embed="rId8"/>
+          <a:stretch>
+            <a:fillRect/>
+          </a:stretch>
+        </p:blipFill>
+        <p:spPr>
+          <a:xfrm>
+            <a:off x="7066379" y="4455304"/>
+            <a:ext cx="4606222" cy="2057722"/>
+          </a:xfrm>
+          <a:prstGeom prst="rect">
+            <a:avLst/>
+          </a:prstGeom>
+        </p:spPr>
+      </p:pic>
+      <p:sp>
+        <p:nvSpPr>
+          <p:cNvPr id="41" name="화살표: 오른쪽 40">
+            <a:extLst>
+              <a:ext uri="{FF2B5EF4-FFF2-40B4-BE49-F238E27FC236}">
+                <a16:creationId xmlns:a16="http://schemas.microsoft.com/office/drawing/2014/main" id="{B87B3945-D02E-4446-C3DE-4499F53ACD62}"/>
+              </a:ext>
+            </a:extLst>
+          </p:cNvPr>
+          <p:cNvSpPr/>
+          <p:nvPr/>
+        </p:nvSpPr>
+        <p:spPr>
+          <a:xfrm>
+            <a:off x="6429069" y="5173731"/>
+            <a:ext cx="637310" cy="684459"/>
+          </a:xfrm>
+          <a:prstGeom prst="rightArrow">
+            <a:avLst/>
+          </a:prstGeom>
+        </p:spPr>
+        <p:style>
+          <a:lnRef idx="2">
+            <a:schemeClr val="accent1">
+              <a:shade val="15000"/>
+            </a:schemeClr>
+          </a:lnRef>
+          <a:fillRef idx="1">
+            <a:schemeClr val="accent1"/>
+          </a:fillRef>
+          <a:effectRef idx="0">
+            <a:schemeClr val="accent1"/>
+          </a:effectRef>
+          <a:fontRef idx="minor">
+            <a:schemeClr val="lt1"/>
+          </a:fontRef>
+        </p:style>
+        <p:txBody>
+          <a:bodyPr rtlCol="0" anchor="ctr"/>
+          <a:lstStyle/>
+          <a:p>
+            <a:pPr algn="ctr"/>
+            <a:endParaRPr lang="ko-KR" altLang="en-US"/>
+          </a:p>
+        </p:txBody>
+      </p:sp>
+      <p:sp>
+        <p:nvSpPr>
+          <p:cNvPr id="42" name="직사각형 41">
+            <a:extLst>
+              <a:ext uri="{FF2B5EF4-FFF2-40B4-BE49-F238E27FC236}">
+                <a16:creationId xmlns:a16="http://schemas.microsoft.com/office/drawing/2014/main" id="{D03BBB67-D39E-73A4-E6A7-B96873786E88}"/>
+              </a:ext>
+            </a:extLst>
+          </p:cNvPr>
+          <p:cNvSpPr/>
+          <p:nvPr/>
+        </p:nvSpPr>
+        <p:spPr>
+          <a:xfrm>
+            <a:off x="9838859" y="4656841"/>
+            <a:ext cx="1661842" cy="1677971"/>
+          </a:xfrm>
+          <a:prstGeom prst="rect">
+            <a:avLst/>
+          </a:prstGeom>
+          <a:noFill/>
+        </p:spPr>
+        <p:style>
+          <a:lnRef idx="2">
+            <a:schemeClr val="accent1">
+              <a:shade val="15000"/>
+            </a:schemeClr>
+          </a:lnRef>
+          <a:fillRef idx="1">
+            <a:schemeClr val="accent1"/>
+          </a:fillRef>
+          <a:effectRef idx="0">
+            <a:schemeClr val="accent1"/>
+          </a:effectRef>
+          <a:fontRef idx="minor">
+            <a:schemeClr val="lt1"/>
+          </a:fontRef>
+        </p:style>
+        <p:txBody>
+          <a:bodyPr rtlCol="0" anchor="ctr"/>
+          <a:lstStyle/>
+          <a:p>
+            <a:pPr algn="ctr"/>
+            <a:endParaRPr lang="ko-KR" altLang="en-US"/>
+          </a:p>
+        </p:txBody>
+      </p:sp>
+      <p:sp>
+        <p:nvSpPr>
+          <p:cNvPr id="44" name="TextBox 43">
+            <a:extLst>
+              <a:ext uri="{FF2B5EF4-FFF2-40B4-BE49-F238E27FC236}">
+                <a16:creationId xmlns:a16="http://schemas.microsoft.com/office/drawing/2014/main" id="{AA43BF0D-6517-E5C3-2EDE-4437E7939F95}"/>
+              </a:ext>
+            </a:extLst>
+          </p:cNvPr>
+          <p:cNvSpPr txBox="1"/>
+          <p:nvPr/>
+        </p:nvSpPr>
+        <p:spPr>
+          <a:xfrm>
+            <a:off x="10197670" y="4324738"/>
+            <a:ext cx="944220" cy="307777"/>
+          </a:xfrm>
+          <a:prstGeom prst="rect">
+            <a:avLst/>
+          </a:prstGeom>
+          <a:noFill/>
+        </p:spPr>
+        <p:txBody>
+          <a:bodyPr wrap="square">
+            <a:spAutoFit/>
+          </a:bodyPr>
+          <a:lstStyle/>
+          <a:p>
+            <a:r>
+              <a:rPr lang="en-US" altLang="ko-KR" sz="1400" b="1" dirty="0"/>
+              <a:t>Unstable</a:t>
+            </a:r>
+            <a:endParaRPr lang="ko-KR" altLang="en-US" sz="1400" dirty="0"/>
+          </a:p>
+        </p:txBody>
+      </p:sp>
+      <p:sp>
+        <p:nvSpPr>
+          <p:cNvPr id="45" name="TextBox 44">
+            <a:extLst>
+              <a:ext uri="{FF2B5EF4-FFF2-40B4-BE49-F238E27FC236}">
+                <a16:creationId xmlns:a16="http://schemas.microsoft.com/office/drawing/2014/main" id="{86DA49F0-3734-AACB-CA25-C7C92D7B45FC}"/>
+              </a:ext>
+            </a:extLst>
+          </p:cNvPr>
+          <p:cNvSpPr txBox="1"/>
+          <p:nvPr/>
+        </p:nvSpPr>
+        <p:spPr>
+          <a:xfrm>
+            <a:off x="10020693" y="5330276"/>
+            <a:ext cx="1385740" cy="400110"/>
+          </a:xfrm>
+          <a:prstGeom prst="rect">
+            <a:avLst/>
+          </a:prstGeom>
+          <a:noFill/>
+        </p:spPr>
+        <p:txBody>
+          <a:bodyPr wrap="square">
+            <a:spAutoFit/>
+          </a:bodyPr>
+          <a:lstStyle/>
+          <a:p>
+            <a:r>
+              <a:rPr lang="en-US" altLang="ko-KR" sz="1200" b="1" dirty="0"/>
+              <a:t>Pure Imaginary</a:t>
+            </a:r>
+          </a:p>
+          <a:p>
+            <a:r>
+              <a:rPr lang="en-US" altLang="ko-KR" sz="800" b="1" dirty="0"/>
+              <a:t>What does this mean…? </a:t>
+            </a:r>
+            <a:endParaRPr lang="ko-KR" altLang="en-US" sz="800" b="1" dirty="0"/>
+          </a:p>
+        </p:txBody>
+      </p:sp>
+    </p:spTree>
+    <p:extLst>
+      <p:ext uri="{BB962C8B-B14F-4D97-AF65-F5344CB8AC3E}">
+        <p14:creationId xmlns:p14="http://schemas.microsoft.com/office/powerpoint/2010/main" val="30883943"/>
       </p:ext>
     </p:extLst>
   </p:cSld>

--- a/lecture_contents/presentation_1.pptx
+++ b/lecture_contents/presentation_1.pptx
@@ -7076,7 +7076,7 @@
         </p:blipFill>
         <p:spPr bwMode="auto">
           <a:xfrm>
-            <a:off x="6548582" y="3429000"/>
+            <a:off x="6548582" y="3964697"/>
             <a:ext cx="4802909" cy="2438977"/>
           </a:xfrm>
           <a:prstGeom prst="rect">
@@ -7108,7 +7108,7 @@
         </p:nvSpPr>
         <p:spPr>
           <a:xfrm>
-            <a:off x="5982854" y="5942733"/>
+            <a:off x="5982854" y="6478430"/>
             <a:ext cx="6451599" cy="230832"/>
           </a:xfrm>
           <a:prstGeom prst="rect">
@@ -7505,8 +7505,8 @@
         </p:blipFill>
         <p:spPr>
           <a:xfrm>
-            <a:off x="7309092" y="1220333"/>
-            <a:ext cx="3547272" cy="1497014"/>
+            <a:off x="7420686" y="1208189"/>
+            <a:ext cx="3321963" cy="1401929"/>
           </a:xfrm>
           <a:prstGeom prst="rect">
             <a:avLst/>
@@ -7528,7 +7528,7 @@
         <p:spPr>
           <a:xfrm>
             <a:off x="7170546" y="2592906"/>
-            <a:ext cx="4661235" cy="584775"/>
+            <a:ext cx="4661235" cy="338554"/>
           </a:xfrm>
           <a:prstGeom prst="rect">
             <a:avLst/>
@@ -7547,13 +7547,7 @@
             </a:pPr>
             <a:r>
               <a:rPr lang="en-US" altLang="ko-KR" sz="1600" b="1" dirty="0"/>
-              <a:t>It has no relationship btw </a:t>
-            </a:r>
-          </a:p>
-          <a:p>
-            <a:r>
-              <a:rPr lang="en-US" altLang="ko-KR" sz="1600" b="1" dirty="0"/>
-              <a:t>    Time Invariant &amp; Linear Approx ex) TDLQR</a:t>
+              <a:t>Time Variant &amp; Linear Approx ex) TDLQR</a:t>
             </a:r>
             <a:endParaRPr lang="ko-KR" altLang="en-US" sz="1600" b="1" dirty="0"/>
           </a:p>
@@ -8367,7 +8361,7 @@
         </p:nvSpPr>
         <p:spPr>
           <a:xfrm>
-            <a:off x="339862" y="746524"/>
+            <a:off x="151326" y="617279"/>
             <a:ext cx="11349375" cy="461665"/>
           </a:xfrm>
           <a:prstGeom prst="rect">
@@ -9165,7 +9159,7 @@
         </p:nvSpPr>
         <p:spPr>
           <a:xfrm>
-            <a:off x="383863" y="3986375"/>
+            <a:off x="383863" y="4242029"/>
             <a:ext cx="3747459" cy="461665"/>
           </a:xfrm>
           <a:prstGeom prst="rect">
